--- a/PPT/02.자바스크립트 - 함수.pptx
+++ b/PPT/02.자바스크립트 - 함수.pptx
@@ -172,6 +172,1444 @@
 <file path=ppt/changesInfos/changesInfo1.xml><?xml version="1.0" encoding="utf-8"?>
 <pc:chgInfo xmlns:a="http://schemas.openxmlformats.org/drawingml/2006/main" xmlns:r="http://schemas.openxmlformats.org/officeDocument/2006/relationships" xmlns:ac="http://schemas.microsoft.com/office/drawing/2013/main/command" xmlns:pc="http://schemas.microsoft.com/office/powerpoint/2013/main/command">
   <pc:docChgLst>
+    <pc:chgData name="jeongkilyong" userId="42a1e730-e7ec-4950-9a60-48236c77d83b" providerId="ADAL" clId="{C829C101-7AA3-440D-84DD-C1BC9B3A4084}"/>
+    <pc:docChg chg="undo custSel modSld">
+      <pc:chgData name="jeongkilyong" userId="42a1e730-e7ec-4950-9a60-48236c77d83b" providerId="ADAL" clId="{C829C101-7AA3-440D-84DD-C1BC9B3A4084}" dt="2024-02-27T14:14:02.315" v="350" actId="20577"/>
+      <pc:docMkLst>
+        <pc:docMk/>
+      </pc:docMkLst>
+      <pc:sldChg chg="modSp mod">
+        <pc:chgData name="jeongkilyong" userId="42a1e730-e7ec-4950-9a60-48236c77d83b" providerId="ADAL" clId="{C829C101-7AA3-440D-84DD-C1BC9B3A4084}" dt="2024-02-27T14:03:16.894" v="81"/>
+        <pc:sldMkLst>
+          <pc:docMk/>
+          <pc:sldMk cId="3849138561" sldId="293"/>
+        </pc:sldMkLst>
+        <pc:spChg chg="mod">
+          <ac:chgData name="jeongkilyong" userId="42a1e730-e7ec-4950-9a60-48236c77d83b" providerId="ADAL" clId="{C829C101-7AA3-440D-84DD-C1BC9B3A4084}" dt="2024-02-27T14:03:16.894" v="81"/>
+          <ac:spMkLst>
+            <pc:docMk/>
+            <pc:sldMk cId="3849138561" sldId="293"/>
+            <ac:spMk id="6" creationId="{CC9A24F6-8184-44CF-901E-E7CF5E67EB5C}"/>
+          </ac:spMkLst>
+        </pc:spChg>
+      </pc:sldChg>
+      <pc:sldChg chg="modSp mod">
+        <pc:chgData name="jeongkilyong" userId="42a1e730-e7ec-4950-9a60-48236c77d83b" providerId="ADAL" clId="{C829C101-7AA3-440D-84DD-C1BC9B3A4084}" dt="2024-02-27T14:04:43.266" v="115"/>
+        <pc:sldMkLst>
+          <pc:docMk/>
+          <pc:sldMk cId="268326346" sldId="294"/>
+        </pc:sldMkLst>
+        <pc:spChg chg="mod">
+          <ac:chgData name="jeongkilyong" userId="42a1e730-e7ec-4950-9a60-48236c77d83b" providerId="ADAL" clId="{C829C101-7AA3-440D-84DD-C1BC9B3A4084}" dt="2024-02-27T14:04:39.920" v="114" actId="20577"/>
+          <ac:spMkLst>
+            <pc:docMk/>
+            <pc:sldMk cId="268326346" sldId="294"/>
+            <ac:spMk id="7" creationId="{4103BDBF-91D9-4B73-ABA5-72E2F8288E55}"/>
+          </ac:spMkLst>
+        </pc:spChg>
+        <pc:spChg chg="mod">
+          <ac:chgData name="jeongkilyong" userId="42a1e730-e7ec-4950-9a60-48236c77d83b" providerId="ADAL" clId="{C829C101-7AA3-440D-84DD-C1BC9B3A4084}" dt="2024-02-27T14:04:43.266" v="115"/>
+          <ac:spMkLst>
+            <pc:docMk/>
+            <pc:sldMk cId="268326346" sldId="294"/>
+            <ac:spMk id="8" creationId="{28EB9FA0-4C4F-4A06-A5C7-DC42476C7DD6}"/>
+          </ac:spMkLst>
+        </pc:spChg>
+      </pc:sldChg>
+      <pc:sldChg chg="modSp mod">
+        <pc:chgData name="jeongkilyong" userId="42a1e730-e7ec-4950-9a60-48236c77d83b" providerId="ADAL" clId="{C829C101-7AA3-440D-84DD-C1BC9B3A4084}" dt="2024-02-27T14:03:46.238" v="86"/>
+        <pc:sldMkLst>
+          <pc:docMk/>
+          <pc:sldMk cId="900103486" sldId="295"/>
+        </pc:sldMkLst>
+        <pc:spChg chg="mod">
+          <ac:chgData name="jeongkilyong" userId="42a1e730-e7ec-4950-9a60-48236c77d83b" providerId="ADAL" clId="{C829C101-7AA3-440D-84DD-C1BC9B3A4084}" dt="2024-02-27T14:03:46.238" v="86"/>
+          <ac:spMkLst>
+            <pc:docMk/>
+            <pc:sldMk cId="900103486" sldId="295"/>
+            <ac:spMk id="6" creationId="{A7057724-C8EE-4439-9E0A-898831E087C2}"/>
+          </ac:spMkLst>
+        </pc:spChg>
+      </pc:sldChg>
+      <pc:sldChg chg="modSp mod">
+        <pc:chgData name="jeongkilyong" userId="42a1e730-e7ec-4950-9a60-48236c77d83b" providerId="ADAL" clId="{C829C101-7AA3-440D-84DD-C1BC9B3A4084}" dt="2024-02-27T14:09:32.768" v="203" actId="1076"/>
+        <pc:sldMkLst>
+          <pc:docMk/>
+          <pc:sldMk cId="53578821" sldId="296"/>
+        </pc:sldMkLst>
+        <pc:spChg chg="mod">
+          <ac:chgData name="jeongkilyong" userId="42a1e730-e7ec-4950-9a60-48236c77d83b" providerId="ADAL" clId="{C829C101-7AA3-440D-84DD-C1BC9B3A4084}" dt="2024-02-27T14:09:30.651" v="202" actId="20577"/>
+          <ac:spMkLst>
+            <pc:docMk/>
+            <pc:sldMk cId="53578821" sldId="296"/>
+            <ac:spMk id="5" creationId="{20B7D52D-9A43-487C-B27D-03DFB8EBDBC7}"/>
+          </ac:spMkLst>
+        </pc:spChg>
+        <pc:spChg chg="mod">
+          <ac:chgData name="jeongkilyong" userId="42a1e730-e7ec-4950-9a60-48236c77d83b" providerId="ADAL" clId="{C829C101-7AA3-440D-84DD-C1BC9B3A4084}" dt="2024-02-27T14:09:32.768" v="203" actId="1076"/>
+          <ac:spMkLst>
+            <pc:docMk/>
+            <pc:sldMk cId="53578821" sldId="296"/>
+            <ac:spMk id="6" creationId="{8958952E-BFAE-4CF7-9956-44D7D901532A}"/>
+          </ac:spMkLst>
+        </pc:spChg>
+      </pc:sldChg>
+      <pc:sldChg chg="modSp mod">
+        <pc:chgData name="jeongkilyong" userId="42a1e730-e7ec-4950-9a60-48236c77d83b" providerId="ADAL" clId="{C829C101-7AA3-440D-84DD-C1BC9B3A4084}" dt="2024-02-27T13:21:20.183" v="41"/>
+        <pc:sldMkLst>
+          <pc:docMk/>
+          <pc:sldMk cId="706516692" sldId="297"/>
+        </pc:sldMkLst>
+        <pc:spChg chg="mod">
+          <ac:chgData name="jeongkilyong" userId="42a1e730-e7ec-4950-9a60-48236c77d83b" providerId="ADAL" clId="{C829C101-7AA3-440D-84DD-C1BC9B3A4084}" dt="2024-02-27T13:21:20.183" v="41"/>
+          <ac:spMkLst>
+            <pc:docMk/>
+            <pc:sldMk cId="706516692" sldId="297"/>
+            <ac:spMk id="6" creationId="{91C63D14-5017-4D63-92B4-8C8228768D2C}"/>
+          </ac:spMkLst>
+        </pc:spChg>
+        <pc:spChg chg="mod">
+          <ac:chgData name="jeongkilyong" userId="42a1e730-e7ec-4950-9a60-48236c77d83b" providerId="ADAL" clId="{C829C101-7AA3-440D-84DD-C1BC9B3A4084}" dt="2024-02-27T13:21:19.817" v="40"/>
+          <ac:spMkLst>
+            <pc:docMk/>
+            <pc:sldMk cId="706516692" sldId="297"/>
+            <ac:spMk id="11" creationId="{ACC1F2DB-F4F7-43DD-BC81-2D5288BE1863}"/>
+          </ac:spMkLst>
+        </pc:spChg>
+      </pc:sldChg>
+      <pc:sldChg chg="modSp mod">
+        <pc:chgData name="jeongkilyong" userId="42a1e730-e7ec-4950-9a60-48236c77d83b" providerId="ADAL" clId="{C829C101-7AA3-440D-84DD-C1BC9B3A4084}" dt="2024-02-25T22:47:22.395" v="14" actId="20577"/>
+        <pc:sldMkLst>
+          <pc:docMk/>
+          <pc:sldMk cId="1147875491" sldId="299"/>
+        </pc:sldMkLst>
+        <pc:spChg chg="mod">
+          <ac:chgData name="jeongkilyong" userId="42a1e730-e7ec-4950-9a60-48236c77d83b" providerId="ADAL" clId="{C829C101-7AA3-440D-84DD-C1BC9B3A4084}" dt="2024-02-25T22:47:22.395" v="14" actId="20577"/>
+          <ac:spMkLst>
+            <pc:docMk/>
+            <pc:sldMk cId="1147875491" sldId="299"/>
+            <ac:spMk id="5" creationId="{D8A199DF-DA5C-46F4-BA3D-45DAE45DF8C2}"/>
+          </ac:spMkLst>
+        </pc:spChg>
+      </pc:sldChg>
+      <pc:sldChg chg="modSp mod">
+        <pc:chgData name="jeongkilyong" userId="42a1e730-e7ec-4950-9a60-48236c77d83b" providerId="ADAL" clId="{C829C101-7AA3-440D-84DD-C1BC9B3A4084}" dt="2024-02-27T14:05:12.170" v="116"/>
+        <pc:sldMkLst>
+          <pc:docMk/>
+          <pc:sldMk cId="1995295054" sldId="300"/>
+        </pc:sldMkLst>
+        <pc:spChg chg="mod">
+          <ac:chgData name="jeongkilyong" userId="42a1e730-e7ec-4950-9a60-48236c77d83b" providerId="ADAL" clId="{C829C101-7AA3-440D-84DD-C1BC9B3A4084}" dt="2024-02-27T14:05:12.170" v="116"/>
+          <ac:spMkLst>
+            <pc:docMk/>
+            <pc:sldMk cId="1995295054" sldId="300"/>
+            <ac:spMk id="6" creationId="{40A6A68B-D0DB-4076-B0DE-C97614AC0B08}"/>
+          </ac:spMkLst>
+        </pc:spChg>
+      </pc:sldChg>
+      <pc:sldChg chg="modSp mod">
+        <pc:chgData name="jeongkilyong" userId="42a1e730-e7ec-4950-9a60-48236c77d83b" providerId="ADAL" clId="{C829C101-7AA3-440D-84DD-C1BC9B3A4084}" dt="2024-02-27T14:12:39.105" v="307" actId="20577"/>
+        <pc:sldMkLst>
+          <pc:docMk/>
+          <pc:sldMk cId="728317058" sldId="301"/>
+        </pc:sldMkLst>
+        <pc:spChg chg="mod">
+          <ac:chgData name="jeongkilyong" userId="42a1e730-e7ec-4950-9a60-48236c77d83b" providerId="ADAL" clId="{C829C101-7AA3-440D-84DD-C1BC9B3A4084}" dt="2024-02-27T14:12:39.105" v="307" actId="20577"/>
+          <ac:spMkLst>
+            <pc:docMk/>
+            <pc:sldMk cId="728317058" sldId="301"/>
+            <ac:spMk id="5" creationId="{D7E0082D-4D9F-4BA6-A2BD-79C674EA2B83}"/>
+          </ac:spMkLst>
+        </pc:spChg>
+        <pc:spChg chg="mod">
+          <ac:chgData name="jeongkilyong" userId="42a1e730-e7ec-4950-9a60-48236c77d83b" providerId="ADAL" clId="{C829C101-7AA3-440D-84DD-C1BC9B3A4084}" dt="2024-02-27T14:06:03.534" v="118"/>
+          <ac:spMkLst>
+            <pc:docMk/>
+            <pc:sldMk cId="728317058" sldId="301"/>
+            <ac:spMk id="6" creationId="{82CB4DAD-FF6C-4563-BE83-1F10016A48CE}"/>
+          </ac:spMkLst>
+        </pc:spChg>
+      </pc:sldChg>
+      <pc:sldChg chg="modSp mod">
+        <pc:chgData name="jeongkilyong" userId="42a1e730-e7ec-4950-9a60-48236c77d83b" providerId="ADAL" clId="{C829C101-7AA3-440D-84DD-C1BC9B3A4084}" dt="2024-02-27T14:06:10.908" v="119"/>
+        <pc:sldMkLst>
+          <pc:docMk/>
+          <pc:sldMk cId="2047273615" sldId="304"/>
+        </pc:sldMkLst>
+        <pc:spChg chg="mod">
+          <ac:chgData name="jeongkilyong" userId="42a1e730-e7ec-4950-9a60-48236c77d83b" providerId="ADAL" clId="{C829C101-7AA3-440D-84DD-C1BC9B3A4084}" dt="2024-02-27T14:06:10.908" v="119"/>
+          <ac:spMkLst>
+            <pc:docMk/>
+            <pc:sldMk cId="2047273615" sldId="304"/>
+            <ac:spMk id="5" creationId="{2D5179D7-41F6-43BF-8F1A-9EAE78209FF5}"/>
+          </ac:spMkLst>
+        </pc:spChg>
+      </pc:sldChg>
+      <pc:sldChg chg="modSp mod">
+        <pc:chgData name="jeongkilyong" userId="42a1e730-e7ec-4950-9a60-48236c77d83b" providerId="ADAL" clId="{C829C101-7AA3-440D-84DD-C1BC9B3A4084}" dt="2024-02-27T14:07:03.806" v="139" actId="20577"/>
+        <pc:sldMkLst>
+          <pc:docMk/>
+          <pc:sldMk cId="1072873972" sldId="306"/>
+        </pc:sldMkLst>
+        <pc:spChg chg="mod">
+          <ac:chgData name="jeongkilyong" userId="42a1e730-e7ec-4950-9a60-48236c77d83b" providerId="ADAL" clId="{C829C101-7AA3-440D-84DD-C1BC9B3A4084}" dt="2024-02-27T14:07:03.806" v="139" actId="20577"/>
+          <ac:spMkLst>
+            <pc:docMk/>
+            <pc:sldMk cId="1072873972" sldId="306"/>
+            <ac:spMk id="6" creationId="{C6196F20-0327-4D94-AFCF-9E04CC55FEB5}"/>
+          </ac:spMkLst>
+        </pc:spChg>
+        <pc:spChg chg="mod">
+          <ac:chgData name="jeongkilyong" userId="42a1e730-e7ec-4950-9a60-48236c77d83b" providerId="ADAL" clId="{C829C101-7AA3-440D-84DD-C1BC9B3A4084}" dt="2024-02-27T13:28:16.525" v="55"/>
+          <ac:spMkLst>
+            <pc:docMk/>
+            <pc:sldMk cId="1072873972" sldId="306"/>
+            <ac:spMk id="7" creationId="{5571D52D-2E53-4760-956C-02B8690C9F6C}"/>
+          </ac:spMkLst>
+        </pc:spChg>
+        <pc:spChg chg="mod">
+          <ac:chgData name="jeongkilyong" userId="42a1e730-e7ec-4950-9a60-48236c77d83b" providerId="ADAL" clId="{C829C101-7AA3-440D-84DD-C1BC9B3A4084}" dt="2024-02-27T14:06:30.512" v="124"/>
+          <ac:spMkLst>
+            <pc:docMk/>
+            <pc:sldMk cId="1072873972" sldId="306"/>
+            <ac:spMk id="8" creationId="{66A1BFD6-F0C0-4865-8C4C-32DA67A0B726}"/>
+          </ac:spMkLst>
+        </pc:spChg>
+        <pc:spChg chg="mod">
+          <ac:chgData name="jeongkilyong" userId="42a1e730-e7ec-4950-9a60-48236c77d83b" providerId="ADAL" clId="{C829C101-7AA3-440D-84DD-C1BC9B3A4084}" dt="2024-02-27T13:28:23.110" v="60"/>
+          <ac:spMkLst>
+            <pc:docMk/>
+            <pc:sldMk cId="1072873972" sldId="306"/>
+            <ac:spMk id="9" creationId="{50833E9C-209C-42E9-9121-EC72C9F3492A}"/>
+          </ac:spMkLst>
+        </pc:spChg>
+        <pc:spChg chg="mod">
+          <ac:chgData name="jeongkilyong" userId="42a1e730-e7ec-4950-9a60-48236c77d83b" providerId="ADAL" clId="{C829C101-7AA3-440D-84DD-C1BC9B3A4084}" dt="2024-02-27T14:06:32.507" v="125"/>
+          <ac:spMkLst>
+            <pc:docMk/>
+            <pc:sldMk cId="1072873972" sldId="306"/>
+            <ac:spMk id="10" creationId="{8C376DC2-1C48-4A0B-9E84-0E3C9A4A33BC}"/>
+          </ac:spMkLst>
+        </pc:spChg>
+      </pc:sldChg>
+      <pc:sldChg chg="addSp modSp mod">
+        <pc:chgData name="jeongkilyong" userId="42a1e730-e7ec-4950-9a60-48236c77d83b" providerId="ADAL" clId="{C829C101-7AA3-440D-84DD-C1BC9B3A4084}" dt="2024-02-27T14:14:02.315" v="350" actId="20577"/>
+        <pc:sldMkLst>
+          <pc:docMk/>
+          <pc:sldMk cId="2454054059" sldId="307"/>
+        </pc:sldMkLst>
+        <pc:spChg chg="mod">
+          <ac:chgData name="jeongkilyong" userId="42a1e730-e7ec-4950-9a60-48236c77d83b" providerId="ADAL" clId="{C829C101-7AA3-440D-84DD-C1BC9B3A4084}" dt="2024-02-27T14:13:24.647" v="308" actId="1076"/>
+          <ac:spMkLst>
+            <pc:docMk/>
+            <pc:sldMk cId="2454054059" sldId="307"/>
+            <ac:spMk id="6" creationId="{A91144B5-CDF5-4014-8B33-D86DB6134885}"/>
+          </ac:spMkLst>
+        </pc:spChg>
+        <pc:spChg chg="add mod">
+          <ac:chgData name="jeongkilyong" userId="42a1e730-e7ec-4950-9a60-48236c77d83b" providerId="ADAL" clId="{C829C101-7AA3-440D-84DD-C1BC9B3A4084}" dt="2024-02-27T14:14:02.315" v="350" actId="20577"/>
+          <ac:spMkLst>
+            <pc:docMk/>
+            <pc:sldMk cId="2454054059" sldId="307"/>
+            <ac:spMk id="7" creationId="{A41FDA8A-92A1-4D95-B416-57A37342D144}"/>
+          </ac:spMkLst>
+        </pc:spChg>
+      </pc:sldChg>
+      <pc:sldChg chg="modSp mod">
+        <pc:chgData name="jeongkilyong" userId="42a1e730-e7ec-4950-9a60-48236c77d83b" providerId="ADAL" clId="{C829C101-7AA3-440D-84DD-C1BC9B3A4084}" dt="2024-02-27T13:28:51.517" v="80" actId="20577"/>
+        <pc:sldMkLst>
+          <pc:docMk/>
+          <pc:sldMk cId="2470055609" sldId="308"/>
+        </pc:sldMkLst>
+        <pc:spChg chg="mod">
+          <ac:chgData name="jeongkilyong" userId="42a1e730-e7ec-4950-9a60-48236c77d83b" providerId="ADAL" clId="{C829C101-7AA3-440D-84DD-C1BC9B3A4084}" dt="2024-02-27T13:28:39.693" v="69" actId="6549"/>
+          <ac:spMkLst>
+            <pc:docMk/>
+            <pc:sldMk cId="2470055609" sldId="308"/>
+            <ac:spMk id="6" creationId="{106BF331-4F11-4B95-8CDE-DECBB947C942}"/>
+          </ac:spMkLst>
+        </pc:spChg>
+        <pc:spChg chg="mod">
+          <ac:chgData name="jeongkilyong" userId="42a1e730-e7ec-4950-9a60-48236c77d83b" providerId="ADAL" clId="{C829C101-7AA3-440D-84DD-C1BC9B3A4084}" dt="2024-02-27T13:28:45.295" v="74" actId="20577"/>
+          <ac:spMkLst>
+            <pc:docMk/>
+            <pc:sldMk cId="2470055609" sldId="308"/>
+            <ac:spMk id="7" creationId="{CC17DA7C-46B1-40A6-93FF-2167850D5AB5}"/>
+          </ac:spMkLst>
+        </pc:spChg>
+        <pc:spChg chg="mod">
+          <ac:chgData name="jeongkilyong" userId="42a1e730-e7ec-4950-9a60-48236c77d83b" providerId="ADAL" clId="{C829C101-7AA3-440D-84DD-C1BC9B3A4084}" dt="2024-02-27T13:28:51.517" v="80" actId="20577"/>
+          <ac:spMkLst>
+            <pc:docMk/>
+            <pc:sldMk cId="2470055609" sldId="308"/>
+            <ac:spMk id="8" creationId="{906D0147-0C23-4A00-ACA1-081365872690}"/>
+          </ac:spMkLst>
+        </pc:spChg>
+      </pc:sldChg>
+    </pc:docChg>
+  </pc:docChgLst>
+  <pc:docChgLst>
+    <pc:chgData name="jeongkilyong" userId="42a1e730-e7ec-4950-9a60-48236c77d83b" providerId="ADAL" clId="{102EE6A8-9256-46F7-BB6B-08B3E50DF173}"/>
+    <pc:docChg chg="undo custSel addSld delSld modSld">
+      <pc:chgData name="jeongkilyong" userId="42a1e730-e7ec-4950-9a60-48236c77d83b" providerId="ADAL" clId="{102EE6A8-9256-46F7-BB6B-08B3E50DF173}" dt="2023-10-25T02:45:45.241" v="1010" actId="207"/>
+      <pc:docMkLst>
+        <pc:docMk/>
+      </pc:docMkLst>
+      <pc:sldChg chg="addSp modSp add mod">
+        <pc:chgData name="jeongkilyong" userId="42a1e730-e7ec-4950-9a60-48236c77d83b" providerId="ADAL" clId="{102EE6A8-9256-46F7-BB6B-08B3E50DF173}" dt="2023-10-25T00:23:58.470" v="201"/>
+        <pc:sldMkLst>
+          <pc:docMk/>
+          <pc:sldMk cId="3084365525" sldId="280"/>
+        </pc:sldMkLst>
+        <pc:spChg chg="add mod">
+          <ac:chgData name="jeongkilyong" userId="42a1e730-e7ec-4950-9a60-48236c77d83b" providerId="ADAL" clId="{102EE6A8-9256-46F7-BB6B-08B3E50DF173}" dt="2023-10-25T00:23:58.470" v="201"/>
+          <ac:spMkLst>
+            <pc:docMk/>
+            <pc:sldMk cId="3084365525" sldId="280"/>
+            <ac:spMk id="5" creationId="{8FEEAF59-1AFE-44B7-890E-B01F4551EA2C}"/>
+          </ac:spMkLst>
+        </pc:spChg>
+        <pc:spChg chg="mod">
+          <ac:chgData name="jeongkilyong" userId="42a1e730-e7ec-4950-9a60-48236c77d83b" providerId="ADAL" clId="{102EE6A8-9256-46F7-BB6B-08B3E50DF173}" dt="2023-10-25T00:23:19.070" v="200" actId="6549"/>
+          <ac:spMkLst>
+            <pc:docMk/>
+            <pc:sldMk cId="3084365525" sldId="280"/>
+            <ac:spMk id="12" creationId="{10ACD4E5-1FFB-574E-8F99-C84FF7F7144F}"/>
+          </ac:spMkLst>
+        </pc:spChg>
+      </pc:sldChg>
+      <pc:sldChg chg="modSp mod">
+        <pc:chgData name="jeongkilyong" userId="42a1e730-e7ec-4950-9a60-48236c77d83b" providerId="ADAL" clId="{102EE6A8-9256-46F7-BB6B-08B3E50DF173}" dt="2023-10-25T00:20:12.673" v="14" actId="6549"/>
+        <pc:sldMkLst>
+          <pc:docMk/>
+          <pc:sldMk cId="4235148381" sldId="283"/>
+        </pc:sldMkLst>
+        <pc:spChg chg="mod">
+          <ac:chgData name="jeongkilyong" userId="42a1e730-e7ec-4950-9a60-48236c77d83b" providerId="ADAL" clId="{102EE6A8-9256-46F7-BB6B-08B3E50DF173}" dt="2023-10-25T00:20:08.583" v="1" actId="20577"/>
+          <ac:spMkLst>
+            <pc:docMk/>
+            <pc:sldMk cId="4235148381" sldId="283"/>
+            <ac:spMk id="22" creationId="{BD397849-435B-BC4F-B100-C72850C36522}"/>
+          </ac:spMkLst>
+        </pc:spChg>
+        <pc:spChg chg="mod">
+          <ac:chgData name="jeongkilyong" userId="42a1e730-e7ec-4950-9a60-48236c77d83b" providerId="ADAL" clId="{102EE6A8-9256-46F7-BB6B-08B3E50DF173}" dt="2023-10-25T00:20:12.673" v="14" actId="6549"/>
+          <ac:spMkLst>
+            <pc:docMk/>
+            <pc:sldMk cId="4235148381" sldId="283"/>
+            <ac:spMk id="26" creationId="{9E4FB064-8ECA-9144-943F-EC7F301DF48C}"/>
+          </ac:spMkLst>
+        </pc:spChg>
+      </pc:sldChg>
+      <pc:sldChg chg="modSp mod">
+        <pc:chgData name="jeongkilyong" userId="42a1e730-e7ec-4950-9a60-48236c77d83b" providerId="ADAL" clId="{102EE6A8-9256-46F7-BB6B-08B3E50DF173}" dt="2023-10-25T00:22:43.480" v="145" actId="1076"/>
+        <pc:sldMkLst>
+          <pc:docMk/>
+          <pc:sldMk cId="2518751162" sldId="285"/>
+        </pc:sldMkLst>
+        <pc:spChg chg="mod">
+          <ac:chgData name="jeongkilyong" userId="42a1e730-e7ec-4950-9a60-48236c77d83b" providerId="ADAL" clId="{102EE6A8-9256-46F7-BB6B-08B3E50DF173}" dt="2023-10-25T00:22:43.480" v="145" actId="1076"/>
+          <ac:spMkLst>
+            <pc:docMk/>
+            <pc:sldMk cId="2518751162" sldId="285"/>
+            <ac:spMk id="12" creationId="{F8B16E97-6244-1F49-89E2-02A389AB2CB2}"/>
+          </ac:spMkLst>
+        </pc:spChg>
+        <pc:spChg chg="mod">
+          <ac:chgData name="jeongkilyong" userId="42a1e730-e7ec-4950-9a60-48236c77d83b" providerId="ADAL" clId="{102EE6A8-9256-46F7-BB6B-08B3E50DF173}" dt="2023-10-25T00:20:19.809" v="27" actId="6549"/>
+          <ac:spMkLst>
+            <pc:docMk/>
+            <pc:sldMk cId="2518751162" sldId="285"/>
+            <ac:spMk id="14" creationId="{F7047AB8-3A27-8A4C-B98D-ABDB785695C1}"/>
+          </ac:spMkLst>
+        </pc:spChg>
+      </pc:sldChg>
+      <pc:sldChg chg="del">
+        <pc:chgData name="jeongkilyong" userId="42a1e730-e7ec-4950-9a60-48236c77d83b" providerId="ADAL" clId="{102EE6A8-9256-46F7-BB6B-08B3E50DF173}" dt="2023-10-25T00:24:29.761" v="214" actId="47"/>
+        <pc:sldMkLst>
+          <pc:docMk/>
+          <pc:sldMk cId="3364918572" sldId="286"/>
+        </pc:sldMkLst>
+      </pc:sldChg>
+      <pc:sldChg chg="addSp delSp modSp mod">
+        <pc:chgData name="jeongkilyong" userId="42a1e730-e7ec-4950-9a60-48236c77d83b" providerId="ADAL" clId="{102EE6A8-9256-46F7-BB6B-08B3E50DF173}" dt="2023-10-25T02:44:18.449" v="1002" actId="207"/>
+        <pc:sldMkLst>
+          <pc:docMk/>
+          <pc:sldMk cId="3485235614" sldId="292"/>
+        </pc:sldMkLst>
+        <pc:spChg chg="del">
+          <ac:chgData name="jeongkilyong" userId="42a1e730-e7ec-4950-9a60-48236c77d83b" providerId="ADAL" clId="{102EE6A8-9256-46F7-BB6B-08B3E50DF173}" dt="2023-10-25T00:24:20.274" v="212" actId="478"/>
+          <ac:spMkLst>
+            <pc:docMk/>
+            <pc:sldMk cId="3485235614" sldId="292"/>
+            <ac:spMk id="5" creationId="{FB35D915-9598-4DE5-A561-CC6FE4D2171D}"/>
+          </ac:spMkLst>
+        </pc:spChg>
+        <pc:spChg chg="del">
+          <ac:chgData name="jeongkilyong" userId="42a1e730-e7ec-4950-9a60-48236c77d83b" providerId="ADAL" clId="{102EE6A8-9256-46F7-BB6B-08B3E50DF173}" dt="2023-10-25T00:24:23.854" v="213" actId="478"/>
+          <ac:spMkLst>
+            <pc:docMk/>
+            <pc:sldMk cId="3485235614" sldId="292"/>
+            <ac:spMk id="7" creationId="{E08312F0-3BD2-4F32-9089-FB425567B7D7}"/>
+          </ac:spMkLst>
+        </pc:spChg>
+        <pc:spChg chg="add mod">
+          <ac:chgData name="jeongkilyong" userId="42a1e730-e7ec-4950-9a60-48236c77d83b" providerId="ADAL" clId="{102EE6A8-9256-46F7-BB6B-08B3E50DF173}" dt="2023-10-25T02:44:18.449" v="1002" actId="207"/>
+          <ac:spMkLst>
+            <pc:docMk/>
+            <pc:sldMk cId="3485235614" sldId="292"/>
+            <ac:spMk id="8" creationId="{89B977A4-3369-4D4B-AD48-E2F2CA7D0947}"/>
+          </ac:spMkLst>
+        </pc:spChg>
+        <pc:spChg chg="add mod">
+          <ac:chgData name="jeongkilyong" userId="42a1e730-e7ec-4950-9a60-48236c77d83b" providerId="ADAL" clId="{102EE6A8-9256-46F7-BB6B-08B3E50DF173}" dt="2023-10-25T01:34:27.449" v="990" actId="1076"/>
+          <ac:spMkLst>
+            <pc:docMk/>
+            <pc:sldMk cId="3485235614" sldId="292"/>
+            <ac:spMk id="10" creationId="{E436297C-6C2E-4211-811F-923F3EEAB8F6}"/>
+          </ac:spMkLst>
+        </pc:spChg>
+        <pc:spChg chg="mod">
+          <ac:chgData name="jeongkilyong" userId="42a1e730-e7ec-4950-9a60-48236c77d83b" providerId="ADAL" clId="{102EE6A8-9256-46F7-BB6B-08B3E50DF173}" dt="2023-10-25T00:24:54.824" v="253" actId="20577"/>
+          <ac:spMkLst>
+            <pc:docMk/>
+            <pc:sldMk cId="3485235614" sldId="292"/>
+            <ac:spMk id="12" creationId="{10ACD4E5-1FFB-574E-8F99-C84FF7F7144F}"/>
+          </ac:spMkLst>
+        </pc:spChg>
+        <pc:picChg chg="del">
+          <ac:chgData name="jeongkilyong" userId="42a1e730-e7ec-4950-9a60-48236c77d83b" providerId="ADAL" clId="{102EE6A8-9256-46F7-BB6B-08B3E50DF173}" dt="2023-10-25T00:24:23.854" v="213" actId="478"/>
+          <ac:picMkLst>
+            <pc:docMk/>
+            <pc:sldMk cId="3485235614" sldId="292"/>
+            <ac:picMk id="6" creationId="{70EB4F47-E0CF-4334-93D6-7B7E49AA174A}"/>
+          </ac:picMkLst>
+        </pc:picChg>
+        <pc:picChg chg="add mod">
+          <ac:chgData name="jeongkilyong" userId="42a1e730-e7ec-4950-9a60-48236c77d83b" providerId="ADAL" clId="{102EE6A8-9256-46F7-BB6B-08B3E50DF173}" dt="2023-10-25T01:34:27.449" v="990" actId="1076"/>
+          <ac:picMkLst>
+            <pc:docMk/>
+            <pc:sldMk cId="3485235614" sldId="292"/>
+            <ac:picMk id="9" creationId="{8D54E335-7D19-4B52-AFC8-5FC1E1A676BA}"/>
+          </ac:picMkLst>
+        </pc:picChg>
+      </pc:sldChg>
+      <pc:sldChg chg="del">
+        <pc:chgData name="jeongkilyong" userId="42a1e730-e7ec-4950-9a60-48236c77d83b" providerId="ADAL" clId="{102EE6A8-9256-46F7-BB6B-08B3E50DF173}" dt="2023-10-25T00:24:29.761" v="214" actId="47"/>
+        <pc:sldMkLst>
+          <pc:docMk/>
+          <pc:sldMk cId="2773633433" sldId="293"/>
+        </pc:sldMkLst>
+      </pc:sldChg>
+      <pc:sldChg chg="addSp modSp add mod">
+        <pc:chgData name="jeongkilyong" userId="42a1e730-e7ec-4950-9a60-48236c77d83b" providerId="ADAL" clId="{102EE6A8-9256-46F7-BB6B-08B3E50DF173}" dt="2023-10-25T02:43:18.696" v="993" actId="207"/>
+        <pc:sldMkLst>
+          <pc:docMk/>
+          <pc:sldMk cId="3849138561" sldId="293"/>
+        </pc:sldMkLst>
+        <pc:spChg chg="add mod">
+          <ac:chgData name="jeongkilyong" userId="42a1e730-e7ec-4950-9a60-48236c77d83b" providerId="ADAL" clId="{102EE6A8-9256-46F7-BB6B-08B3E50DF173}" dt="2023-10-25T02:43:18.696" v="993" actId="207"/>
+          <ac:spMkLst>
+            <pc:docMk/>
+            <pc:sldMk cId="3849138561" sldId="293"/>
+            <ac:spMk id="5" creationId="{A0FB2871-F336-4C09-A844-1C67F40521E6}"/>
+          </ac:spMkLst>
+        </pc:spChg>
+        <pc:spChg chg="add mod">
+          <ac:chgData name="jeongkilyong" userId="42a1e730-e7ec-4950-9a60-48236c77d83b" providerId="ADAL" clId="{102EE6A8-9256-46F7-BB6B-08B3E50DF173}" dt="2023-10-25T01:30:12.556" v="939" actId="1076"/>
+          <ac:spMkLst>
+            <pc:docMk/>
+            <pc:sldMk cId="3849138561" sldId="293"/>
+            <ac:spMk id="6" creationId="{CC9A24F6-8184-44CF-901E-E7CF5E67EB5C}"/>
+          </ac:spMkLst>
+        </pc:spChg>
+        <pc:spChg chg="add mod">
+          <ac:chgData name="jeongkilyong" userId="42a1e730-e7ec-4950-9a60-48236c77d83b" providerId="ADAL" clId="{102EE6A8-9256-46F7-BB6B-08B3E50DF173}" dt="2023-10-25T01:34:18.690" v="988" actId="1076"/>
+          <ac:spMkLst>
+            <pc:docMk/>
+            <pc:sldMk cId="3849138561" sldId="293"/>
+            <ac:spMk id="8" creationId="{62F87AD8-FFE9-4837-8BE9-3DCE975B7563}"/>
+          </ac:spMkLst>
+        </pc:spChg>
+        <pc:spChg chg="mod">
+          <ac:chgData name="jeongkilyong" userId="42a1e730-e7ec-4950-9a60-48236c77d83b" providerId="ADAL" clId="{102EE6A8-9256-46F7-BB6B-08B3E50DF173}" dt="2023-10-25T00:25:36.451" v="332" actId="6549"/>
+          <ac:spMkLst>
+            <pc:docMk/>
+            <pc:sldMk cId="3849138561" sldId="293"/>
+            <ac:spMk id="12" creationId="{10ACD4E5-1FFB-574E-8F99-C84FF7F7144F}"/>
+          </ac:spMkLst>
+        </pc:spChg>
+        <pc:picChg chg="add mod">
+          <ac:chgData name="jeongkilyong" userId="42a1e730-e7ec-4950-9a60-48236c77d83b" providerId="ADAL" clId="{102EE6A8-9256-46F7-BB6B-08B3E50DF173}" dt="2023-10-25T01:34:18.690" v="988" actId="1076"/>
+          <ac:picMkLst>
+            <pc:docMk/>
+            <pc:sldMk cId="3849138561" sldId="293"/>
+            <ac:picMk id="7" creationId="{7EE7F01C-90AC-4DED-8121-D86F31E7A583}"/>
+          </ac:picMkLst>
+        </pc:picChg>
+      </pc:sldChg>
+      <pc:sldChg chg="addSp modSp add mod">
+        <pc:chgData name="jeongkilyong" userId="42a1e730-e7ec-4950-9a60-48236c77d83b" providerId="ADAL" clId="{102EE6A8-9256-46F7-BB6B-08B3E50DF173}" dt="2023-10-25T01:34:08.850" v="986" actId="1076"/>
+        <pc:sldMkLst>
+          <pc:docMk/>
+          <pc:sldMk cId="268326346" sldId="294"/>
+        </pc:sldMkLst>
+        <pc:spChg chg="add mod">
+          <ac:chgData name="jeongkilyong" userId="42a1e730-e7ec-4950-9a60-48236c77d83b" providerId="ADAL" clId="{102EE6A8-9256-46F7-BB6B-08B3E50DF173}" dt="2023-10-25T01:30:20.438" v="940"/>
+          <ac:spMkLst>
+            <pc:docMk/>
+            <pc:sldMk cId="268326346" sldId="294"/>
+            <ac:spMk id="5" creationId="{43F3CC63-75CA-48FC-B2FA-A4D5601BA4F3}"/>
+          </ac:spMkLst>
+        </pc:spChg>
+        <pc:spChg chg="add mod">
+          <ac:chgData name="jeongkilyong" userId="42a1e730-e7ec-4950-9a60-48236c77d83b" providerId="ADAL" clId="{102EE6A8-9256-46F7-BB6B-08B3E50DF173}" dt="2023-10-25T01:30:20.438" v="940"/>
+          <ac:spMkLst>
+            <pc:docMk/>
+            <pc:sldMk cId="268326346" sldId="294"/>
+            <ac:spMk id="6" creationId="{6AA71A38-BD36-464F-8250-8BC69EED57DA}"/>
+          </ac:spMkLst>
+        </pc:spChg>
+        <pc:spChg chg="add mod">
+          <ac:chgData name="jeongkilyong" userId="42a1e730-e7ec-4950-9a60-48236c77d83b" providerId="ADAL" clId="{102EE6A8-9256-46F7-BB6B-08B3E50DF173}" dt="2023-10-25T01:30:20.438" v="940"/>
+          <ac:spMkLst>
+            <pc:docMk/>
+            <pc:sldMk cId="268326346" sldId="294"/>
+            <ac:spMk id="7" creationId="{4103BDBF-91D9-4B73-ABA5-72E2F8288E55}"/>
+          </ac:spMkLst>
+        </pc:spChg>
+        <pc:spChg chg="add mod">
+          <ac:chgData name="jeongkilyong" userId="42a1e730-e7ec-4950-9a60-48236c77d83b" providerId="ADAL" clId="{102EE6A8-9256-46F7-BB6B-08B3E50DF173}" dt="2023-10-25T01:30:20.438" v="940"/>
+          <ac:spMkLst>
+            <pc:docMk/>
+            <pc:sldMk cId="268326346" sldId="294"/>
+            <ac:spMk id="8" creationId="{28EB9FA0-4C4F-4A06-A5C7-DC42476C7DD6}"/>
+          </ac:spMkLst>
+        </pc:spChg>
+        <pc:spChg chg="add mod">
+          <ac:chgData name="jeongkilyong" userId="42a1e730-e7ec-4950-9a60-48236c77d83b" providerId="ADAL" clId="{102EE6A8-9256-46F7-BB6B-08B3E50DF173}" dt="2023-10-25T01:34:08.850" v="986" actId="1076"/>
+          <ac:spMkLst>
+            <pc:docMk/>
+            <pc:sldMk cId="268326346" sldId="294"/>
+            <ac:spMk id="10" creationId="{41D3CB5F-94A9-4812-B1BE-23D05F0B6C02}"/>
+          </ac:spMkLst>
+        </pc:spChg>
+        <pc:spChg chg="mod">
+          <ac:chgData name="jeongkilyong" userId="42a1e730-e7ec-4950-9a60-48236c77d83b" providerId="ADAL" clId="{102EE6A8-9256-46F7-BB6B-08B3E50DF173}" dt="2023-10-25T00:25:49.264" v="368" actId="20577"/>
+          <ac:spMkLst>
+            <pc:docMk/>
+            <pc:sldMk cId="268326346" sldId="294"/>
+            <ac:spMk id="12" creationId="{10ACD4E5-1FFB-574E-8F99-C84FF7F7144F}"/>
+          </ac:spMkLst>
+        </pc:spChg>
+        <pc:picChg chg="add mod">
+          <ac:chgData name="jeongkilyong" userId="42a1e730-e7ec-4950-9a60-48236c77d83b" providerId="ADAL" clId="{102EE6A8-9256-46F7-BB6B-08B3E50DF173}" dt="2023-10-25T01:34:08.850" v="986" actId="1076"/>
+          <ac:picMkLst>
+            <pc:docMk/>
+            <pc:sldMk cId="268326346" sldId="294"/>
+            <ac:picMk id="9" creationId="{7366C569-280B-4C14-AD1D-86A0902D08C7}"/>
+          </ac:picMkLst>
+        </pc:picChg>
+      </pc:sldChg>
+      <pc:sldChg chg="del">
+        <pc:chgData name="jeongkilyong" userId="42a1e730-e7ec-4950-9a60-48236c77d83b" providerId="ADAL" clId="{102EE6A8-9256-46F7-BB6B-08B3E50DF173}" dt="2023-10-25T00:24:29.761" v="214" actId="47"/>
+        <pc:sldMkLst>
+          <pc:docMk/>
+          <pc:sldMk cId="1339143532" sldId="294"/>
+        </pc:sldMkLst>
+      </pc:sldChg>
+      <pc:sldChg chg="addSp modSp add mod">
+        <pc:chgData name="jeongkilyong" userId="42a1e730-e7ec-4950-9a60-48236c77d83b" providerId="ADAL" clId="{102EE6A8-9256-46F7-BB6B-08B3E50DF173}" dt="2023-10-25T01:33:58.792" v="982" actId="1076"/>
+        <pc:sldMkLst>
+          <pc:docMk/>
+          <pc:sldMk cId="900103486" sldId="295"/>
+        </pc:sldMkLst>
+        <pc:spChg chg="add mod">
+          <ac:chgData name="jeongkilyong" userId="42a1e730-e7ec-4950-9a60-48236c77d83b" providerId="ADAL" clId="{102EE6A8-9256-46F7-BB6B-08B3E50DF173}" dt="2023-10-25T01:30:26.433" v="941"/>
+          <ac:spMkLst>
+            <pc:docMk/>
+            <pc:sldMk cId="900103486" sldId="295"/>
+            <ac:spMk id="5" creationId="{6A938953-7825-4049-B810-3CADAD37A53D}"/>
+          </ac:spMkLst>
+        </pc:spChg>
+        <pc:spChg chg="add mod">
+          <ac:chgData name="jeongkilyong" userId="42a1e730-e7ec-4950-9a60-48236c77d83b" providerId="ADAL" clId="{102EE6A8-9256-46F7-BB6B-08B3E50DF173}" dt="2023-10-25T01:30:26.433" v="941"/>
+          <ac:spMkLst>
+            <pc:docMk/>
+            <pc:sldMk cId="900103486" sldId="295"/>
+            <ac:spMk id="6" creationId="{A7057724-C8EE-4439-9E0A-898831E087C2}"/>
+          </ac:spMkLst>
+        </pc:spChg>
+        <pc:spChg chg="add mod">
+          <ac:chgData name="jeongkilyong" userId="42a1e730-e7ec-4950-9a60-48236c77d83b" providerId="ADAL" clId="{102EE6A8-9256-46F7-BB6B-08B3E50DF173}" dt="2023-10-25T01:33:58.792" v="982" actId="1076"/>
+          <ac:spMkLst>
+            <pc:docMk/>
+            <pc:sldMk cId="900103486" sldId="295"/>
+            <ac:spMk id="8" creationId="{C0EE1438-ABC1-43FF-846B-3AC6BA17005A}"/>
+          </ac:spMkLst>
+        </pc:spChg>
+        <pc:spChg chg="mod">
+          <ac:chgData name="jeongkilyong" userId="42a1e730-e7ec-4950-9a60-48236c77d83b" providerId="ADAL" clId="{102EE6A8-9256-46F7-BB6B-08B3E50DF173}" dt="2023-10-25T00:26:00.706" v="417" actId="20577"/>
+          <ac:spMkLst>
+            <pc:docMk/>
+            <pc:sldMk cId="900103486" sldId="295"/>
+            <ac:spMk id="12" creationId="{10ACD4E5-1FFB-574E-8F99-C84FF7F7144F}"/>
+          </ac:spMkLst>
+        </pc:spChg>
+        <pc:picChg chg="add mod">
+          <ac:chgData name="jeongkilyong" userId="42a1e730-e7ec-4950-9a60-48236c77d83b" providerId="ADAL" clId="{102EE6A8-9256-46F7-BB6B-08B3E50DF173}" dt="2023-10-25T01:33:58.792" v="982" actId="1076"/>
+          <ac:picMkLst>
+            <pc:docMk/>
+            <pc:sldMk cId="900103486" sldId="295"/>
+            <ac:picMk id="7" creationId="{D003B4F3-747E-42E3-8B6F-63B41ED5B8ED}"/>
+          </ac:picMkLst>
+        </pc:picChg>
+      </pc:sldChg>
+      <pc:sldChg chg="del">
+        <pc:chgData name="jeongkilyong" userId="42a1e730-e7ec-4950-9a60-48236c77d83b" providerId="ADAL" clId="{102EE6A8-9256-46F7-BB6B-08B3E50DF173}" dt="2023-10-25T00:24:29.761" v="214" actId="47"/>
+        <pc:sldMkLst>
+          <pc:docMk/>
+          <pc:sldMk cId="3262124915" sldId="295"/>
+        </pc:sldMkLst>
+      </pc:sldChg>
+      <pc:sldChg chg="addSp modSp add mod">
+        <pc:chgData name="jeongkilyong" userId="42a1e730-e7ec-4950-9a60-48236c77d83b" providerId="ADAL" clId="{102EE6A8-9256-46F7-BB6B-08B3E50DF173}" dt="2023-10-25T01:33:50.923" v="980" actId="1076"/>
+        <pc:sldMkLst>
+          <pc:docMk/>
+          <pc:sldMk cId="53578821" sldId="296"/>
+        </pc:sldMkLst>
+        <pc:spChg chg="add mod">
+          <ac:chgData name="jeongkilyong" userId="42a1e730-e7ec-4950-9a60-48236c77d83b" providerId="ADAL" clId="{102EE6A8-9256-46F7-BB6B-08B3E50DF173}" dt="2023-10-25T01:30:31.033" v="942"/>
+          <ac:spMkLst>
+            <pc:docMk/>
+            <pc:sldMk cId="53578821" sldId="296"/>
+            <ac:spMk id="5" creationId="{20B7D52D-9A43-487C-B27D-03DFB8EBDBC7}"/>
+          </ac:spMkLst>
+        </pc:spChg>
+        <pc:spChg chg="add mod">
+          <ac:chgData name="jeongkilyong" userId="42a1e730-e7ec-4950-9a60-48236c77d83b" providerId="ADAL" clId="{102EE6A8-9256-46F7-BB6B-08B3E50DF173}" dt="2023-10-25T01:30:31.033" v="942"/>
+          <ac:spMkLst>
+            <pc:docMk/>
+            <pc:sldMk cId="53578821" sldId="296"/>
+            <ac:spMk id="6" creationId="{8958952E-BFAE-4CF7-9956-44D7D901532A}"/>
+          </ac:spMkLst>
+        </pc:spChg>
+        <pc:spChg chg="add mod">
+          <ac:chgData name="jeongkilyong" userId="42a1e730-e7ec-4950-9a60-48236c77d83b" providerId="ADAL" clId="{102EE6A8-9256-46F7-BB6B-08B3E50DF173}" dt="2023-10-25T01:33:50.923" v="980" actId="1076"/>
+          <ac:spMkLst>
+            <pc:docMk/>
+            <pc:sldMk cId="53578821" sldId="296"/>
+            <ac:spMk id="8" creationId="{34A041B2-88C6-4E9B-8852-EE0C6C4B34AD}"/>
+          </ac:spMkLst>
+        </pc:spChg>
+        <pc:spChg chg="mod">
+          <ac:chgData name="jeongkilyong" userId="42a1e730-e7ec-4950-9a60-48236c77d83b" providerId="ADAL" clId="{102EE6A8-9256-46F7-BB6B-08B3E50DF173}" dt="2023-10-25T00:26:13.058" v="479" actId="20577"/>
+          <ac:spMkLst>
+            <pc:docMk/>
+            <pc:sldMk cId="53578821" sldId="296"/>
+            <ac:spMk id="12" creationId="{10ACD4E5-1FFB-574E-8F99-C84FF7F7144F}"/>
+          </ac:spMkLst>
+        </pc:spChg>
+        <pc:picChg chg="add mod">
+          <ac:chgData name="jeongkilyong" userId="42a1e730-e7ec-4950-9a60-48236c77d83b" providerId="ADAL" clId="{102EE6A8-9256-46F7-BB6B-08B3E50DF173}" dt="2023-10-25T01:33:50.923" v="980" actId="1076"/>
+          <ac:picMkLst>
+            <pc:docMk/>
+            <pc:sldMk cId="53578821" sldId="296"/>
+            <ac:picMk id="7" creationId="{598D02DC-7B22-4823-8291-EF5037932B5C}"/>
+          </ac:picMkLst>
+        </pc:picChg>
+      </pc:sldChg>
+      <pc:sldChg chg="del">
+        <pc:chgData name="jeongkilyong" userId="42a1e730-e7ec-4950-9a60-48236c77d83b" providerId="ADAL" clId="{102EE6A8-9256-46F7-BB6B-08B3E50DF173}" dt="2023-10-25T00:24:29.761" v="214" actId="47"/>
+        <pc:sldMkLst>
+          <pc:docMk/>
+          <pc:sldMk cId="1942727681" sldId="296"/>
+        </pc:sldMkLst>
+      </pc:sldChg>
+      <pc:sldChg chg="addSp modSp add mod">
+        <pc:chgData name="jeongkilyong" userId="42a1e730-e7ec-4950-9a60-48236c77d83b" providerId="ADAL" clId="{102EE6A8-9256-46F7-BB6B-08B3E50DF173}" dt="2023-10-25T01:33:42.444" v="978" actId="1076"/>
+        <pc:sldMkLst>
+          <pc:docMk/>
+          <pc:sldMk cId="706516692" sldId="297"/>
+        </pc:sldMkLst>
+        <pc:spChg chg="add mod">
+          <ac:chgData name="jeongkilyong" userId="42a1e730-e7ec-4950-9a60-48236c77d83b" providerId="ADAL" clId="{102EE6A8-9256-46F7-BB6B-08B3E50DF173}" dt="2023-10-25T01:30:36.455" v="943"/>
+          <ac:spMkLst>
+            <pc:docMk/>
+            <pc:sldMk cId="706516692" sldId="297"/>
+            <ac:spMk id="5" creationId="{70BB8352-17E0-4CA9-BD52-F8D10584113E}"/>
+          </ac:spMkLst>
+        </pc:spChg>
+        <pc:spChg chg="add mod">
+          <ac:chgData name="jeongkilyong" userId="42a1e730-e7ec-4950-9a60-48236c77d83b" providerId="ADAL" clId="{102EE6A8-9256-46F7-BB6B-08B3E50DF173}" dt="2023-10-25T01:30:36.455" v="943"/>
+          <ac:spMkLst>
+            <pc:docMk/>
+            <pc:sldMk cId="706516692" sldId="297"/>
+            <ac:spMk id="6" creationId="{91C63D14-5017-4D63-92B4-8C8228768D2C}"/>
+          </ac:spMkLst>
+        </pc:spChg>
+        <pc:spChg chg="add mod">
+          <ac:chgData name="jeongkilyong" userId="42a1e730-e7ec-4950-9a60-48236c77d83b" providerId="ADAL" clId="{102EE6A8-9256-46F7-BB6B-08B3E50DF173}" dt="2023-10-25T01:30:36.455" v="943"/>
+          <ac:spMkLst>
+            <pc:docMk/>
+            <pc:sldMk cId="706516692" sldId="297"/>
+            <ac:spMk id="7" creationId="{E3EF7A73-8470-42DE-B819-5C6E847576DA}"/>
+          </ac:spMkLst>
+        </pc:spChg>
+        <pc:spChg chg="add mod">
+          <ac:chgData name="jeongkilyong" userId="42a1e730-e7ec-4950-9a60-48236c77d83b" providerId="ADAL" clId="{102EE6A8-9256-46F7-BB6B-08B3E50DF173}" dt="2023-10-25T01:33:42.444" v="978" actId="1076"/>
+          <ac:spMkLst>
+            <pc:docMk/>
+            <pc:sldMk cId="706516692" sldId="297"/>
+            <ac:spMk id="9" creationId="{72EEAE24-A1D9-4490-B5DC-0A75E7E866D3}"/>
+          </ac:spMkLst>
+        </pc:spChg>
+        <pc:spChg chg="mod">
+          <ac:chgData name="jeongkilyong" userId="42a1e730-e7ec-4950-9a60-48236c77d83b" providerId="ADAL" clId="{102EE6A8-9256-46F7-BB6B-08B3E50DF173}" dt="2023-10-25T00:26:27.685" v="503" actId="20577"/>
+          <ac:spMkLst>
+            <pc:docMk/>
+            <pc:sldMk cId="706516692" sldId="297"/>
+            <ac:spMk id="12" creationId="{10ACD4E5-1FFB-574E-8F99-C84FF7F7144F}"/>
+          </ac:spMkLst>
+        </pc:spChg>
+        <pc:picChg chg="add mod">
+          <ac:chgData name="jeongkilyong" userId="42a1e730-e7ec-4950-9a60-48236c77d83b" providerId="ADAL" clId="{102EE6A8-9256-46F7-BB6B-08B3E50DF173}" dt="2023-10-25T01:33:42.444" v="978" actId="1076"/>
+          <ac:picMkLst>
+            <pc:docMk/>
+            <pc:sldMk cId="706516692" sldId="297"/>
+            <ac:picMk id="8" creationId="{118F06F5-78FB-4051-9BB4-AE158EA5DA7C}"/>
+          </ac:picMkLst>
+        </pc:picChg>
+      </pc:sldChg>
+      <pc:sldChg chg="del">
+        <pc:chgData name="jeongkilyong" userId="42a1e730-e7ec-4950-9a60-48236c77d83b" providerId="ADAL" clId="{102EE6A8-9256-46F7-BB6B-08B3E50DF173}" dt="2023-10-25T00:24:29.761" v="214" actId="47"/>
+        <pc:sldMkLst>
+          <pc:docMk/>
+          <pc:sldMk cId="1332861574" sldId="297"/>
+        </pc:sldMkLst>
+      </pc:sldChg>
+      <pc:sldChg chg="addSp modSp add mod">
+        <pc:chgData name="jeongkilyong" userId="42a1e730-e7ec-4950-9a60-48236c77d83b" providerId="ADAL" clId="{102EE6A8-9256-46F7-BB6B-08B3E50DF173}" dt="2023-10-25T01:33:31.272" v="976" actId="1076"/>
+        <pc:sldMkLst>
+          <pc:docMk/>
+          <pc:sldMk cId="2961560039" sldId="298"/>
+        </pc:sldMkLst>
+        <pc:spChg chg="add mod">
+          <ac:chgData name="jeongkilyong" userId="42a1e730-e7ec-4950-9a60-48236c77d83b" providerId="ADAL" clId="{102EE6A8-9256-46F7-BB6B-08B3E50DF173}" dt="2023-10-25T01:30:42.801" v="944"/>
+          <ac:spMkLst>
+            <pc:docMk/>
+            <pc:sldMk cId="2961560039" sldId="298"/>
+            <ac:spMk id="5" creationId="{AAE02E30-5853-458E-A9A9-090D50ECD89C}"/>
+          </ac:spMkLst>
+        </pc:spChg>
+        <pc:spChg chg="add mod">
+          <ac:chgData name="jeongkilyong" userId="42a1e730-e7ec-4950-9a60-48236c77d83b" providerId="ADAL" clId="{102EE6A8-9256-46F7-BB6B-08B3E50DF173}" dt="2023-10-25T01:30:42.801" v="944"/>
+          <ac:spMkLst>
+            <pc:docMk/>
+            <pc:sldMk cId="2961560039" sldId="298"/>
+            <ac:spMk id="6" creationId="{64A3A036-9DEA-4B3B-B813-83DFCE08D64C}"/>
+          </ac:spMkLst>
+        </pc:spChg>
+        <pc:spChg chg="add mod">
+          <ac:chgData name="jeongkilyong" userId="42a1e730-e7ec-4950-9a60-48236c77d83b" providerId="ADAL" clId="{102EE6A8-9256-46F7-BB6B-08B3E50DF173}" dt="2023-10-25T01:30:42.801" v="944"/>
+          <ac:spMkLst>
+            <pc:docMk/>
+            <pc:sldMk cId="2961560039" sldId="298"/>
+            <ac:spMk id="7" creationId="{3FBFD49C-81C4-4722-BAC6-E1E6FA5680F1}"/>
+          </ac:spMkLst>
+        </pc:spChg>
+        <pc:spChg chg="add mod">
+          <ac:chgData name="jeongkilyong" userId="42a1e730-e7ec-4950-9a60-48236c77d83b" providerId="ADAL" clId="{102EE6A8-9256-46F7-BB6B-08B3E50DF173}" dt="2023-10-25T01:33:31.272" v="976" actId="1076"/>
+          <ac:spMkLst>
+            <pc:docMk/>
+            <pc:sldMk cId="2961560039" sldId="298"/>
+            <ac:spMk id="9" creationId="{6BD2E9F2-71D0-498C-B2AB-A43F077EEDE5}"/>
+          </ac:spMkLst>
+        </pc:spChg>
+        <pc:spChg chg="mod">
+          <ac:chgData name="jeongkilyong" userId="42a1e730-e7ec-4950-9a60-48236c77d83b" providerId="ADAL" clId="{102EE6A8-9256-46F7-BB6B-08B3E50DF173}" dt="2023-10-25T00:26:38.096" v="535" actId="20577"/>
+          <ac:spMkLst>
+            <pc:docMk/>
+            <pc:sldMk cId="2961560039" sldId="298"/>
+            <ac:spMk id="12" creationId="{10ACD4E5-1FFB-574E-8F99-C84FF7F7144F}"/>
+          </ac:spMkLst>
+        </pc:spChg>
+        <pc:picChg chg="add mod">
+          <ac:chgData name="jeongkilyong" userId="42a1e730-e7ec-4950-9a60-48236c77d83b" providerId="ADAL" clId="{102EE6A8-9256-46F7-BB6B-08B3E50DF173}" dt="2023-10-25T01:33:31.272" v="976" actId="1076"/>
+          <ac:picMkLst>
+            <pc:docMk/>
+            <pc:sldMk cId="2961560039" sldId="298"/>
+            <ac:picMk id="8" creationId="{9EBA5193-45AF-4284-AEB9-4B2A6D632BE3}"/>
+          </ac:picMkLst>
+        </pc:picChg>
+      </pc:sldChg>
+      <pc:sldChg chg="del">
+        <pc:chgData name="jeongkilyong" userId="42a1e730-e7ec-4950-9a60-48236c77d83b" providerId="ADAL" clId="{102EE6A8-9256-46F7-BB6B-08B3E50DF173}" dt="2023-10-25T00:24:29.761" v="214" actId="47"/>
+        <pc:sldMkLst>
+          <pc:docMk/>
+          <pc:sldMk cId="4177267907" sldId="298"/>
+        </pc:sldMkLst>
+      </pc:sldChg>
+      <pc:sldChg chg="addSp modSp add mod">
+        <pc:chgData name="jeongkilyong" userId="42a1e730-e7ec-4950-9a60-48236c77d83b" providerId="ADAL" clId="{102EE6A8-9256-46F7-BB6B-08B3E50DF173}" dt="2023-10-25T02:44:46.250" v="1003" actId="207"/>
+        <pc:sldMkLst>
+          <pc:docMk/>
+          <pc:sldMk cId="1147875491" sldId="299"/>
+        </pc:sldMkLst>
+        <pc:spChg chg="add mod">
+          <ac:chgData name="jeongkilyong" userId="42a1e730-e7ec-4950-9a60-48236c77d83b" providerId="ADAL" clId="{102EE6A8-9256-46F7-BB6B-08B3E50DF173}" dt="2023-10-25T02:44:46.250" v="1003" actId="207"/>
+          <ac:spMkLst>
+            <pc:docMk/>
+            <pc:sldMk cId="1147875491" sldId="299"/>
+            <ac:spMk id="5" creationId="{D8A199DF-DA5C-46F4-BA3D-45DAE45DF8C2}"/>
+          </ac:spMkLst>
+        </pc:spChg>
+        <pc:spChg chg="add mod">
+          <ac:chgData name="jeongkilyong" userId="42a1e730-e7ec-4950-9a60-48236c77d83b" providerId="ADAL" clId="{102EE6A8-9256-46F7-BB6B-08B3E50DF173}" dt="2023-10-25T01:33:23.485" v="974" actId="1076"/>
+          <ac:spMkLst>
+            <pc:docMk/>
+            <pc:sldMk cId="1147875491" sldId="299"/>
+            <ac:spMk id="7" creationId="{9C400C1C-F216-445F-93C2-56DC19DEC750}"/>
+          </ac:spMkLst>
+        </pc:spChg>
+        <pc:spChg chg="mod">
+          <ac:chgData name="jeongkilyong" userId="42a1e730-e7ec-4950-9a60-48236c77d83b" providerId="ADAL" clId="{102EE6A8-9256-46F7-BB6B-08B3E50DF173}" dt="2023-10-25T00:26:43.724" v="560" actId="20577"/>
+          <ac:spMkLst>
+            <pc:docMk/>
+            <pc:sldMk cId="1147875491" sldId="299"/>
+            <ac:spMk id="12" creationId="{10ACD4E5-1FFB-574E-8F99-C84FF7F7144F}"/>
+          </ac:spMkLst>
+        </pc:spChg>
+        <pc:picChg chg="add mod">
+          <ac:chgData name="jeongkilyong" userId="42a1e730-e7ec-4950-9a60-48236c77d83b" providerId="ADAL" clId="{102EE6A8-9256-46F7-BB6B-08B3E50DF173}" dt="2023-10-25T01:33:23.485" v="974" actId="1076"/>
+          <ac:picMkLst>
+            <pc:docMk/>
+            <pc:sldMk cId="1147875491" sldId="299"/>
+            <ac:picMk id="6" creationId="{5FC7D03D-1B8C-4591-84BF-71F8149E2544}"/>
+          </ac:picMkLst>
+        </pc:picChg>
+      </pc:sldChg>
+      <pc:sldChg chg="del">
+        <pc:chgData name="jeongkilyong" userId="42a1e730-e7ec-4950-9a60-48236c77d83b" providerId="ADAL" clId="{102EE6A8-9256-46F7-BB6B-08B3E50DF173}" dt="2023-10-25T00:24:29.761" v="214" actId="47"/>
+        <pc:sldMkLst>
+          <pc:docMk/>
+          <pc:sldMk cId="1359256327" sldId="299"/>
+        </pc:sldMkLst>
+      </pc:sldChg>
+      <pc:sldChg chg="addSp modSp add mod">
+        <pc:chgData name="jeongkilyong" userId="42a1e730-e7ec-4950-9a60-48236c77d83b" providerId="ADAL" clId="{102EE6A8-9256-46F7-BB6B-08B3E50DF173}" dt="2023-10-25T02:44:52.607" v="1004" actId="207"/>
+        <pc:sldMkLst>
+          <pc:docMk/>
+          <pc:sldMk cId="1995295054" sldId="300"/>
+        </pc:sldMkLst>
+        <pc:spChg chg="add mod">
+          <ac:chgData name="jeongkilyong" userId="42a1e730-e7ec-4950-9a60-48236c77d83b" providerId="ADAL" clId="{102EE6A8-9256-46F7-BB6B-08B3E50DF173}" dt="2023-10-25T02:44:52.607" v="1004" actId="207"/>
+          <ac:spMkLst>
+            <pc:docMk/>
+            <pc:sldMk cId="1995295054" sldId="300"/>
+            <ac:spMk id="5" creationId="{9A64082F-9D51-4C84-87D9-C43267929A96}"/>
+          </ac:spMkLst>
+        </pc:spChg>
+        <pc:spChg chg="add mod">
+          <ac:chgData name="jeongkilyong" userId="42a1e730-e7ec-4950-9a60-48236c77d83b" providerId="ADAL" clId="{102EE6A8-9256-46F7-BB6B-08B3E50DF173}" dt="2023-10-25T01:30:54.111" v="946"/>
+          <ac:spMkLst>
+            <pc:docMk/>
+            <pc:sldMk cId="1995295054" sldId="300"/>
+            <ac:spMk id="6" creationId="{40A6A68B-D0DB-4076-B0DE-C97614AC0B08}"/>
+          </ac:spMkLst>
+        </pc:spChg>
+        <pc:spChg chg="mod">
+          <ac:chgData name="jeongkilyong" userId="42a1e730-e7ec-4950-9a60-48236c77d83b" providerId="ADAL" clId="{102EE6A8-9256-46F7-BB6B-08B3E50DF173}" dt="2023-10-25T00:27:14.638" v="645" actId="20577"/>
+          <ac:spMkLst>
+            <pc:docMk/>
+            <pc:sldMk cId="1995295054" sldId="300"/>
+            <ac:spMk id="12" creationId="{10ACD4E5-1FFB-574E-8F99-C84FF7F7144F}"/>
+          </ac:spMkLst>
+        </pc:spChg>
+        <pc:picChg chg="add mod">
+          <ac:chgData name="jeongkilyong" userId="42a1e730-e7ec-4950-9a60-48236c77d83b" providerId="ADAL" clId="{102EE6A8-9256-46F7-BB6B-08B3E50DF173}" dt="2023-10-25T01:30:54.111" v="946"/>
+          <ac:picMkLst>
+            <pc:docMk/>
+            <pc:sldMk cId="1995295054" sldId="300"/>
+            <ac:picMk id="7" creationId="{38A50E9F-BA4D-4D2C-A626-6970A2FC5DD7}"/>
+          </ac:picMkLst>
+        </pc:picChg>
+      </pc:sldChg>
+      <pc:sldChg chg="del">
+        <pc:chgData name="jeongkilyong" userId="42a1e730-e7ec-4950-9a60-48236c77d83b" providerId="ADAL" clId="{102EE6A8-9256-46F7-BB6B-08B3E50DF173}" dt="2023-10-25T00:24:29.761" v="214" actId="47"/>
+        <pc:sldMkLst>
+          <pc:docMk/>
+          <pc:sldMk cId="3213353773" sldId="300"/>
+        </pc:sldMkLst>
+      </pc:sldChg>
+      <pc:sldChg chg="del">
+        <pc:chgData name="jeongkilyong" userId="42a1e730-e7ec-4950-9a60-48236c77d83b" providerId="ADAL" clId="{102EE6A8-9256-46F7-BB6B-08B3E50DF173}" dt="2023-10-25T00:24:29.761" v="214" actId="47"/>
+        <pc:sldMkLst>
+          <pc:docMk/>
+          <pc:sldMk cId="648361740" sldId="301"/>
+        </pc:sldMkLst>
+      </pc:sldChg>
+      <pc:sldChg chg="addSp modSp add mod">
+        <pc:chgData name="jeongkilyong" userId="42a1e730-e7ec-4950-9a60-48236c77d83b" providerId="ADAL" clId="{102EE6A8-9256-46F7-BB6B-08B3E50DF173}" dt="2023-10-25T02:44:58.438" v="1005" actId="207"/>
+        <pc:sldMkLst>
+          <pc:docMk/>
+          <pc:sldMk cId="728317058" sldId="301"/>
+        </pc:sldMkLst>
+        <pc:spChg chg="add mod">
+          <ac:chgData name="jeongkilyong" userId="42a1e730-e7ec-4950-9a60-48236c77d83b" providerId="ADAL" clId="{102EE6A8-9256-46F7-BB6B-08B3E50DF173}" dt="2023-10-25T02:44:58.438" v="1005" actId="207"/>
+          <ac:spMkLst>
+            <pc:docMk/>
+            <pc:sldMk cId="728317058" sldId="301"/>
+            <ac:spMk id="5" creationId="{D7E0082D-4D9F-4BA6-A2BD-79C674EA2B83}"/>
+          </ac:spMkLst>
+        </pc:spChg>
+        <pc:spChg chg="add mod">
+          <ac:chgData name="jeongkilyong" userId="42a1e730-e7ec-4950-9a60-48236c77d83b" providerId="ADAL" clId="{102EE6A8-9256-46F7-BB6B-08B3E50DF173}" dt="2023-10-25T01:30:58.904" v="947"/>
+          <ac:spMkLst>
+            <pc:docMk/>
+            <pc:sldMk cId="728317058" sldId="301"/>
+            <ac:spMk id="6" creationId="{82CB4DAD-FF6C-4563-BE83-1F10016A48CE}"/>
+          </ac:spMkLst>
+        </pc:spChg>
+        <pc:spChg chg="add mod">
+          <ac:chgData name="jeongkilyong" userId="42a1e730-e7ec-4950-9a60-48236c77d83b" providerId="ADAL" clId="{102EE6A8-9256-46F7-BB6B-08B3E50DF173}" dt="2023-10-25T01:33:14.501" v="972" actId="1076"/>
+          <ac:spMkLst>
+            <pc:docMk/>
+            <pc:sldMk cId="728317058" sldId="301"/>
+            <ac:spMk id="9" creationId="{C2BF6E8C-99D9-4BD6-A74D-D4A52B85A52E}"/>
+          </ac:spMkLst>
+        </pc:spChg>
+        <pc:spChg chg="mod">
+          <ac:chgData name="jeongkilyong" userId="42a1e730-e7ec-4950-9a60-48236c77d83b" providerId="ADAL" clId="{102EE6A8-9256-46F7-BB6B-08B3E50DF173}" dt="2023-10-25T00:27:22.293" v="682" actId="20577"/>
+          <ac:spMkLst>
+            <pc:docMk/>
+            <pc:sldMk cId="728317058" sldId="301"/>
+            <ac:spMk id="12" creationId="{10ACD4E5-1FFB-574E-8F99-C84FF7F7144F}"/>
+          </ac:spMkLst>
+        </pc:spChg>
+        <pc:picChg chg="add mod">
+          <ac:chgData name="jeongkilyong" userId="42a1e730-e7ec-4950-9a60-48236c77d83b" providerId="ADAL" clId="{102EE6A8-9256-46F7-BB6B-08B3E50DF173}" dt="2023-10-25T01:30:58.904" v="947"/>
+          <ac:picMkLst>
+            <pc:docMk/>
+            <pc:sldMk cId="728317058" sldId="301"/>
+            <ac:picMk id="7" creationId="{17EF25FE-838B-4ACF-8491-36E43E29D2BA}"/>
+          </ac:picMkLst>
+        </pc:picChg>
+        <pc:picChg chg="add mod">
+          <ac:chgData name="jeongkilyong" userId="42a1e730-e7ec-4950-9a60-48236c77d83b" providerId="ADAL" clId="{102EE6A8-9256-46F7-BB6B-08B3E50DF173}" dt="2023-10-25T01:33:14.501" v="972" actId="1076"/>
+          <ac:picMkLst>
+            <pc:docMk/>
+            <pc:sldMk cId="728317058" sldId="301"/>
+            <ac:picMk id="8" creationId="{5628267B-5A9C-47E5-86B8-ADF5CB7E6DEF}"/>
+          </ac:picMkLst>
+        </pc:picChg>
+      </pc:sldChg>
+      <pc:sldChg chg="addSp modSp add mod">
+        <pc:chgData name="jeongkilyong" userId="42a1e730-e7ec-4950-9a60-48236c77d83b" providerId="ADAL" clId="{102EE6A8-9256-46F7-BB6B-08B3E50DF173}" dt="2023-10-25T02:45:18.490" v="1006" actId="207"/>
+        <pc:sldMkLst>
+          <pc:docMk/>
+          <pc:sldMk cId="444694144" sldId="302"/>
+        </pc:sldMkLst>
+        <pc:spChg chg="add mod">
+          <ac:chgData name="jeongkilyong" userId="42a1e730-e7ec-4950-9a60-48236c77d83b" providerId="ADAL" clId="{102EE6A8-9256-46F7-BB6B-08B3E50DF173}" dt="2023-10-25T02:45:18.490" v="1006" actId="207"/>
+          <ac:spMkLst>
+            <pc:docMk/>
+            <pc:sldMk cId="444694144" sldId="302"/>
+            <ac:spMk id="5" creationId="{F0AEF5F7-CC05-4C6B-BD9E-E28F937E23CB}"/>
+          </ac:spMkLst>
+        </pc:spChg>
+        <pc:spChg chg="add mod">
+          <ac:chgData name="jeongkilyong" userId="42a1e730-e7ec-4950-9a60-48236c77d83b" providerId="ADAL" clId="{102EE6A8-9256-46F7-BB6B-08B3E50DF173}" dt="2023-10-25T01:33:06.973" v="970" actId="1076"/>
+          <ac:spMkLst>
+            <pc:docMk/>
+            <pc:sldMk cId="444694144" sldId="302"/>
+            <ac:spMk id="7" creationId="{245F0A32-62B6-4142-B3A3-F35B74FF88E0}"/>
+          </ac:spMkLst>
+        </pc:spChg>
+        <pc:spChg chg="mod">
+          <ac:chgData name="jeongkilyong" userId="42a1e730-e7ec-4950-9a60-48236c77d83b" providerId="ADAL" clId="{102EE6A8-9256-46F7-BB6B-08B3E50DF173}" dt="2023-10-25T00:27:32.534" v="726" actId="20577"/>
+          <ac:spMkLst>
+            <pc:docMk/>
+            <pc:sldMk cId="444694144" sldId="302"/>
+            <ac:spMk id="12" creationId="{10ACD4E5-1FFB-574E-8F99-C84FF7F7144F}"/>
+          </ac:spMkLst>
+        </pc:spChg>
+        <pc:picChg chg="add mod">
+          <ac:chgData name="jeongkilyong" userId="42a1e730-e7ec-4950-9a60-48236c77d83b" providerId="ADAL" clId="{102EE6A8-9256-46F7-BB6B-08B3E50DF173}" dt="2023-10-25T01:33:06.973" v="970" actId="1076"/>
+          <ac:picMkLst>
+            <pc:docMk/>
+            <pc:sldMk cId="444694144" sldId="302"/>
+            <ac:picMk id="6" creationId="{2AA313B5-3C70-4F91-AFDC-E9BEE86EEB0A}"/>
+          </ac:picMkLst>
+        </pc:picChg>
+      </pc:sldChg>
+      <pc:sldChg chg="del">
+        <pc:chgData name="jeongkilyong" userId="42a1e730-e7ec-4950-9a60-48236c77d83b" providerId="ADAL" clId="{102EE6A8-9256-46F7-BB6B-08B3E50DF173}" dt="2023-10-25T00:24:29.761" v="214" actId="47"/>
+        <pc:sldMkLst>
+          <pc:docMk/>
+          <pc:sldMk cId="2154788897" sldId="302"/>
+        </pc:sldMkLst>
+      </pc:sldChg>
+      <pc:sldChg chg="addSp modSp add mod">
+        <pc:chgData name="jeongkilyong" userId="42a1e730-e7ec-4950-9a60-48236c77d83b" providerId="ADAL" clId="{102EE6A8-9256-46F7-BB6B-08B3E50DF173}" dt="2023-10-25T02:45:26.062" v="1008" actId="207"/>
+        <pc:sldMkLst>
+          <pc:docMk/>
+          <pc:sldMk cId="1462620656" sldId="303"/>
+        </pc:sldMkLst>
+        <pc:spChg chg="add mod">
+          <ac:chgData name="jeongkilyong" userId="42a1e730-e7ec-4950-9a60-48236c77d83b" providerId="ADAL" clId="{102EE6A8-9256-46F7-BB6B-08B3E50DF173}" dt="2023-10-25T02:45:26.062" v="1008" actId="207"/>
+          <ac:spMkLst>
+            <pc:docMk/>
+            <pc:sldMk cId="1462620656" sldId="303"/>
+            <ac:spMk id="5" creationId="{6BA3985D-CD0F-4EFE-ABCB-AA7E31BF4235}"/>
+          </ac:spMkLst>
+        </pc:spChg>
+        <pc:spChg chg="add mod">
+          <ac:chgData name="jeongkilyong" userId="42a1e730-e7ec-4950-9a60-48236c77d83b" providerId="ADAL" clId="{102EE6A8-9256-46F7-BB6B-08B3E50DF173}" dt="2023-10-25T01:32:54.218" v="968" actId="1076"/>
+          <ac:spMkLst>
+            <pc:docMk/>
+            <pc:sldMk cId="1462620656" sldId="303"/>
+            <ac:spMk id="7" creationId="{157C38EA-4539-4CC9-92A8-BEE795FF94CA}"/>
+          </ac:spMkLst>
+        </pc:spChg>
+        <pc:spChg chg="mod">
+          <ac:chgData name="jeongkilyong" userId="42a1e730-e7ec-4950-9a60-48236c77d83b" providerId="ADAL" clId="{102EE6A8-9256-46F7-BB6B-08B3E50DF173}" dt="2023-10-25T00:27:44.287" v="727"/>
+          <ac:spMkLst>
+            <pc:docMk/>
+            <pc:sldMk cId="1462620656" sldId="303"/>
+            <ac:spMk id="12" creationId="{10ACD4E5-1FFB-574E-8F99-C84FF7F7144F}"/>
+          </ac:spMkLst>
+        </pc:spChg>
+        <pc:picChg chg="add mod">
+          <ac:chgData name="jeongkilyong" userId="42a1e730-e7ec-4950-9a60-48236c77d83b" providerId="ADAL" clId="{102EE6A8-9256-46F7-BB6B-08B3E50DF173}" dt="2023-10-25T01:32:54.218" v="968" actId="1076"/>
+          <ac:picMkLst>
+            <pc:docMk/>
+            <pc:sldMk cId="1462620656" sldId="303"/>
+            <ac:picMk id="6" creationId="{64D40AA5-92F1-4F6E-BB7D-B1E793906B87}"/>
+          </ac:picMkLst>
+        </pc:picChg>
+      </pc:sldChg>
+      <pc:sldChg chg="del">
+        <pc:chgData name="jeongkilyong" userId="42a1e730-e7ec-4950-9a60-48236c77d83b" providerId="ADAL" clId="{102EE6A8-9256-46F7-BB6B-08B3E50DF173}" dt="2023-10-25T00:24:29.761" v="214" actId="47"/>
+        <pc:sldMkLst>
+          <pc:docMk/>
+          <pc:sldMk cId="1512175827" sldId="303"/>
+        </pc:sldMkLst>
+      </pc:sldChg>
+      <pc:sldChg chg="addSp modSp add mod">
+        <pc:chgData name="jeongkilyong" userId="42a1e730-e7ec-4950-9a60-48236c77d83b" providerId="ADAL" clId="{102EE6A8-9256-46F7-BB6B-08B3E50DF173}" dt="2023-10-25T01:32:47.613" v="966" actId="1076"/>
+        <pc:sldMkLst>
+          <pc:docMk/>
+          <pc:sldMk cId="2047273615" sldId="304"/>
+        </pc:sldMkLst>
+        <pc:spChg chg="add mod">
+          <ac:chgData name="jeongkilyong" userId="42a1e730-e7ec-4950-9a60-48236c77d83b" providerId="ADAL" clId="{102EE6A8-9256-46F7-BB6B-08B3E50DF173}" dt="2023-10-25T01:31:15.889" v="950"/>
+          <ac:spMkLst>
+            <pc:docMk/>
+            <pc:sldMk cId="2047273615" sldId="304"/>
+            <ac:spMk id="5" creationId="{2D5179D7-41F6-43BF-8F1A-9EAE78209FF5}"/>
+          </ac:spMkLst>
+        </pc:spChg>
+        <pc:spChg chg="add mod">
+          <ac:chgData name="jeongkilyong" userId="42a1e730-e7ec-4950-9a60-48236c77d83b" providerId="ADAL" clId="{102EE6A8-9256-46F7-BB6B-08B3E50DF173}" dt="2023-10-25T01:32:47.613" v="966" actId="1076"/>
+          <ac:spMkLst>
+            <pc:docMk/>
+            <pc:sldMk cId="2047273615" sldId="304"/>
+            <ac:spMk id="7" creationId="{D3F15845-F660-4B07-8AC0-38CE172891BC}"/>
+          </ac:spMkLst>
+        </pc:spChg>
+        <pc:spChg chg="mod">
+          <ac:chgData name="jeongkilyong" userId="42a1e730-e7ec-4950-9a60-48236c77d83b" providerId="ADAL" clId="{102EE6A8-9256-46F7-BB6B-08B3E50DF173}" dt="2023-10-25T00:27:47.575" v="728"/>
+          <ac:spMkLst>
+            <pc:docMk/>
+            <pc:sldMk cId="2047273615" sldId="304"/>
+            <ac:spMk id="12" creationId="{10ACD4E5-1FFB-574E-8F99-C84FF7F7144F}"/>
+          </ac:spMkLst>
+        </pc:spChg>
+        <pc:picChg chg="add mod">
+          <ac:chgData name="jeongkilyong" userId="42a1e730-e7ec-4950-9a60-48236c77d83b" providerId="ADAL" clId="{102EE6A8-9256-46F7-BB6B-08B3E50DF173}" dt="2023-10-25T01:32:47.613" v="966" actId="1076"/>
+          <ac:picMkLst>
+            <pc:docMk/>
+            <pc:sldMk cId="2047273615" sldId="304"/>
+            <ac:picMk id="6" creationId="{BF2BE273-2FCC-4BBD-8C6B-FB0536C48DC8}"/>
+          </ac:picMkLst>
+        </pc:picChg>
+      </pc:sldChg>
+      <pc:sldChg chg="del">
+        <pc:chgData name="jeongkilyong" userId="42a1e730-e7ec-4950-9a60-48236c77d83b" providerId="ADAL" clId="{102EE6A8-9256-46F7-BB6B-08B3E50DF173}" dt="2023-10-25T00:24:29.761" v="214" actId="47"/>
+        <pc:sldMkLst>
+          <pc:docMk/>
+          <pc:sldMk cId="2639618182" sldId="304"/>
+        </pc:sldMkLst>
+      </pc:sldChg>
+      <pc:sldChg chg="del">
+        <pc:chgData name="jeongkilyong" userId="42a1e730-e7ec-4950-9a60-48236c77d83b" providerId="ADAL" clId="{102EE6A8-9256-46F7-BB6B-08B3E50DF173}" dt="2023-10-25T00:24:29.761" v="214" actId="47"/>
+        <pc:sldMkLst>
+          <pc:docMk/>
+          <pc:sldMk cId="2147266946" sldId="305"/>
+        </pc:sldMkLst>
+      </pc:sldChg>
+      <pc:sldChg chg="addSp modSp add mod">
+        <pc:chgData name="jeongkilyong" userId="42a1e730-e7ec-4950-9a60-48236c77d83b" providerId="ADAL" clId="{102EE6A8-9256-46F7-BB6B-08B3E50DF173}" dt="2023-10-25T02:45:45.241" v="1010" actId="207"/>
+        <pc:sldMkLst>
+          <pc:docMk/>
+          <pc:sldMk cId="3718512335" sldId="305"/>
+        </pc:sldMkLst>
+        <pc:spChg chg="add mod">
+          <ac:chgData name="jeongkilyong" userId="42a1e730-e7ec-4950-9a60-48236c77d83b" providerId="ADAL" clId="{102EE6A8-9256-46F7-BB6B-08B3E50DF173}" dt="2023-10-25T02:45:45.241" v="1010" actId="207"/>
+          <ac:spMkLst>
+            <pc:docMk/>
+            <pc:sldMk cId="3718512335" sldId="305"/>
+            <ac:spMk id="5" creationId="{829447DB-FF73-4EC4-B12E-9312C9011C48}"/>
+          </ac:spMkLst>
+        </pc:spChg>
+        <pc:spChg chg="mod">
+          <ac:chgData name="jeongkilyong" userId="42a1e730-e7ec-4950-9a60-48236c77d83b" providerId="ADAL" clId="{102EE6A8-9256-46F7-BB6B-08B3E50DF173}" dt="2023-10-25T00:27:59.278" v="793" actId="20577"/>
+          <ac:spMkLst>
+            <pc:docMk/>
+            <pc:sldMk cId="3718512335" sldId="305"/>
+            <ac:spMk id="12" creationId="{10ACD4E5-1FFB-574E-8F99-C84FF7F7144F}"/>
+          </ac:spMkLst>
+        </pc:spChg>
+      </pc:sldChg>
+      <pc:sldChg chg="del">
+        <pc:chgData name="jeongkilyong" userId="42a1e730-e7ec-4950-9a60-48236c77d83b" providerId="ADAL" clId="{102EE6A8-9256-46F7-BB6B-08B3E50DF173}" dt="2023-10-25T00:24:29.761" v="214" actId="47"/>
+        <pc:sldMkLst>
+          <pc:docMk/>
+          <pc:sldMk cId="636080613" sldId="306"/>
+        </pc:sldMkLst>
+      </pc:sldChg>
+      <pc:sldChg chg="addSp modSp add mod">
+        <pc:chgData name="jeongkilyong" userId="42a1e730-e7ec-4950-9a60-48236c77d83b" providerId="ADAL" clId="{102EE6A8-9256-46F7-BB6B-08B3E50DF173}" dt="2023-10-25T01:32:36.293" v="964" actId="1076"/>
+        <pc:sldMkLst>
+          <pc:docMk/>
+          <pc:sldMk cId="1072873972" sldId="306"/>
+        </pc:sldMkLst>
+        <pc:spChg chg="add mod">
+          <ac:chgData name="jeongkilyong" userId="42a1e730-e7ec-4950-9a60-48236c77d83b" providerId="ADAL" clId="{102EE6A8-9256-46F7-BB6B-08B3E50DF173}" dt="2023-10-25T01:31:31.756" v="952"/>
+          <ac:spMkLst>
+            <pc:docMk/>
+            <pc:sldMk cId="1072873972" sldId="306"/>
+            <ac:spMk id="5" creationId="{E2105436-C49E-4051-A11C-FDBA5A7A7D0A}"/>
+          </ac:spMkLst>
+        </pc:spChg>
+        <pc:spChg chg="add mod">
+          <ac:chgData name="jeongkilyong" userId="42a1e730-e7ec-4950-9a60-48236c77d83b" providerId="ADAL" clId="{102EE6A8-9256-46F7-BB6B-08B3E50DF173}" dt="2023-10-25T01:31:31.756" v="952"/>
+          <ac:spMkLst>
+            <pc:docMk/>
+            <pc:sldMk cId="1072873972" sldId="306"/>
+            <ac:spMk id="6" creationId="{C6196F20-0327-4D94-AFCF-9E04CC55FEB5}"/>
+          </ac:spMkLst>
+        </pc:spChg>
+        <pc:spChg chg="add mod">
+          <ac:chgData name="jeongkilyong" userId="42a1e730-e7ec-4950-9a60-48236c77d83b" providerId="ADAL" clId="{102EE6A8-9256-46F7-BB6B-08B3E50DF173}" dt="2023-10-25T01:31:31.756" v="952"/>
+          <ac:spMkLst>
+            <pc:docMk/>
+            <pc:sldMk cId="1072873972" sldId="306"/>
+            <ac:spMk id="7" creationId="{5571D52D-2E53-4760-956C-02B8690C9F6C}"/>
+          </ac:spMkLst>
+        </pc:spChg>
+        <pc:spChg chg="add mod">
+          <ac:chgData name="jeongkilyong" userId="42a1e730-e7ec-4950-9a60-48236c77d83b" providerId="ADAL" clId="{102EE6A8-9256-46F7-BB6B-08B3E50DF173}" dt="2023-10-25T01:31:31.756" v="952"/>
+          <ac:spMkLst>
+            <pc:docMk/>
+            <pc:sldMk cId="1072873972" sldId="306"/>
+            <ac:spMk id="8" creationId="{66A1BFD6-F0C0-4865-8C4C-32DA67A0B726}"/>
+          </ac:spMkLst>
+        </pc:spChg>
+        <pc:spChg chg="add mod">
+          <ac:chgData name="jeongkilyong" userId="42a1e730-e7ec-4950-9a60-48236c77d83b" providerId="ADAL" clId="{102EE6A8-9256-46F7-BB6B-08B3E50DF173}" dt="2023-10-25T01:31:31.756" v="952"/>
+          <ac:spMkLst>
+            <pc:docMk/>
+            <pc:sldMk cId="1072873972" sldId="306"/>
+            <ac:spMk id="9" creationId="{50833E9C-209C-42E9-9121-EC72C9F3492A}"/>
+          </ac:spMkLst>
+        </pc:spChg>
+        <pc:spChg chg="add mod">
+          <ac:chgData name="jeongkilyong" userId="42a1e730-e7ec-4950-9a60-48236c77d83b" providerId="ADAL" clId="{102EE6A8-9256-46F7-BB6B-08B3E50DF173}" dt="2023-10-25T01:31:31.756" v="952"/>
+          <ac:spMkLst>
+            <pc:docMk/>
+            <pc:sldMk cId="1072873972" sldId="306"/>
+            <ac:spMk id="10" creationId="{8C376DC2-1C48-4A0B-9E84-0E3C9A4A33BC}"/>
+          </ac:spMkLst>
+        </pc:spChg>
+        <pc:spChg chg="mod">
+          <ac:chgData name="jeongkilyong" userId="42a1e730-e7ec-4950-9a60-48236c77d83b" providerId="ADAL" clId="{102EE6A8-9256-46F7-BB6B-08B3E50DF173}" dt="2023-10-25T00:28:30.470" v="794"/>
+          <ac:spMkLst>
+            <pc:docMk/>
+            <pc:sldMk cId="1072873972" sldId="306"/>
+            <ac:spMk id="12" creationId="{10ACD4E5-1FFB-574E-8F99-C84FF7F7144F}"/>
+          </ac:spMkLst>
+        </pc:spChg>
+        <pc:spChg chg="add mod">
+          <ac:chgData name="jeongkilyong" userId="42a1e730-e7ec-4950-9a60-48236c77d83b" providerId="ADAL" clId="{102EE6A8-9256-46F7-BB6B-08B3E50DF173}" dt="2023-10-25T01:32:36.293" v="964" actId="1076"/>
+          <ac:spMkLst>
+            <pc:docMk/>
+            <pc:sldMk cId="1072873972" sldId="306"/>
+            <ac:spMk id="13" creationId="{F02E855F-7C75-40A1-89DD-15AB1C63EBEF}"/>
+          </ac:spMkLst>
+        </pc:spChg>
+        <pc:picChg chg="add mod">
+          <ac:chgData name="jeongkilyong" userId="42a1e730-e7ec-4950-9a60-48236c77d83b" providerId="ADAL" clId="{102EE6A8-9256-46F7-BB6B-08B3E50DF173}" dt="2023-10-25T01:32:36.293" v="964" actId="1076"/>
+          <ac:picMkLst>
+            <pc:docMk/>
+            <pc:sldMk cId="1072873972" sldId="306"/>
+            <ac:picMk id="11" creationId="{B13DB725-87BD-4B09-8E53-C8D2607D4653}"/>
+          </ac:picMkLst>
+        </pc:picChg>
+      </pc:sldChg>
+      <pc:sldChg chg="del">
+        <pc:chgData name="jeongkilyong" userId="42a1e730-e7ec-4950-9a60-48236c77d83b" providerId="ADAL" clId="{102EE6A8-9256-46F7-BB6B-08B3E50DF173}" dt="2023-10-25T00:24:29.761" v="214" actId="47"/>
+        <pc:sldMkLst>
+          <pc:docMk/>
+          <pc:sldMk cId="2447935166" sldId="307"/>
+        </pc:sldMkLst>
+      </pc:sldChg>
+      <pc:sldChg chg="addSp modSp add mod">
+        <pc:chgData name="jeongkilyong" userId="42a1e730-e7ec-4950-9a60-48236c77d83b" providerId="ADAL" clId="{102EE6A8-9256-46F7-BB6B-08B3E50DF173}" dt="2023-10-25T01:31:36.790" v="953"/>
+        <pc:sldMkLst>
+          <pc:docMk/>
+          <pc:sldMk cId="2454054059" sldId="307"/>
+        </pc:sldMkLst>
+        <pc:spChg chg="add mod">
+          <ac:chgData name="jeongkilyong" userId="42a1e730-e7ec-4950-9a60-48236c77d83b" providerId="ADAL" clId="{102EE6A8-9256-46F7-BB6B-08B3E50DF173}" dt="2023-10-25T01:31:36.790" v="953"/>
+          <ac:spMkLst>
+            <pc:docMk/>
+            <pc:sldMk cId="2454054059" sldId="307"/>
+            <ac:spMk id="5" creationId="{CAE9DBC6-9FDA-4EFB-A5A0-F77FA4749A56}"/>
+          </ac:spMkLst>
+        </pc:spChg>
+        <pc:spChg chg="add mod">
+          <ac:chgData name="jeongkilyong" userId="42a1e730-e7ec-4950-9a60-48236c77d83b" providerId="ADAL" clId="{102EE6A8-9256-46F7-BB6B-08B3E50DF173}" dt="2023-10-25T01:31:36.790" v="953"/>
+          <ac:spMkLst>
+            <pc:docMk/>
+            <pc:sldMk cId="2454054059" sldId="307"/>
+            <ac:spMk id="6" creationId="{A91144B5-CDF5-4014-8B33-D86DB6134885}"/>
+          </ac:spMkLst>
+        </pc:spChg>
+        <pc:spChg chg="mod">
+          <ac:chgData name="jeongkilyong" userId="42a1e730-e7ec-4950-9a60-48236c77d83b" providerId="ADAL" clId="{102EE6A8-9256-46F7-BB6B-08B3E50DF173}" dt="2023-10-25T00:28:43.752" v="831" actId="20577"/>
+          <ac:spMkLst>
+            <pc:docMk/>
+            <pc:sldMk cId="2454054059" sldId="307"/>
+            <ac:spMk id="12" creationId="{10ACD4E5-1FFB-574E-8F99-C84FF7F7144F}"/>
+          </ac:spMkLst>
+        </pc:spChg>
+      </pc:sldChg>
+      <pc:sldChg chg="addSp modSp add mod">
+        <pc:chgData name="jeongkilyong" userId="42a1e730-e7ec-4950-9a60-48236c77d83b" providerId="ADAL" clId="{102EE6A8-9256-46F7-BB6B-08B3E50DF173}" dt="2023-10-25T01:32:18.530" v="962" actId="1076"/>
+        <pc:sldMkLst>
+          <pc:docMk/>
+          <pc:sldMk cId="2470055609" sldId="308"/>
+        </pc:sldMkLst>
+        <pc:spChg chg="add mod">
+          <ac:chgData name="jeongkilyong" userId="42a1e730-e7ec-4950-9a60-48236c77d83b" providerId="ADAL" clId="{102EE6A8-9256-46F7-BB6B-08B3E50DF173}" dt="2023-10-25T01:31:41.961" v="954"/>
+          <ac:spMkLst>
+            <pc:docMk/>
+            <pc:sldMk cId="2470055609" sldId="308"/>
+            <ac:spMk id="5" creationId="{9B43DEE1-15A8-4BA4-B86F-681871CB91F7}"/>
+          </ac:spMkLst>
+        </pc:spChg>
+        <pc:spChg chg="add mod">
+          <ac:chgData name="jeongkilyong" userId="42a1e730-e7ec-4950-9a60-48236c77d83b" providerId="ADAL" clId="{102EE6A8-9256-46F7-BB6B-08B3E50DF173}" dt="2023-10-25T01:31:41.961" v="954"/>
+          <ac:spMkLst>
+            <pc:docMk/>
+            <pc:sldMk cId="2470055609" sldId="308"/>
+            <ac:spMk id="6" creationId="{106BF331-4F11-4B95-8CDE-DECBB947C942}"/>
+          </ac:spMkLst>
+        </pc:spChg>
+        <pc:spChg chg="add mod">
+          <ac:chgData name="jeongkilyong" userId="42a1e730-e7ec-4950-9a60-48236c77d83b" providerId="ADAL" clId="{102EE6A8-9256-46F7-BB6B-08B3E50DF173}" dt="2023-10-25T01:31:41.961" v="954"/>
+          <ac:spMkLst>
+            <pc:docMk/>
+            <pc:sldMk cId="2470055609" sldId="308"/>
+            <ac:spMk id="7" creationId="{CC17DA7C-46B1-40A6-93FF-2167850D5AB5}"/>
+          </ac:spMkLst>
+        </pc:spChg>
+        <pc:spChg chg="add mod">
+          <ac:chgData name="jeongkilyong" userId="42a1e730-e7ec-4950-9a60-48236c77d83b" providerId="ADAL" clId="{102EE6A8-9256-46F7-BB6B-08B3E50DF173}" dt="2023-10-25T01:31:41.961" v="954"/>
+          <ac:spMkLst>
+            <pc:docMk/>
+            <pc:sldMk cId="2470055609" sldId="308"/>
+            <ac:spMk id="8" creationId="{906D0147-0C23-4A00-ACA1-081365872690}"/>
+          </ac:spMkLst>
+        </pc:spChg>
+        <pc:spChg chg="add mod">
+          <ac:chgData name="jeongkilyong" userId="42a1e730-e7ec-4950-9a60-48236c77d83b" providerId="ADAL" clId="{102EE6A8-9256-46F7-BB6B-08B3E50DF173}" dt="2023-10-25T01:32:18.530" v="962" actId="1076"/>
+          <ac:spMkLst>
+            <pc:docMk/>
+            <pc:sldMk cId="2470055609" sldId="308"/>
+            <ac:spMk id="10" creationId="{60B148D0-D3ED-4AFF-A355-F9088FE60971}"/>
+          </ac:spMkLst>
+        </pc:spChg>
+        <pc:spChg chg="mod">
+          <ac:chgData name="jeongkilyong" userId="42a1e730-e7ec-4950-9a60-48236c77d83b" providerId="ADAL" clId="{102EE6A8-9256-46F7-BB6B-08B3E50DF173}" dt="2023-10-25T00:28:54.729" v="873" actId="20577"/>
+          <ac:spMkLst>
+            <pc:docMk/>
+            <pc:sldMk cId="2470055609" sldId="308"/>
+            <ac:spMk id="12" creationId="{10ACD4E5-1FFB-574E-8F99-C84FF7F7144F}"/>
+          </ac:spMkLst>
+        </pc:spChg>
+        <pc:picChg chg="add mod">
+          <ac:chgData name="jeongkilyong" userId="42a1e730-e7ec-4950-9a60-48236c77d83b" providerId="ADAL" clId="{102EE6A8-9256-46F7-BB6B-08B3E50DF173}" dt="2023-10-25T01:32:18.530" v="962" actId="1076"/>
+          <ac:picMkLst>
+            <pc:docMk/>
+            <pc:sldMk cId="2470055609" sldId="308"/>
+            <ac:picMk id="9" creationId="{B4145849-A485-43ED-875B-BF20C5F7A6C8}"/>
+          </ac:picMkLst>
+        </pc:picChg>
+      </pc:sldChg>
+      <pc:sldChg chg="del">
+        <pc:chgData name="jeongkilyong" userId="42a1e730-e7ec-4950-9a60-48236c77d83b" providerId="ADAL" clId="{102EE6A8-9256-46F7-BB6B-08B3E50DF173}" dt="2023-10-25T00:24:29.761" v="214" actId="47"/>
+        <pc:sldMkLst>
+          <pc:docMk/>
+          <pc:sldMk cId="3670214579" sldId="308"/>
+        </pc:sldMkLst>
+      </pc:sldChg>
+      <pc:sldChg chg="addSp modSp add mod">
+        <pc:chgData name="jeongkilyong" userId="42a1e730-e7ec-4950-9a60-48236c77d83b" providerId="ADAL" clId="{102EE6A8-9256-46F7-BB6B-08B3E50DF173}" dt="2023-10-25T01:32:11.514" v="960" actId="1076"/>
+        <pc:sldMkLst>
+          <pc:docMk/>
+          <pc:sldMk cId="1038243149" sldId="309"/>
+        </pc:sldMkLst>
+        <pc:spChg chg="add mod">
+          <ac:chgData name="jeongkilyong" userId="42a1e730-e7ec-4950-9a60-48236c77d83b" providerId="ADAL" clId="{102EE6A8-9256-46F7-BB6B-08B3E50DF173}" dt="2023-10-25T01:31:46.234" v="955"/>
+          <ac:spMkLst>
+            <pc:docMk/>
+            <pc:sldMk cId="1038243149" sldId="309"/>
+            <ac:spMk id="5" creationId="{2D7E28E6-0292-4349-9DEC-B2B8297E07C0}"/>
+          </ac:spMkLst>
+        </pc:spChg>
+        <pc:spChg chg="add mod">
+          <ac:chgData name="jeongkilyong" userId="42a1e730-e7ec-4950-9a60-48236c77d83b" providerId="ADAL" clId="{102EE6A8-9256-46F7-BB6B-08B3E50DF173}" dt="2023-10-25T01:32:11.514" v="960" actId="1076"/>
+          <ac:spMkLst>
+            <pc:docMk/>
+            <pc:sldMk cId="1038243149" sldId="309"/>
+            <ac:spMk id="7" creationId="{2382519C-D4EA-4B1C-BBE6-96FAA5EC438A}"/>
+          </ac:spMkLst>
+        </pc:spChg>
+        <pc:spChg chg="mod">
+          <ac:chgData name="jeongkilyong" userId="42a1e730-e7ec-4950-9a60-48236c77d83b" providerId="ADAL" clId="{102EE6A8-9256-46F7-BB6B-08B3E50DF173}" dt="2023-10-25T00:29:05.937" v="915" actId="20577"/>
+          <ac:spMkLst>
+            <pc:docMk/>
+            <pc:sldMk cId="1038243149" sldId="309"/>
+            <ac:spMk id="12" creationId="{10ACD4E5-1FFB-574E-8F99-C84FF7F7144F}"/>
+          </ac:spMkLst>
+        </pc:spChg>
+        <pc:picChg chg="add mod">
+          <ac:chgData name="jeongkilyong" userId="42a1e730-e7ec-4950-9a60-48236c77d83b" providerId="ADAL" clId="{102EE6A8-9256-46F7-BB6B-08B3E50DF173}" dt="2023-10-25T01:32:11.514" v="960" actId="1076"/>
+          <ac:picMkLst>
+            <pc:docMk/>
+            <pc:sldMk cId="1038243149" sldId="309"/>
+            <ac:picMk id="6" creationId="{07D1E533-75A6-4117-8569-B9BB9F076D1D}"/>
+          </ac:picMkLst>
+        </pc:picChg>
+      </pc:sldChg>
+      <pc:sldChg chg="del">
+        <pc:chgData name="jeongkilyong" userId="42a1e730-e7ec-4950-9a60-48236c77d83b" providerId="ADAL" clId="{102EE6A8-9256-46F7-BB6B-08B3E50DF173}" dt="2023-10-25T00:24:29.761" v="214" actId="47"/>
+        <pc:sldMkLst>
+          <pc:docMk/>
+          <pc:sldMk cId="1580071959" sldId="309"/>
+        </pc:sldMkLst>
+      </pc:sldChg>
+      <pc:sldChg chg="del">
+        <pc:chgData name="jeongkilyong" userId="42a1e730-e7ec-4950-9a60-48236c77d83b" providerId="ADAL" clId="{102EE6A8-9256-46F7-BB6B-08B3E50DF173}" dt="2023-10-25T00:24:29.761" v="214" actId="47"/>
+        <pc:sldMkLst>
+          <pc:docMk/>
+          <pc:sldMk cId="2719719894" sldId="310"/>
+        </pc:sldMkLst>
+      </pc:sldChg>
+      <pc:sldChg chg="addSp modSp add mod">
+        <pc:chgData name="jeongkilyong" userId="42a1e730-e7ec-4950-9a60-48236c77d83b" providerId="ADAL" clId="{102EE6A8-9256-46F7-BB6B-08B3E50DF173}" dt="2023-10-25T01:32:03.402" v="958" actId="1076"/>
+        <pc:sldMkLst>
+          <pc:docMk/>
+          <pc:sldMk cId="4132166881" sldId="310"/>
+        </pc:sldMkLst>
+        <pc:spChg chg="add mod">
+          <ac:chgData name="jeongkilyong" userId="42a1e730-e7ec-4950-9a60-48236c77d83b" providerId="ADAL" clId="{102EE6A8-9256-46F7-BB6B-08B3E50DF173}" dt="2023-10-25T01:31:50.791" v="956"/>
+          <ac:spMkLst>
+            <pc:docMk/>
+            <pc:sldMk cId="4132166881" sldId="310"/>
+            <ac:spMk id="5" creationId="{57FAD6C1-1407-4B3C-B82F-C4E087D23170}"/>
+          </ac:spMkLst>
+        </pc:spChg>
+        <pc:spChg chg="add mod">
+          <ac:chgData name="jeongkilyong" userId="42a1e730-e7ec-4950-9a60-48236c77d83b" providerId="ADAL" clId="{102EE6A8-9256-46F7-BB6B-08B3E50DF173}" dt="2023-10-25T01:32:03.402" v="958" actId="1076"/>
+          <ac:spMkLst>
+            <pc:docMk/>
+            <pc:sldMk cId="4132166881" sldId="310"/>
+            <ac:spMk id="7" creationId="{81F72D22-DFC8-4F15-920D-F091F564DDD3}"/>
+          </ac:spMkLst>
+        </pc:spChg>
+        <pc:spChg chg="mod">
+          <ac:chgData name="jeongkilyong" userId="42a1e730-e7ec-4950-9a60-48236c77d83b" providerId="ADAL" clId="{102EE6A8-9256-46F7-BB6B-08B3E50DF173}" dt="2023-10-25T00:29:12.089" v="934" actId="20577"/>
+          <ac:spMkLst>
+            <pc:docMk/>
+            <pc:sldMk cId="4132166881" sldId="310"/>
+            <ac:spMk id="12" creationId="{10ACD4E5-1FFB-574E-8F99-C84FF7F7144F}"/>
+          </ac:spMkLst>
+        </pc:spChg>
+        <pc:picChg chg="add mod">
+          <ac:chgData name="jeongkilyong" userId="42a1e730-e7ec-4950-9a60-48236c77d83b" providerId="ADAL" clId="{102EE6A8-9256-46F7-BB6B-08B3E50DF173}" dt="2023-10-25T01:32:03.402" v="958" actId="1076"/>
+          <ac:picMkLst>
+            <pc:docMk/>
+            <pc:sldMk cId="4132166881" sldId="310"/>
+            <ac:picMk id="6" creationId="{7EB350A1-BE02-4347-AE73-62C0DDFA7EC6}"/>
+          </ac:picMkLst>
+        </pc:picChg>
+      </pc:sldChg>
+      <pc:sldChg chg="del">
+        <pc:chgData name="jeongkilyong" userId="42a1e730-e7ec-4950-9a60-48236c77d83b" providerId="ADAL" clId="{102EE6A8-9256-46F7-BB6B-08B3E50DF173}" dt="2023-10-25T00:24:29.761" v="214" actId="47"/>
+        <pc:sldMkLst>
+          <pc:docMk/>
+          <pc:sldMk cId="249912601" sldId="311"/>
+        </pc:sldMkLst>
+      </pc:sldChg>
+      <pc:sldChg chg="add del">
+        <pc:chgData name="jeongkilyong" userId="42a1e730-e7ec-4950-9a60-48236c77d83b" providerId="ADAL" clId="{102EE6A8-9256-46F7-BB6B-08B3E50DF173}" dt="2023-10-25T00:29:18.665" v="935" actId="47"/>
+        <pc:sldMkLst>
+          <pc:docMk/>
+          <pc:sldMk cId="3678166369" sldId="311"/>
+        </pc:sldMkLst>
+      </pc:sldChg>
+      <pc:sldChg chg="add del">
+        <pc:chgData name="jeongkilyong" userId="42a1e730-e7ec-4950-9a60-48236c77d83b" providerId="ADAL" clId="{102EE6A8-9256-46F7-BB6B-08B3E50DF173}" dt="2023-10-25T00:29:18.665" v="935" actId="47"/>
+        <pc:sldMkLst>
+          <pc:docMk/>
+          <pc:sldMk cId="1165573948" sldId="312"/>
+        </pc:sldMkLst>
+      </pc:sldChg>
+      <pc:sldChg chg="del">
+        <pc:chgData name="jeongkilyong" userId="42a1e730-e7ec-4950-9a60-48236c77d83b" providerId="ADAL" clId="{102EE6A8-9256-46F7-BB6B-08B3E50DF173}" dt="2023-10-25T00:24:29.761" v="214" actId="47"/>
+        <pc:sldMkLst>
+          <pc:docMk/>
+          <pc:sldMk cId="2387562204" sldId="312"/>
+        </pc:sldMkLst>
+      </pc:sldChg>
+      <pc:sldChg chg="del">
+        <pc:chgData name="jeongkilyong" userId="42a1e730-e7ec-4950-9a60-48236c77d83b" providerId="ADAL" clId="{102EE6A8-9256-46F7-BB6B-08B3E50DF173}" dt="2023-10-25T00:24:29.761" v="214" actId="47"/>
+        <pc:sldMkLst>
+          <pc:docMk/>
+          <pc:sldMk cId="1859253" sldId="313"/>
+        </pc:sldMkLst>
+      </pc:sldChg>
+      <pc:sldChg chg="add del">
+        <pc:chgData name="jeongkilyong" userId="42a1e730-e7ec-4950-9a60-48236c77d83b" providerId="ADAL" clId="{102EE6A8-9256-46F7-BB6B-08B3E50DF173}" dt="2023-10-25T00:29:18.665" v="935" actId="47"/>
+        <pc:sldMkLst>
+          <pc:docMk/>
+          <pc:sldMk cId="281129854" sldId="313"/>
+        </pc:sldMkLst>
+      </pc:sldChg>
+      <pc:sldChg chg="del">
+        <pc:chgData name="jeongkilyong" userId="42a1e730-e7ec-4950-9a60-48236c77d83b" providerId="ADAL" clId="{102EE6A8-9256-46F7-BB6B-08B3E50DF173}" dt="2023-10-25T00:24:29.761" v="214" actId="47"/>
+        <pc:sldMkLst>
+          <pc:docMk/>
+          <pc:sldMk cId="3136811878" sldId="316"/>
+        </pc:sldMkLst>
+      </pc:sldChg>
+    </pc:docChg>
+  </pc:docChgLst>
+  <pc:docChgLst>
     <pc:chgData name="jeongkilyong" userId="42a1e730-e7ec-4950-9a60-48236c77d83b" providerId="ADAL" clId="{68836CF2-79A1-495E-9E4B-E0587825BCCC}"/>
     <pc:docChg chg="undo custSel addSld delSld modSld modSection">
       <pc:chgData name="jeongkilyong" userId="42a1e730-e7ec-4950-9a60-48236c77d83b" providerId="ADAL" clId="{68836CF2-79A1-495E-9E4B-E0587825BCCC}" dt="2023-10-21T04:19:43.449" v="518" actId="20577"/>
@@ -351,6 +1789,202 @@
           <ac:spMkLst>
             <pc:docMk/>
             <pc:sldMk cId="3485235614" sldId="292"/>
+            <ac:spMk id="12" creationId="{10ACD4E5-1FFB-574E-8F99-C84FF7F7144F}"/>
+          </ac:spMkLst>
+        </pc:spChg>
+      </pc:sldChg>
+    </pc:docChg>
+  </pc:docChgLst>
+  <pc:docChgLst>
+    <pc:chgData name="jeongkilyong" userId="42a1e730-e7ec-4950-9a60-48236c77d83b" providerId="ADAL" clId="{1D74A321-71E9-470C-990A-0AF5633ED9A4}"/>
+    <pc:docChg chg="undo custSel modSld">
+      <pc:chgData name="jeongkilyong" userId="42a1e730-e7ec-4950-9a60-48236c77d83b" providerId="ADAL" clId="{1D74A321-71E9-470C-990A-0AF5633ED9A4}" dt="2023-10-26T01:52:35.075" v="174" actId="207"/>
+      <pc:docMkLst>
+        <pc:docMk/>
+      </pc:docMkLst>
+      <pc:sldChg chg="addSp modSp mod">
+        <pc:chgData name="jeongkilyong" userId="42a1e730-e7ec-4950-9a60-48236c77d83b" providerId="ADAL" clId="{1D74A321-71E9-470C-990A-0AF5633ED9A4}" dt="2023-10-25T05:58:34.445" v="129" actId="1076"/>
+        <pc:sldMkLst>
+          <pc:docMk/>
+          <pc:sldMk cId="706516692" sldId="297"/>
+        </pc:sldMkLst>
+        <pc:spChg chg="mod">
+          <ac:chgData name="jeongkilyong" userId="42a1e730-e7ec-4950-9a60-48236c77d83b" providerId="ADAL" clId="{1D74A321-71E9-470C-990A-0AF5633ED9A4}" dt="2023-10-25T05:50:45.885" v="31" actId="14100"/>
+          <ac:spMkLst>
+            <pc:docMk/>
+            <pc:sldMk cId="706516692" sldId="297"/>
+            <ac:spMk id="6" creationId="{91C63D14-5017-4D63-92B4-8C8228768D2C}"/>
+          </ac:spMkLst>
+        </pc:spChg>
+        <pc:spChg chg="mod">
+          <ac:chgData name="jeongkilyong" userId="42a1e730-e7ec-4950-9a60-48236c77d83b" providerId="ADAL" clId="{1D74A321-71E9-470C-990A-0AF5633ED9A4}" dt="2023-10-25T05:50:55.031" v="35" actId="14100"/>
+          <ac:spMkLst>
+            <pc:docMk/>
+            <pc:sldMk cId="706516692" sldId="297"/>
+            <ac:spMk id="7" creationId="{E3EF7A73-8470-42DE-B819-5C6E847576DA}"/>
+          </ac:spMkLst>
+        </pc:spChg>
+        <pc:spChg chg="add mod">
+          <ac:chgData name="jeongkilyong" userId="42a1e730-e7ec-4950-9a60-48236c77d83b" providerId="ADAL" clId="{1D74A321-71E9-470C-990A-0AF5633ED9A4}" dt="2023-10-25T05:57:52.019" v="73" actId="1076"/>
+          <ac:spMkLst>
+            <pc:docMk/>
+            <pc:sldMk cId="706516692" sldId="297"/>
+            <ac:spMk id="10" creationId="{5C140F8A-34D5-44BB-A73C-3CFC34CBB785}"/>
+          </ac:spMkLst>
+        </pc:spChg>
+        <pc:spChg chg="add mod">
+          <ac:chgData name="jeongkilyong" userId="42a1e730-e7ec-4950-9a60-48236c77d83b" providerId="ADAL" clId="{1D74A321-71E9-470C-990A-0AF5633ED9A4}" dt="2023-10-25T05:57:52.019" v="73" actId="1076"/>
+          <ac:spMkLst>
+            <pc:docMk/>
+            <pc:sldMk cId="706516692" sldId="297"/>
+            <ac:spMk id="11" creationId="{ACC1F2DB-F4F7-43DD-BC81-2D5288BE1863}"/>
+          </ac:spMkLst>
+        </pc:spChg>
+        <pc:spChg chg="add mod">
+          <ac:chgData name="jeongkilyong" userId="42a1e730-e7ec-4950-9a60-48236c77d83b" providerId="ADAL" clId="{1D74A321-71E9-470C-990A-0AF5633ED9A4}" dt="2023-10-25T05:58:18.164" v="112" actId="1076"/>
+          <ac:spMkLst>
+            <pc:docMk/>
+            <pc:sldMk cId="706516692" sldId="297"/>
+            <ac:spMk id="22" creationId="{7916C997-78D5-4561-8DBB-09B2928C8955}"/>
+          </ac:spMkLst>
+        </pc:spChg>
+        <pc:spChg chg="add mod">
+          <ac:chgData name="jeongkilyong" userId="42a1e730-e7ec-4950-9a60-48236c77d83b" providerId="ADAL" clId="{1D74A321-71E9-470C-990A-0AF5633ED9A4}" dt="2023-10-25T05:58:24.554" v="127" actId="20577"/>
+          <ac:spMkLst>
+            <pc:docMk/>
+            <pc:sldMk cId="706516692" sldId="297"/>
+            <ac:spMk id="23" creationId="{A9939F84-6ABF-4D36-BD88-5FE80816B37A}"/>
+          </ac:spMkLst>
+        </pc:spChg>
+        <pc:spChg chg="add mod">
+          <ac:chgData name="jeongkilyong" userId="42a1e730-e7ec-4950-9a60-48236c77d83b" providerId="ADAL" clId="{1D74A321-71E9-470C-990A-0AF5633ED9A4}" dt="2023-10-25T05:58:28.401" v="128" actId="571"/>
+          <ac:spMkLst>
+            <pc:docMk/>
+            <pc:sldMk cId="706516692" sldId="297"/>
+            <ac:spMk id="24" creationId="{62AE7DB2-5ACB-4197-9F05-1CC5B44A78CC}"/>
+          </ac:spMkLst>
+        </pc:spChg>
+        <pc:spChg chg="add mod">
+          <ac:chgData name="jeongkilyong" userId="42a1e730-e7ec-4950-9a60-48236c77d83b" providerId="ADAL" clId="{1D74A321-71E9-470C-990A-0AF5633ED9A4}" dt="2023-10-25T05:58:34.445" v="129" actId="1076"/>
+          <ac:spMkLst>
+            <pc:docMk/>
+            <pc:sldMk cId="706516692" sldId="297"/>
+            <ac:spMk id="25" creationId="{914ED73D-36B0-40D3-9418-FA3B121C758A}"/>
+          </ac:spMkLst>
+        </pc:spChg>
+        <pc:cxnChg chg="add mod">
+          <ac:chgData name="jeongkilyong" userId="42a1e730-e7ec-4950-9a60-48236c77d83b" providerId="ADAL" clId="{1D74A321-71E9-470C-990A-0AF5633ED9A4}" dt="2023-10-25T05:57:52.019" v="73" actId="1076"/>
+          <ac:cxnSpMkLst>
+            <pc:docMk/>
+            <pc:sldMk cId="706516692" sldId="297"/>
+            <ac:cxnSpMk id="13" creationId="{B22E90BB-FBF1-41C6-A461-897614410B0A}"/>
+          </ac:cxnSpMkLst>
+        </pc:cxnChg>
+        <pc:cxnChg chg="add mod">
+          <ac:chgData name="jeongkilyong" userId="42a1e730-e7ec-4950-9a60-48236c77d83b" providerId="ADAL" clId="{1D74A321-71E9-470C-990A-0AF5633ED9A4}" dt="2023-10-25T05:57:52.019" v="73" actId="1076"/>
+          <ac:cxnSpMkLst>
+            <pc:docMk/>
+            <pc:sldMk cId="706516692" sldId="297"/>
+            <ac:cxnSpMk id="14" creationId="{91D19ECE-FDC0-44BD-A824-B5D4B3619C1C}"/>
+          </ac:cxnSpMkLst>
+        </pc:cxnChg>
+        <pc:cxnChg chg="add mod">
+          <ac:chgData name="jeongkilyong" userId="42a1e730-e7ec-4950-9a60-48236c77d83b" providerId="ADAL" clId="{1D74A321-71E9-470C-990A-0AF5633ED9A4}" dt="2023-10-25T05:57:52.019" v="73" actId="1076"/>
+          <ac:cxnSpMkLst>
+            <pc:docMk/>
+            <pc:sldMk cId="706516692" sldId="297"/>
+            <ac:cxnSpMk id="16" creationId="{D6D43ADD-CD33-46D5-BAC3-42FC427FD228}"/>
+          </ac:cxnSpMkLst>
+        </pc:cxnChg>
+        <pc:cxnChg chg="add mod">
+          <ac:chgData name="jeongkilyong" userId="42a1e730-e7ec-4950-9a60-48236c77d83b" providerId="ADAL" clId="{1D74A321-71E9-470C-990A-0AF5633ED9A4}" dt="2023-10-25T05:57:52.019" v="73" actId="1076"/>
+          <ac:cxnSpMkLst>
+            <pc:docMk/>
+            <pc:sldMk cId="706516692" sldId="297"/>
+            <ac:cxnSpMk id="18" creationId="{5C5B331D-9A08-4783-B9C9-20A521DA5DDA}"/>
+          </ac:cxnSpMkLst>
+        </pc:cxnChg>
+      </pc:sldChg>
+      <pc:sldChg chg="modSp mod">
+        <pc:chgData name="jeongkilyong" userId="42a1e730-e7ec-4950-9a60-48236c77d83b" providerId="ADAL" clId="{1D74A321-71E9-470C-990A-0AF5633ED9A4}" dt="2023-10-26T01:52:35.075" v="174" actId="207"/>
+        <pc:sldMkLst>
+          <pc:docMk/>
+          <pc:sldMk cId="444694144" sldId="302"/>
+        </pc:sldMkLst>
+        <pc:spChg chg="mod">
+          <ac:chgData name="jeongkilyong" userId="42a1e730-e7ec-4950-9a60-48236c77d83b" providerId="ADAL" clId="{1D74A321-71E9-470C-990A-0AF5633ED9A4}" dt="2023-10-26T01:52:35.075" v="174" actId="207"/>
+          <ac:spMkLst>
+            <pc:docMk/>
+            <pc:sldMk cId="444694144" sldId="302"/>
+            <ac:spMk id="5" creationId="{F0AEF5F7-CC05-4C6B-BD9E-E28F937E23CB}"/>
+          </ac:spMkLst>
+        </pc:spChg>
+        <pc:spChg chg="mod">
+          <ac:chgData name="jeongkilyong" userId="42a1e730-e7ec-4950-9a60-48236c77d83b" providerId="ADAL" clId="{1D74A321-71E9-470C-990A-0AF5633ED9A4}" dt="2023-10-25T06:59:43.913" v="161" actId="403"/>
+          <ac:spMkLst>
+            <pc:docMk/>
+            <pc:sldMk cId="444694144" sldId="302"/>
+            <ac:spMk id="7" creationId="{245F0A32-62B6-4142-B3A3-F35B74FF88E0}"/>
+          </ac:spMkLst>
+        </pc:spChg>
+      </pc:sldChg>
+      <pc:sldChg chg="modSp mod">
+        <pc:chgData name="jeongkilyong" userId="42a1e730-e7ec-4950-9a60-48236c77d83b" providerId="ADAL" clId="{1D74A321-71E9-470C-990A-0AF5633ED9A4}" dt="2023-10-25T08:38:33.948" v="162"/>
+        <pc:sldMkLst>
+          <pc:docMk/>
+          <pc:sldMk cId="2470055609" sldId="308"/>
+        </pc:sldMkLst>
+        <pc:spChg chg="mod">
+          <ac:chgData name="jeongkilyong" userId="42a1e730-e7ec-4950-9a60-48236c77d83b" providerId="ADAL" clId="{1D74A321-71E9-470C-990A-0AF5633ED9A4}" dt="2023-10-25T08:38:33.948" v="162"/>
+          <ac:spMkLst>
+            <pc:docMk/>
+            <pc:sldMk cId="2470055609" sldId="308"/>
+            <ac:spMk id="7" creationId="{CC17DA7C-46B1-40A6-93FF-2167850D5AB5}"/>
+          </ac:spMkLst>
+        </pc:spChg>
+      </pc:sldChg>
+      <pc:sldChg chg="modSp mod">
+        <pc:chgData name="jeongkilyong" userId="42a1e730-e7ec-4950-9a60-48236c77d83b" providerId="ADAL" clId="{1D74A321-71E9-470C-990A-0AF5633ED9A4}" dt="2023-10-26T01:16:32.005" v="172" actId="20577"/>
+        <pc:sldMkLst>
+          <pc:docMk/>
+          <pc:sldMk cId="1038243149" sldId="309"/>
+        </pc:sldMkLst>
+        <pc:spChg chg="mod">
+          <ac:chgData name="jeongkilyong" userId="42a1e730-e7ec-4950-9a60-48236c77d83b" providerId="ADAL" clId="{1D74A321-71E9-470C-990A-0AF5633ED9A4}" dt="2023-10-25T09:16:05.948" v="165" actId="20577"/>
+          <ac:spMkLst>
+            <pc:docMk/>
+            <pc:sldMk cId="1038243149" sldId="309"/>
+            <ac:spMk id="5" creationId="{2D7E28E6-0292-4349-9DEC-B2B8297E07C0}"/>
+          </ac:spMkLst>
+        </pc:spChg>
+        <pc:spChg chg="mod">
+          <ac:chgData name="jeongkilyong" userId="42a1e730-e7ec-4950-9a60-48236c77d83b" providerId="ADAL" clId="{1D74A321-71E9-470C-990A-0AF5633ED9A4}" dt="2023-10-26T01:16:32.005" v="172" actId="20577"/>
+          <ac:spMkLst>
+            <pc:docMk/>
+            <pc:sldMk cId="1038243149" sldId="309"/>
+            <ac:spMk id="7" creationId="{2382519C-D4EA-4B1C-BBE6-96FAA5EC438A}"/>
+          </ac:spMkLst>
+        </pc:spChg>
+      </pc:sldChg>
+      <pc:sldChg chg="modSp mod">
+        <pc:chgData name="jeongkilyong" userId="42a1e730-e7ec-4950-9a60-48236c77d83b" providerId="ADAL" clId="{1D74A321-71E9-470C-990A-0AF5633ED9A4}" dt="2023-10-25T09:16:29.027" v="169" actId="20577"/>
+        <pc:sldMkLst>
+          <pc:docMk/>
+          <pc:sldMk cId="4132166881" sldId="310"/>
+        </pc:sldMkLst>
+        <pc:spChg chg="mod">
+          <ac:chgData name="jeongkilyong" userId="42a1e730-e7ec-4950-9a60-48236c77d83b" providerId="ADAL" clId="{1D74A321-71E9-470C-990A-0AF5633ED9A4}" dt="2023-10-25T09:16:29.027" v="169" actId="20577"/>
+          <ac:spMkLst>
+            <pc:docMk/>
+            <pc:sldMk cId="4132166881" sldId="310"/>
+            <ac:spMk id="5" creationId="{57FAD6C1-1407-4B3C-B82F-C4E087D23170}"/>
+          </ac:spMkLst>
+        </pc:spChg>
+        <pc:spChg chg="mod">
+          <ac:chgData name="jeongkilyong" userId="42a1e730-e7ec-4950-9a60-48236c77d83b" providerId="ADAL" clId="{1D74A321-71E9-470C-990A-0AF5633ED9A4}" dt="2023-10-25T06:00:16.743" v="160" actId="20577"/>
+          <ac:spMkLst>
+            <pc:docMk/>
+            <pc:sldMk cId="4132166881" sldId="310"/>
             <ac:spMk id="12" creationId="{10ACD4E5-1FFB-574E-8F99-C84FF7F7144F}"/>
           </ac:spMkLst>
         </pc:spChg>
@@ -1625,1640 +3259,6 @@
       </pc:sldChg>
     </pc:docChg>
   </pc:docChgLst>
-  <pc:docChgLst>
-    <pc:chgData name="jeongkilyong" userId="42a1e730-e7ec-4950-9a60-48236c77d83b" providerId="ADAL" clId="{C829C101-7AA3-440D-84DD-C1BC9B3A4084}"/>
-    <pc:docChg chg="undo custSel modSld">
-      <pc:chgData name="jeongkilyong" userId="42a1e730-e7ec-4950-9a60-48236c77d83b" providerId="ADAL" clId="{C829C101-7AA3-440D-84DD-C1BC9B3A4084}" dt="2024-02-27T14:14:02.315" v="350" actId="20577"/>
-      <pc:docMkLst>
-        <pc:docMk/>
-      </pc:docMkLst>
-      <pc:sldChg chg="modSp mod">
-        <pc:chgData name="jeongkilyong" userId="42a1e730-e7ec-4950-9a60-48236c77d83b" providerId="ADAL" clId="{C829C101-7AA3-440D-84DD-C1BC9B3A4084}" dt="2024-02-27T14:03:16.894" v="81"/>
-        <pc:sldMkLst>
-          <pc:docMk/>
-          <pc:sldMk cId="3849138561" sldId="293"/>
-        </pc:sldMkLst>
-        <pc:spChg chg="mod">
-          <ac:chgData name="jeongkilyong" userId="42a1e730-e7ec-4950-9a60-48236c77d83b" providerId="ADAL" clId="{C829C101-7AA3-440D-84DD-C1BC9B3A4084}" dt="2024-02-27T14:03:16.894" v="81"/>
-          <ac:spMkLst>
-            <pc:docMk/>
-            <pc:sldMk cId="3849138561" sldId="293"/>
-            <ac:spMk id="6" creationId="{CC9A24F6-8184-44CF-901E-E7CF5E67EB5C}"/>
-          </ac:spMkLst>
-        </pc:spChg>
-      </pc:sldChg>
-      <pc:sldChg chg="modSp mod">
-        <pc:chgData name="jeongkilyong" userId="42a1e730-e7ec-4950-9a60-48236c77d83b" providerId="ADAL" clId="{C829C101-7AA3-440D-84DD-C1BC9B3A4084}" dt="2024-02-27T14:04:43.266" v="115"/>
-        <pc:sldMkLst>
-          <pc:docMk/>
-          <pc:sldMk cId="268326346" sldId="294"/>
-        </pc:sldMkLst>
-        <pc:spChg chg="mod">
-          <ac:chgData name="jeongkilyong" userId="42a1e730-e7ec-4950-9a60-48236c77d83b" providerId="ADAL" clId="{C829C101-7AA3-440D-84DD-C1BC9B3A4084}" dt="2024-02-27T14:04:39.920" v="114" actId="20577"/>
-          <ac:spMkLst>
-            <pc:docMk/>
-            <pc:sldMk cId="268326346" sldId="294"/>
-            <ac:spMk id="7" creationId="{4103BDBF-91D9-4B73-ABA5-72E2F8288E55}"/>
-          </ac:spMkLst>
-        </pc:spChg>
-        <pc:spChg chg="mod">
-          <ac:chgData name="jeongkilyong" userId="42a1e730-e7ec-4950-9a60-48236c77d83b" providerId="ADAL" clId="{C829C101-7AA3-440D-84DD-C1BC9B3A4084}" dt="2024-02-27T14:04:43.266" v="115"/>
-          <ac:spMkLst>
-            <pc:docMk/>
-            <pc:sldMk cId="268326346" sldId="294"/>
-            <ac:spMk id="8" creationId="{28EB9FA0-4C4F-4A06-A5C7-DC42476C7DD6}"/>
-          </ac:spMkLst>
-        </pc:spChg>
-      </pc:sldChg>
-      <pc:sldChg chg="modSp mod">
-        <pc:chgData name="jeongkilyong" userId="42a1e730-e7ec-4950-9a60-48236c77d83b" providerId="ADAL" clId="{C829C101-7AA3-440D-84DD-C1BC9B3A4084}" dt="2024-02-27T14:03:46.238" v="86"/>
-        <pc:sldMkLst>
-          <pc:docMk/>
-          <pc:sldMk cId="900103486" sldId="295"/>
-        </pc:sldMkLst>
-        <pc:spChg chg="mod">
-          <ac:chgData name="jeongkilyong" userId="42a1e730-e7ec-4950-9a60-48236c77d83b" providerId="ADAL" clId="{C829C101-7AA3-440D-84DD-C1BC9B3A4084}" dt="2024-02-27T14:03:46.238" v="86"/>
-          <ac:spMkLst>
-            <pc:docMk/>
-            <pc:sldMk cId="900103486" sldId="295"/>
-            <ac:spMk id="6" creationId="{A7057724-C8EE-4439-9E0A-898831E087C2}"/>
-          </ac:spMkLst>
-        </pc:spChg>
-      </pc:sldChg>
-      <pc:sldChg chg="modSp mod">
-        <pc:chgData name="jeongkilyong" userId="42a1e730-e7ec-4950-9a60-48236c77d83b" providerId="ADAL" clId="{C829C101-7AA3-440D-84DD-C1BC9B3A4084}" dt="2024-02-27T14:09:32.768" v="203" actId="1076"/>
-        <pc:sldMkLst>
-          <pc:docMk/>
-          <pc:sldMk cId="53578821" sldId="296"/>
-        </pc:sldMkLst>
-        <pc:spChg chg="mod">
-          <ac:chgData name="jeongkilyong" userId="42a1e730-e7ec-4950-9a60-48236c77d83b" providerId="ADAL" clId="{C829C101-7AA3-440D-84DD-C1BC9B3A4084}" dt="2024-02-27T14:09:30.651" v="202" actId="20577"/>
-          <ac:spMkLst>
-            <pc:docMk/>
-            <pc:sldMk cId="53578821" sldId="296"/>
-            <ac:spMk id="5" creationId="{20B7D52D-9A43-487C-B27D-03DFB8EBDBC7}"/>
-          </ac:spMkLst>
-        </pc:spChg>
-        <pc:spChg chg="mod">
-          <ac:chgData name="jeongkilyong" userId="42a1e730-e7ec-4950-9a60-48236c77d83b" providerId="ADAL" clId="{C829C101-7AA3-440D-84DD-C1BC9B3A4084}" dt="2024-02-27T14:09:32.768" v="203" actId="1076"/>
-          <ac:spMkLst>
-            <pc:docMk/>
-            <pc:sldMk cId="53578821" sldId="296"/>
-            <ac:spMk id="6" creationId="{8958952E-BFAE-4CF7-9956-44D7D901532A}"/>
-          </ac:spMkLst>
-        </pc:spChg>
-      </pc:sldChg>
-      <pc:sldChg chg="modSp mod">
-        <pc:chgData name="jeongkilyong" userId="42a1e730-e7ec-4950-9a60-48236c77d83b" providerId="ADAL" clId="{C829C101-7AA3-440D-84DD-C1BC9B3A4084}" dt="2024-02-27T13:21:20.183" v="41"/>
-        <pc:sldMkLst>
-          <pc:docMk/>
-          <pc:sldMk cId="706516692" sldId="297"/>
-        </pc:sldMkLst>
-        <pc:spChg chg="mod">
-          <ac:chgData name="jeongkilyong" userId="42a1e730-e7ec-4950-9a60-48236c77d83b" providerId="ADAL" clId="{C829C101-7AA3-440D-84DD-C1BC9B3A4084}" dt="2024-02-27T13:21:20.183" v="41"/>
-          <ac:spMkLst>
-            <pc:docMk/>
-            <pc:sldMk cId="706516692" sldId="297"/>
-            <ac:spMk id="6" creationId="{91C63D14-5017-4D63-92B4-8C8228768D2C}"/>
-          </ac:spMkLst>
-        </pc:spChg>
-        <pc:spChg chg="mod">
-          <ac:chgData name="jeongkilyong" userId="42a1e730-e7ec-4950-9a60-48236c77d83b" providerId="ADAL" clId="{C829C101-7AA3-440D-84DD-C1BC9B3A4084}" dt="2024-02-27T13:21:19.817" v="40"/>
-          <ac:spMkLst>
-            <pc:docMk/>
-            <pc:sldMk cId="706516692" sldId="297"/>
-            <ac:spMk id="11" creationId="{ACC1F2DB-F4F7-43DD-BC81-2D5288BE1863}"/>
-          </ac:spMkLst>
-        </pc:spChg>
-      </pc:sldChg>
-      <pc:sldChg chg="modSp mod">
-        <pc:chgData name="jeongkilyong" userId="42a1e730-e7ec-4950-9a60-48236c77d83b" providerId="ADAL" clId="{C829C101-7AA3-440D-84DD-C1BC9B3A4084}" dt="2024-02-25T22:47:22.395" v="14" actId="20577"/>
-        <pc:sldMkLst>
-          <pc:docMk/>
-          <pc:sldMk cId="1147875491" sldId="299"/>
-        </pc:sldMkLst>
-        <pc:spChg chg="mod">
-          <ac:chgData name="jeongkilyong" userId="42a1e730-e7ec-4950-9a60-48236c77d83b" providerId="ADAL" clId="{C829C101-7AA3-440D-84DD-C1BC9B3A4084}" dt="2024-02-25T22:47:22.395" v="14" actId="20577"/>
-          <ac:spMkLst>
-            <pc:docMk/>
-            <pc:sldMk cId="1147875491" sldId="299"/>
-            <ac:spMk id="5" creationId="{D8A199DF-DA5C-46F4-BA3D-45DAE45DF8C2}"/>
-          </ac:spMkLst>
-        </pc:spChg>
-      </pc:sldChg>
-      <pc:sldChg chg="modSp mod">
-        <pc:chgData name="jeongkilyong" userId="42a1e730-e7ec-4950-9a60-48236c77d83b" providerId="ADAL" clId="{C829C101-7AA3-440D-84DD-C1BC9B3A4084}" dt="2024-02-27T14:05:12.170" v="116"/>
-        <pc:sldMkLst>
-          <pc:docMk/>
-          <pc:sldMk cId="1995295054" sldId="300"/>
-        </pc:sldMkLst>
-        <pc:spChg chg="mod">
-          <ac:chgData name="jeongkilyong" userId="42a1e730-e7ec-4950-9a60-48236c77d83b" providerId="ADAL" clId="{C829C101-7AA3-440D-84DD-C1BC9B3A4084}" dt="2024-02-27T14:05:12.170" v="116"/>
-          <ac:spMkLst>
-            <pc:docMk/>
-            <pc:sldMk cId="1995295054" sldId="300"/>
-            <ac:spMk id="6" creationId="{40A6A68B-D0DB-4076-B0DE-C97614AC0B08}"/>
-          </ac:spMkLst>
-        </pc:spChg>
-      </pc:sldChg>
-      <pc:sldChg chg="modSp mod">
-        <pc:chgData name="jeongkilyong" userId="42a1e730-e7ec-4950-9a60-48236c77d83b" providerId="ADAL" clId="{C829C101-7AA3-440D-84DD-C1BC9B3A4084}" dt="2024-02-27T14:12:39.105" v="307" actId="20577"/>
-        <pc:sldMkLst>
-          <pc:docMk/>
-          <pc:sldMk cId="728317058" sldId="301"/>
-        </pc:sldMkLst>
-        <pc:spChg chg="mod">
-          <ac:chgData name="jeongkilyong" userId="42a1e730-e7ec-4950-9a60-48236c77d83b" providerId="ADAL" clId="{C829C101-7AA3-440D-84DD-C1BC9B3A4084}" dt="2024-02-27T14:12:39.105" v="307" actId="20577"/>
-          <ac:spMkLst>
-            <pc:docMk/>
-            <pc:sldMk cId="728317058" sldId="301"/>
-            <ac:spMk id="5" creationId="{D7E0082D-4D9F-4BA6-A2BD-79C674EA2B83}"/>
-          </ac:spMkLst>
-        </pc:spChg>
-        <pc:spChg chg="mod">
-          <ac:chgData name="jeongkilyong" userId="42a1e730-e7ec-4950-9a60-48236c77d83b" providerId="ADAL" clId="{C829C101-7AA3-440D-84DD-C1BC9B3A4084}" dt="2024-02-27T14:06:03.534" v="118"/>
-          <ac:spMkLst>
-            <pc:docMk/>
-            <pc:sldMk cId="728317058" sldId="301"/>
-            <ac:spMk id="6" creationId="{82CB4DAD-FF6C-4563-BE83-1F10016A48CE}"/>
-          </ac:spMkLst>
-        </pc:spChg>
-      </pc:sldChg>
-      <pc:sldChg chg="modSp mod">
-        <pc:chgData name="jeongkilyong" userId="42a1e730-e7ec-4950-9a60-48236c77d83b" providerId="ADAL" clId="{C829C101-7AA3-440D-84DD-C1BC9B3A4084}" dt="2024-02-27T14:06:10.908" v="119"/>
-        <pc:sldMkLst>
-          <pc:docMk/>
-          <pc:sldMk cId="2047273615" sldId="304"/>
-        </pc:sldMkLst>
-        <pc:spChg chg="mod">
-          <ac:chgData name="jeongkilyong" userId="42a1e730-e7ec-4950-9a60-48236c77d83b" providerId="ADAL" clId="{C829C101-7AA3-440D-84DD-C1BC9B3A4084}" dt="2024-02-27T14:06:10.908" v="119"/>
-          <ac:spMkLst>
-            <pc:docMk/>
-            <pc:sldMk cId="2047273615" sldId="304"/>
-            <ac:spMk id="5" creationId="{2D5179D7-41F6-43BF-8F1A-9EAE78209FF5}"/>
-          </ac:spMkLst>
-        </pc:spChg>
-      </pc:sldChg>
-      <pc:sldChg chg="modSp mod">
-        <pc:chgData name="jeongkilyong" userId="42a1e730-e7ec-4950-9a60-48236c77d83b" providerId="ADAL" clId="{C829C101-7AA3-440D-84DD-C1BC9B3A4084}" dt="2024-02-27T14:07:03.806" v="139" actId="20577"/>
-        <pc:sldMkLst>
-          <pc:docMk/>
-          <pc:sldMk cId="1072873972" sldId="306"/>
-        </pc:sldMkLst>
-        <pc:spChg chg="mod">
-          <ac:chgData name="jeongkilyong" userId="42a1e730-e7ec-4950-9a60-48236c77d83b" providerId="ADAL" clId="{C829C101-7AA3-440D-84DD-C1BC9B3A4084}" dt="2024-02-27T14:07:03.806" v="139" actId="20577"/>
-          <ac:spMkLst>
-            <pc:docMk/>
-            <pc:sldMk cId="1072873972" sldId="306"/>
-            <ac:spMk id="6" creationId="{C6196F20-0327-4D94-AFCF-9E04CC55FEB5}"/>
-          </ac:spMkLst>
-        </pc:spChg>
-        <pc:spChg chg="mod">
-          <ac:chgData name="jeongkilyong" userId="42a1e730-e7ec-4950-9a60-48236c77d83b" providerId="ADAL" clId="{C829C101-7AA3-440D-84DD-C1BC9B3A4084}" dt="2024-02-27T13:28:16.525" v="55"/>
-          <ac:spMkLst>
-            <pc:docMk/>
-            <pc:sldMk cId="1072873972" sldId="306"/>
-            <ac:spMk id="7" creationId="{5571D52D-2E53-4760-956C-02B8690C9F6C}"/>
-          </ac:spMkLst>
-        </pc:spChg>
-        <pc:spChg chg="mod">
-          <ac:chgData name="jeongkilyong" userId="42a1e730-e7ec-4950-9a60-48236c77d83b" providerId="ADAL" clId="{C829C101-7AA3-440D-84DD-C1BC9B3A4084}" dt="2024-02-27T14:06:30.512" v="124"/>
-          <ac:spMkLst>
-            <pc:docMk/>
-            <pc:sldMk cId="1072873972" sldId="306"/>
-            <ac:spMk id="8" creationId="{66A1BFD6-F0C0-4865-8C4C-32DA67A0B726}"/>
-          </ac:spMkLst>
-        </pc:spChg>
-        <pc:spChg chg="mod">
-          <ac:chgData name="jeongkilyong" userId="42a1e730-e7ec-4950-9a60-48236c77d83b" providerId="ADAL" clId="{C829C101-7AA3-440D-84DD-C1BC9B3A4084}" dt="2024-02-27T13:28:23.110" v="60"/>
-          <ac:spMkLst>
-            <pc:docMk/>
-            <pc:sldMk cId="1072873972" sldId="306"/>
-            <ac:spMk id="9" creationId="{50833E9C-209C-42E9-9121-EC72C9F3492A}"/>
-          </ac:spMkLst>
-        </pc:spChg>
-        <pc:spChg chg="mod">
-          <ac:chgData name="jeongkilyong" userId="42a1e730-e7ec-4950-9a60-48236c77d83b" providerId="ADAL" clId="{C829C101-7AA3-440D-84DD-C1BC9B3A4084}" dt="2024-02-27T14:06:32.507" v="125"/>
-          <ac:spMkLst>
-            <pc:docMk/>
-            <pc:sldMk cId="1072873972" sldId="306"/>
-            <ac:spMk id="10" creationId="{8C376DC2-1C48-4A0B-9E84-0E3C9A4A33BC}"/>
-          </ac:spMkLst>
-        </pc:spChg>
-      </pc:sldChg>
-      <pc:sldChg chg="addSp modSp mod">
-        <pc:chgData name="jeongkilyong" userId="42a1e730-e7ec-4950-9a60-48236c77d83b" providerId="ADAL" clId="{C829C101-7AA3-440D-84DD-C1BC9B3A4084}" dt="2024-02-27T14:14:02.315" v="350" actId="20577"/>
-        <pc:sldMkLst>
-          <pc:docMk/>
-          <pc:sldMk cId="2454054059" sldId="307"/>
-        </pc:sldMkLst>
-        <pc:spChg chg="mod">
-          <ac:chgData name="jeongkilyong" userId="42a1e730-e7ec-4950-9a60-48236c77d83b" providerId="ADAL" clId="{C829C101-7AA3-440D-84DD-C1BC9B3A4084}" dt="2024-02-27T14:13:24.647" v="308" actId="1076"/>
-          <ac:spMkLst>
-            <pc:docMk/>
-            <pc:sldMk cId="2454054059" sldId="307"/>
-            <ac:spMk id="6" creationId="{A91144B5-CDF5-4014-8B33-D86DB6134885}"/>
-          </ac:spMkLst>
-        </pc:spChg>
-        <pc:spChg chg="add mod">
-          <ac:chgData name="jeongkilyong" userId="42a1e730-e7ec-4950-9a60-48236c77d83b" providerId="ADAL" clId="{C829C101-7AA3-440D-84DD-C1BC9B3A4084}" dt="2024-02-27T14:14:02.315" v="350" actId="20577"/>
-          <ac:spMkLst>
-            <pc:docMk/>
-            <pc:sldMk cId="2454054059" sldId="307"/>
-            <ac:spMk id="7" creationId="{A41FDA8A-92A1-4D95-B416-57A37342D144}"/>
-          </ac:spMkLst>
-        </pc:spChg>
-      </pc:sldChg>
-      <pc:sldChg chg="modSp mod">
-        <pc:chgData name="jeongkilyong" userId="42a1e730-e7ec-4950-9a60-48236c77d83b" providerId="ADAL" clId="{C829C101-7AA3-440D-84DD-C1BC9B3A4084}" dt="2024-02-27T13:28:51.517" v="80" actId="20577"/>
-        <pc:sldMkLst>
-          <pc:docMk/>
-          <pc:sldMk cId="2470055609" sldId="308"/>
-        </pc:sldMkLst>
-        <pc:spChg chg="mod">
-          <ac:chgData name="jeongkilyong" userId="42a1e730-e7ec-4950-9a60-48236c77d83b" providerId="ADAL" clId="{C829C101-7AA3-440D-84DD-C1BC9B3A4084}" dt="2024-02-27T13:28:39.693" v="69" actId="6549"/>
-          <ac:spMkLst>
-            <pc:docMk/>
-            <pc:sldMk cId="2470055609" sldId="308"/>
-            <ac:spMk id="6" creationId="{106BF331-4F11-4B95-8CDE-DECBB947C942}"/>
-          </ac:spMkLst>
-        </pc:spChg>
-        <pc:spChg chg="mod">
-          <ac:chgData name="jeongkilyong" userId="42a1e730-e7ec-4950-9a60-48236c77d83b" providerId="ADAL" clId="{C829C101-7AA3-440D-84DD-C1BC9B3A4084}" dt="2024-02-27T13:28:45.295" v="74" actId="20577"/>
-          <ac:spMkLst>
-            <pc:docMk/>
-            <pc:sldMk cId="2470055609" sldId="308"/>
-            <ac:spMk id="7" creationId="{CC17DA7C-46B1-40A6-93FF-2167850D5AB5}"/>
-          </ac:spMkLst>
-        </pc:spChg>
-        <pc:spChg chg="mod">
-          <ac:chgData name="jeongkilyong" userId="42a1e730-e7ec-4950-9a60-48236c77d83b" providerId="ADAL" clId="{C829C101-7AA3-440D-84DD-C1BC9B3A4084}" dt="2024-02-27T13:28:51.517" v="80" actId="20577"/>
-          <ac:spMkLst>
-            <pc:docMk/>
-            <pc:sldMk cId="2470055609" sldId="308"/>
-            <ac:spMk id="8" creationId="{906D0147-0C23-4A00-ACA1-081365872690}"/>
-          </ac:spMkLst>
-        </pc:spChg>
-      </pc:sldChg>
-    </pc:docChg>
-  </pc:docChgLst>
-  <pc:docChgLst>
-    <pc:chgData name="jeongkilyong" userId="42a1e730-e7ec-4950-9a60-48236c77d83b" providerId="ADAL" clId="{102EE6A8-9256-46F7-BB6B-08B3E50DF173}"/>
-    <pc:docChg chg="undo custSel addSld delSld modSld">
-      <pc:chgData name="jeongkilyong" userId="42a1e730-e7ec-4950-9a60-48236c77d83b" providerId="ADAL" clId="{102EE6A8-9256-46F7-BB6B-08B3E50DF173}" dt="2023-10-25T02:45:45.241" v="1010" actId="207"/>
-      <pc:docMkLst>
-        <pc:docMk/>
-      </pc:docMkLst>
-      <pc:sldChg chg="addSp modSp add mod">
-        <pc:chgData name="jeongkilyong" userId="42a1e730-e7ec-4950-9a60-48236c77d83b" providerId="ADAL" clId="{102EE6A8-9256-46F7-BB6B-08B3E50DF173}" dt="2023-10-25T00:23:58.470" v="201"/>
-        <pc:sldMkLst>
-          <pc:docMk/>
-          <pc:sldMk cId="3084365525" sldId="280"/>
-        </pc:sldMkLst>
-        <pc:spChg chg="add mod">
-          <ac:chgData name="jeongkilyong" userId="42a1e730-e7ec-4950-9a60-48236c77d83b" providerId="ADAL" clId="{102EE6A8-9256-46F7-BB6B-08B3E50DF173}" dt="2023-10-25T00:23:58.470" v="201"/>
-          <ac:spMkLst>
-            <pc:docMk/>
-            <pc:sldMk cId="3084365525" sldId="280"/>
-            <ac:spMk id="5" creationId="{8FEEAF59-1AFE-44B7-890E-B01F4551EA2C}"/>
-          </ac:spMkLst>
-        </pc:spChg>
-        <pc:spChg chg="mod">
-          <ac:chgData name="jeongkilyong" userId="42a1e730-e7ec-4950-9a60-48236c77d83b" providerId="ADAL" clId="{102EE6A8-9256-46F7-BB6B-08B3E50DF173}" dt="2023-10-25T00:23:19.070" v="200" actId="6549"/>
-          <ac:spMkLst>
-            <pc:docMk/>
-            <pc:sldMk cId="3084365525" sldId="280"/>
-            <ac:spMk id="12" creationId="{10ACD4E5-1FFB-574E-8F99-C84FF7F7144F}"/>
-          </ac:spMkLst>
-        </pc:spChg>
-      </pc:sldChg>
-      <pc:sldChg chg="modSp mod">
-        <pc:chgData name="jeongkilyong" userId="42a1e730-e7ec-4950-9a60-48236c77d83b" providerId="ADAL" clId="{102EE6A8-9256-46F7-BB6B-08B3E50DF173}" dt="2023-10-25T00:20:12.673" v="14" actId="6549"/>
-        <pc:sldMkLst>
-          <pc:docMk/>
-          <pc:sldMk cId="4235148381" sldId="283"/>
-        </pc:sldMkLst>
-        <pc:spChg chg="mod">
-          <ac:chgData name="jeongkilyong" userId="42a1e730-e7ec-4950-9a60-48236c77d83b" providerId="ADAL" clId="{102EE6A8-9256-46F7-BB6B-08B3E50DF173}" dt="2023-10-25T00:20:08.583" v="1" actId="20577"/>
-          <ac:spMkLst>
-            <pc:docMk/>
-            <pc:sldMk cId="4235148381" sldId="283"/>
-            <ac:spMk id="22" creationId="{BD397849-435B-BC4F-B100-C72850C36522}"/>
-          </ac:spMkLst>
-        </pc:spChg>
-        <pc:spChg chg="mod">
-          <ac:chgData name="jeongkilyong" userId="42a1e730-e7ec-4950-9a60-48236c77d83b" providerId="ADAL" clId="{102EE6A8-9256-46F7-BB6B-08B3E50DF173}" dt="2023-10-25T00:20:12.673" v="14" actId="6549"/>
-          <ac:spMkLst>
-            <pc:docMk/>
-            <pc:sldMk cId="4235148381" sldId="283"/>
-            <ac:spMk id="26" creationId="{9E4FB064-8ECA-9144-943F-EC7F301DF48C}"/>
-          </ac:spMkLst>
-        </pc:spChg>
-      </pc:sldChg>
-      <pc:sldChg chg="modSp mod">
-        <pc:chgData name="jeongkilyong" userId="42a1e730-e7ec-4950-9a60-48236c77d83b" providerId="ADAL" clId="{102EE6A8-9256-46F7-BB6B-08B3E50DF173}" dt="2023-10-25T00:22:43.480" v="145" actId="1076"/>
-        <pc:sldMkLst>
-          <pc:docMk/>
-          <pc:sldMk cId="2518751162" sldId="285"/>
-        </pc:sldMkLst>
-        <pc:spChg chg="mod">
-          <ac:chgData name="jeongkilyong" userId="42a1e730-e7ec-4950-9a60-48236c77d83b" providerId="ADAL" clId="{102EE6A8-9256-46F7-BB6B-08B3E50DF173}" dt="2023-10-25T00:22:43.480" v="145" actId="1076"/>
-          <ac:spMkLst>
-            <pc:docMk/>
-            <pc:sldMk cId="2518751162" sldId="285"/>
-            <ac:spMk id="12" creationId="{F8B16E97-6244-1F49-89E2-02A389AB2CB2}"/>
-          </ac:spMkLst>
-        </pc:spChg>
-        <pc:spChg chg="mod">
-          <ac:chgData name="jeongkilyong" userId="42a1e730-e7ec-4950-9a60-48236c77d83b" providerId="ADAL" clId="{102EE6A8-9256-46F7-BB6B-08B3E50DF173}" dt="2023-10-25T00:20:19.809" v="27" actId="6549"/>
-          <ac:spMkLst>
-            <pc:docMk/>
-            <pc:sldMk cId="2518751162" sldId="285"/>
-            <ac:spMk id="14" creationId="{F7047AB8-3A27-8A4C-B98D-ABDB785695C1}"/>
-          </ac:spMkLst>
-        </pc:spChg>
-      </pc:sldChg>
-      <pc:sldChg chg="del">
-        <pc:chgData name="jeongkilyong" userId="42a1e730-e7ec-4950-9a60-48236c77d83b" providerId="ADAL" clId="{102EE6A8-9256-46F7-BB6B-08B3E50DF173}" dt="2023-10-25T00:24:29.761" v="214" actId="47"/>
-        <pc:sldMkLst>
-          <pc:docMk/>
-          <pc:sldMk cId="3364918572" sldId="286"/>
-        </pc:sldMkLst>
-      </pc:sldChg>
-      <pc:sldChg chg="addSp delSp modSp mod">
-        <pc:chgData name="jeongkilyong" userId="42a1e730-e7ec-4950-9a60-48236c77d83b" providerId="ADAL" clId="{102EE6A8-9256-46F7-BB6B-08B3E50DF173}" dt="2023-10-25T02:44:18.449" v="1002" actId="207"/>
-        <pc:sldMkLst>
-          <pc:docMk/>
-          <pc:sldMk cId="3485235614" sldId="292"/>
-        </pc:sldMkLst>
-        <pc:spChg chg="del">
-          <ac:chgData name="jeongkilyong" userId="42a1e730-e7ec-4950-9a60-48236c77d83b" providerId="ADAL" clId="{102EE6A8-9256-46F7-BB6B-08B3E50DF173}" dt="2023-10-25T00:24:20.274" v="212" actId="478"/>
-          <ac:spMkLst>
-            <pc:docMk/>
-            <pc:sldMk cId="3485235614" sldId="292"/>
-            <ac:spMk id="5" creationId="{FB35D915-9598-4DE5-A561-CC6FE4D2171D}"/>
-          </ac:spMkLst>
-        </pc:spChg>
-        <pc:spChg chg="del">
-          <ac:chgData name="jeongkilyong" userId="42a1e730-e7ec-4950-9a60-48236c77d83b" providerId="ADAL" clId="{102EE6A8-9256-46F7-BB6B-08B3E50DF173}" dt="2023-10-25T00:24:23.854" v="213" actId="478"/>
-          <ac:spMkLst>
-            <pc:docMk/>
-            <pc:sldMk cId="3485235614" sldId="292"/>
-            <ac:spMk id="7" creationId="{E08312F0-3BD2-4F32-9089-FB425567B7D7}"/>
-          </ac:spMkLst>
-        </pc:spChg>
-        <pc:spChg chg="add mod">
-          <ac:chgData name="jeongkilyong" userId="42a1e730-e7ec-4950-9a60-48236c77d83b" providerId="ADAL" clId="{102EE6A8-9256-46F7-BB6B-08B3E50DF173}" dt="2023-10-25T02:44:18.449" v="1002" actId="207"/>
-          <ac:spMkLst>
-            <pc:docMk/>
-            <pc:sldMk cId="3485235614" sldId="292"/>
-            <ac:spMk id="8" creationId="{89B977A4-3369-4D4B-AD48-E2F2CA7D0947}"/>
-          </ac:spMkLst>
-        </pc:spChg>
-        <pc:spChg chg="add mod">
-          <ac:chgData name="jeongkilyong" userId="42a1e730-e7ec-4950-9a60-48236c77d83b" providerId="ADAL" clId="{102EE6A8-9256-46F7-BB6B-08B3E50DF173}" dt="2023-10-25T01:34:27.449" v="990" actId="1076"/>
-          <ac:spMkLst>
-            <pc:docMk/>
-            <pc:sldMk cId="3485235614" sldId="292"/>
-            <ac:spMk id="10" creationId="{E436297C-6C2E-4211-811F-923F3EEAB8F6}"/>
-          </ac:spMkLst>
-        </pc:spChg>
-        <pc:spChg chg="mod">
-          <ac:chgData name="jeongkilyong" userId="42a1e730-e7ec-4950-9a60-48236c77d83b" providerId="ADAL" clId="{102EE6A8-9256-46F7-BB6B-08B3E50DF173}" dt="2023-10-25T00:24:54.824" v="253" actId="20577"/>
-          <ac:spMkLst>
-            <pc:docMk/>
-            <pc:sldMk cId="3485235614" sldId="292"/>
-            <ac:spMk id="12" creationId="{10ACD4E5-1FFB-574E-8F99-C84FF7F7144F}"/>
-          </ac:spMkLst>
-        </pc:spChg>
-        <pc:picChg chg="del">
-          <ac:chgData name="jeongkilyong" userId="42a1e730-e7ec-4950-9a60-48236c77d83b" providerId="ADAL" clId="{102EE6A8-9256-46F7-BB6B-08B3E50DF173}" dt="2023-10-25T00:24:23.854" v="213" actId="478"/>
-          <ac:picMkLst>
-            <pc:docMk/>
-            <pc:sldMk cId="3485235614" sldId="292"/>
-            <ac:picMk id="6" creationId="{70EB4F47-E0CF-4334-93D6-7B7E49AA174A}"/>
-          </ac:picMkLst>
-        </pc:picChg>
-        <pc:picChg chg="add mod">
-          <ac:chgData name="jeongkilyong" userId="42a1e730-e7ec-4950-9a60-48236c77d83b" providerId="ADAL" clId="{102EE6A8-9256-46F7-BB6B-08B3E50DF173}" dt="2023-10-25T01:34:27.449" v="990" actId="1076"/>
-          <ac:picMkLst>
-            <pc:docMk/>
-            <pc:sldMk cId="3485235614" sldId="292"/>
-            <ac:picMk id="9" creationId="{8D54E335-7D19-4B52-AFC8-5FC1E1A676BA}"/>
-          </ac:picMkLst>
-        </pc:picChg>
-      </pc:sldChg>
-      <pc:sldChg chg="del">
-        <pc:chgData name="jeongkilyong" userId="42a1e730-e7ec-4950-9a60-48236c77d83b" providerId="ADAL" clId="{102EE6A8-9256-46F7-BB6B-08B3E50DF173}" dt="2023-10-25T00:24:29.761" v="214" actId="47"/>
-        <pc:sldMkLst>
-          <pc:docMk/>
-          <pc:sldMk cId="2773633433" sldId="293"/>
-        </pc:sldMkLst>
-      </pc:sldChg>
-      <pc:sldChg chg="addSp modSp add mod">
-        <pc:chgData name="jeongkilyong" userId="42a1e730-e7ec-4950-9a60-48236c77d83b" providerId="ADAL" clId="{102EE6A8-9256-46F7-BB6B-08B3E50DF173}" dt="2023-10-25T02:43:18.696" v="993" actId="207"/>
-        <pc:sldMkLst>
-          <pc:docMk/>
-          <pc:sldMk cId="3849138561" sldId="293"/>
-        </pc:sldMkLst>
-        <pc:spChg chg="add mod">
-          <ac:chgData name="jeongkilyong" userId="42a1e730-e7ec-4950-9a60-48236c77d83b" providerId="ADAL" clId="{102EE6A8-9256-46F7-BB6B-08B3E50DF173}" dt="2023-10-25T02:43:18.696" v="993" actId="207"/>
-          <ac:spMkLst>
-            <pc:docMk/>
-            <pc:sldMk cId="3849138561" sldId="293"/>
-            <ac:spMk id="5" creationId="{A0FB2871-F336-4C09-A844-1C67F40521E6}"/>
-          </ac:spMkLst>
-        </pc:spChg>
-        <pc:spChg chg="add mod">
-          <ac:chgData name="jeongkilyong" userId="42a1e730-e7ec-4950-9a60-48236c77d83b" providerId="ADAL" clId="{102EE6A8-9256-46F7-BB6B-08B3E50DF173}" dt="2023-10-25T01:30:12.556" v="939" actId="1076"/>
-          <ac:spMkLst>
-            <pc:docMk/>
-            <pc:sldMk cId="3849138561" sldId="293"/>
-            <ac:spMk id="6" creationId="{CC9A24F6-8184-44CF-901E-E7CF5E67EB5C}"/>
-          </ac:spMkLst>
-        </pc:spChg>
-        <pc:spChg chg="add mod">
-          <ac:chgData name="jeongkilyong" userId="42a1e730-e7ec-4950-9a60-48236c77d83b" providerId="ADAL" clId="{102EE6A8-9256-46F7-BB6B-08B3E50DF173}" dt="2023-10-25T01:34:18.690" v="988" actId="1076"/>
-          <ac:spMkLst>
-            <pc:docMk/>
-            <pc:sldMk cId="3849138561" sldId="293"/>
-            <ac:spMk id="8" creationId="{62F87AD8-FFE9-4837-8BE9-3DCE975B7563}"/>
-          </ac:spMkLst>
-        </pc:spChg>
-        <pc:spChg chg="mod">
-          <ac:chgData name="jeongkilyong" userId="42a1e730-e7ec-4950-9a60-48236c77d83b" providerId="ADAL" clId="{102EE6A8-9256-46F7-BB6B-08B3E50DF173}" dt="2023-10-25T00:25:36.451" v="332" actId="6549"/>
-          <ac:spMkLst>
-            <pc:docMk/>
-            <pc:sldMk cId="3849138561" sldId="293"/>
-            <ac:spMk id="12" creationId="{10ACD4E5-1FFB-574E-8F99-C84FF7F7144F}"/>
-          </ac:spMkLst>
-        </pc:spChg>
-        <pc:picChg chg="add mod">
-          <ac:chgData name="jeongkilyong" userId="42a1e730-e7ec-4950-9a60-48236c77d83b" providerId="ADAL" clId="{102EE6A8-9256-46F7-BB6B-08B3E50DF173}" dt="2023-10-25T01:34:18.690" v="988" actId="1076"/>
-          <ac:picMkLst>
-            <pc:docMk/>
-            <pc:sldMk cId="3849138561" sldId="293"/>
-            <ac:picMk id="7" creationId="{7EE7F01C-90AC-4DED-8121-D86F31E7A583}"/>
-          </ac:picMkLst>
-        </pc:picChg>
-      </pc:sldChg>
-      <pc:sldChg chg="addSp modSp add mod">
-        <pc:chgData name="jeongkilyong" userId="42a1e730-e7ec-4950-9a60-48236c77d83b" providerId="ADAL" clId="{102EE6A8-9256-46F7-BB6B-08B3E50DF173}" dt="2023-10-25T01:34:08.850" v="986" actId="1076"/>
-        <pc:sldMkLst>
-          <pc:docMk/>
-          <pc:sldMk cId="268326346" sldId="294"/>
-        </pc:sldMkLst>
-        <pc:spChg chg="add mod">
-          <ac:chgData name="jeongkilyong" userId="42a1e730-e7ec-4950-9a60-48236c77d83b" providerId="ADAL" clId="{102EE6A8-9256-46F7-BB6B-08B3E50DF173}" dt="2023-10-25T01:30:20.438" v="940"/>
-          <ac:spMkLst>
-            <pc:docMk/>
-            <pc:sldMk cId="268326346" sldId="294"/>
-            <ac:spMk id="5" creationId="{43F3CC63-75CA-48FC-B2FA-A4D5601BA4F3}"/>
-          </ac:spMkLst>
-        </pc:spChg>
-        <pc:spChg chg="add mod">
-          <ac:chgData name="jeongkilyong" userId="42a1e730-e7ec-4950-9a60-48236c77d83b" providerId="ADAL" clId="{102EE6A8-9256-46F7-BB6B-08B3E50DF173}" dt="2023-10-25T01:30:20.438" v="940"/>
-          <ac:spMkLst>
-            <pc:docMk/>
-            <pc:sldMk cId="268326346" sldId="294"/>
-            <ac:spMk id="6" creationId="{6AA71A38-BD36-464F-8250-8BC69EED57DA}"/>
-          </ac:spMkLst>
-        </pc:spChg>
-        <pc:spChg chg="add mod">
-          <ac:chgData name="jeongkilyong" userId="42a1e730-e7ec-4950-9a60-48236c77d83b" providerId="ADAL" clId="{102EE6A8-9256-46F7-BB6B-08B3E50DF173}" dt="2023-10-25T01:30:20.438" v="940"/>
-          <ac:spMkLst>
-            <pc:docMk/>
-            <pc:sldMk cId="268326346" sldId="294"/>
-            <ac:spMk id="7" creationId="{4103BDBF-91D9-4B73-ABA5-72E2F8288E55}"/>
-          </ac:spMkLst>
-        </pc:spChg>
-        <pc:spChg chg="add mod">
-          <ac:chgData name="jeongkilyong" userId="42a1e730-e7ec-4950-9a60-48236c77d83b" providerId="ADAL" clId="{102EE6A8-9256-46F7-BB6B-08B3E50DF173}" dt="2023-10-25T01:30:20.438" v="940"/>
-          <ac:spMkLst>
-            <pc:docMk/>
-            <pc:sldMk cId="268326346" sldId="294"/>
-            <ac:spMk id="8" creationId="{28EB9FA0-4C4F-4A06-A5C7-DC42476C7DD6}"/>
-          </ac:spMkLst>
-        </pc:spChg>
-        <pc:spChg chg="add mod">
-          <ac:chgData name="jeongkilyong" userId="42a1e730-e7ec-4950-9a60-48236c77d83b" providerId="ADAL" clId="{102EE6A8-9256-46F7-BB6B-08B3E50DF173}" dt="2023-10-25T01:34:08.850" v="986" actId="1076"/>
-          <ac:spMkLst>
-            <pc:docMk/>
-            <pc:sldMk cId="268326346" sldId="294"/>
-            <ac:spMk id="10" creationId="{41D3CB5F-94A9-4812-B1BE-23D05F0B6C02}"/>
-          </ac:spMkLst>
-        </pc:spChg>
-        <pc:spChg chg="mod">
-          <ac:chgData name="jeongkilyong" userId="42a1e730-e7ec-4950-9a60-48236c77d83b" providerId="ADAL" clId="{102EE6A8-9256-46F7-BB6B-08B3E50DF173}" dt="2023-10-25T00:25:49.264" v="368" actId="20577"/>
-          <ac:spMkLst>
-            <pc:docMk/>
-            <pc:sldMk cId="268326346" sldId="294"/>
-            <ac:spMk id="12" creationId="{10ACD4E5-1FFB-574E-8F99-C84FF7F7144F}"/>
-          </ac:spMkLst>
-        </pc:spChg>
-        <pc:picChg chg="add mod">
-          <ac:chgData name="jeongkilyong" userId="42a1e730-e7ec-4950-9a60-48236c77d83b" providerId="ADAL" clId="{102EE6A8-9256-46F7-BB6B-08B3E50DF173}" dt="2023-10-25T01:34:08.850" v="986" actId="1076"/>
-          <ac:picMkLst>
-            <pc:docMk/>
-            <pc:sldMk cId="268326346" sldId="294"/>
-            <ac:picMk id="9" creationId="{7366C569-280B-4C14-AD1D-86A0902D08C7}"/>
-          </ac:picMkLst>
-        </pc:picChg>
-      </pc:sldChg>
-      <pc:sldChg chg="del">
-        <pc:chgData name="jeongkilyong" userId="42a1e730-e7ec-4950-9a60-48236c77d83b" providerId="ADAL" clId="{102EE6A8-9256-46F7-BB6B-08B3E50DF173}" dt="2023-10-25T00:24:29.761" v="214" actId="47"/>
-        <pc:sldMkLst>
-          <pc:docMk/>
-          <pc:sldMk cId="1339143532" sldId="294"/>
-        </pc:sldMkLst>
-      </pc:sldChg>
-      <pc:sldChg chg="addSp modSp add mod">
-        <pc:chgData name="jeongkilyong" userId="42a1e730-e7ec-4950-9a60-48236c77d83b" providerId="ADAL" clId="{102EE6A8-9256-46F7-BB6B-08B3E50DF173}" dt="2023-10-25T01:33:58.792" v="982" actId="1076"/>
-        <pc:sldMkLst>
-          <pc:docMk/>
-          <pc:sldMk cId="900103486" sldId="295"/>
-        </pc:sldMkLst>
-        <pc:spChg chg="add mod">
-          <ac:chgData name="jeongkilyong" userId="42a1e730-e7ec-4950-9a60-48236c77d83b" providerId="ADAL" clId="{102EE6A8-9256-46F7-BB6B-08B3E50DF173}" dt="2023-10-25T01:30:26.433" v="941"/>
-          <ac:spMkLst>
-            <pc:docMk/>
-            <pc:sldMk cId="900103486" sldId="295"/>
-            <ac:spMk id="5" creationId="{6A938953-7825-4049-B810-3CADAD37A53D}"/>
-          </ac:spMkLst>
-        </pc:spChg>
-        <pc:spChg chg="add mod">
-          <ac:chgData name="jeongkilyong" userId="42a1e730-e7ec-4950-9a60-48236c77d83b" providerId="ADAL" clId="{102EE6A8-9256-46F7-BB6B-08B3E50DF173}" dt="2023-10-25T01:30:26.433" v="941"/>
-          <ac:spMkLst>
-            <pc:docMk/>
-            <pc:sldMk cId="900103486" sldId="295"/>
-            <ac:spMk id="6" creationId="{A7057724-C8EE-4439-9E0A-898831E087C2}"/>
-          </ac:spMkLst>
-        </pc:spChg>
-        <pc:spChg chg="add mod">
-          <ac:chgData name="jeongkilyong" userId="42a1e730-e7ec-4950-9a60-48236c77d83b" providerId="ADAL" clId="{102EE6A8-9256-46F7-BB6B-08B3E50DF173}" dt="2023-10-25T01:33:58.792" v="982" actId="1076"/>
-          <ac:spMkLst>
-            <pc:docMk/>
-            <pc:sldMk cId="900103486" sldId="295"/>
-            <ac:spMk id="8" creationId="{C0EE1438-ABC1-43FF-846B-3AC6BA17005A}"/>
-          </ac:spMkLst>
-        </pc:spChg>
-        <pc:spChg chg="mod">
-          <ac:chgData name="jeongkilyong" userId="42a1e730-e7ec-4950-9a60-48236c77d83b" providerId="ADAL" clId="{102EE6A8-9256-46F7-BB6B-08B3E50DF173}" dt="2023-10-25T00:26:00.706" v="417" actId="20577"/>
-          <ac:spMkLst>
-            <pc:docMk/>
-            <pc:sldMk cId="900103486" sldId="295"/>
-            <ac:spMk id="12" creationId="{10ACD4E5-1FFB-574E-8F99-C84FF7F7144F}"/>
-          </ac:spMkLst>
-        </pc:spChg>
-        <pc:picChg chg="add mod">
-          <ac:chgData name="jeongkilyong" userId="42a1e730-e7ec-4950-9a60-48236c77d83b" providerId="ADAL" clId="{102EE6A8-9256-46F7-BB6B-08B3E50DF173}" dt="2023-10-25T01:33:58.792" v="982" actId="1076"/>
-          <ac:picMkLst>
-            <pc:docMk/>
-            <pc:sldMk cId="900103486" sldId="295"/>
-            <ac:picMk id="7" creationId="{D003B4F3-747E-42E3-8B6F-63B41ED5B8ED}"/>
-          </ac:picMkLst>
-        </pc:picChg>
-      </pc:sldChg>
-      <pc:sldChg chg="del">
-        <pc:chgData name="jeongkilyong" userId="42a1e730-e7ec-4950-9a60-48236c77d83b" providerId="ADAL" clId="{102EE6A8-9256-46F7-BB6B-08B3E50DF173}" dt="2023-10-25T00:24:29.761" v="214" actId="47"/>
-        <pc:sldMkLst>
-          <pc:docMk/>
-          <pc:sldMk cId="3262124915" sldId="295"/>
-        </pc:sldMkLst>
-      </pc:sldChg>
-      <pc:sldChg chg="addSp modSp add mod">
-        <pc:chgData name="jeongkilyong" userId="42a1e730-e7ec-4950-9a60-48236c77d83b" providerId="ADAL" clId="{102EE6A8-9256-46F7-BB6B-08B3E50DF173}" dt="2023-10-25T01:33:50.923" v="980" actId="1076"/>
-        <pc:sldMkLst>
-          <pc:docMk/>
-          <pc:sldMk cId="53578821" sldId="296"/>
-        </pc:sldMkLst>
-        <pc:spChg chg="add mod">
-          <ac:chgData name="jeongkilyong" userId="42a1e730-e7ec-4950-9a60-48236c77d83b" providerId="ADAL" clId="{102EE6A8-9256-46F7-BB6B-08B3E50DF173}" dt="2023-10-25T01:30:31.033" v="942"/>
-          <ac:spMkLst>
-            <pc:docMk/>
-            <pc:sldMk cId="53578821" sldId="296"/>
-            <ac:spMk id="5" creationId="{20B7D52D-9A43-487C-B27D-03DFB8EBDBC7}"/>
-          </ac:spMkLst>
-        </pc:spChg>
-        <pc:spChg chg="add mod">
-          <ac:chgData name="jeongkilyong" userId="42a1e730-e7ec-4950-9a60-48236c77d83b" providerId="ADAL" clId="{102EE6A8-9256-46F7-BB6B-08B3E50DF173}" dt="2023-10-25T01:30:31.033" v="942"/>
-          <ac:spMkLst>
-            <pc:docMk/>
-            <pc:sldMk cId="53578821" sldId="296"/>
-            <ac:spMk id="6" creationId="{8958952E-BFAE-4CF7-9956-44D7D901532A}"/>
-          </ac:spMkLst>
-        </pc:spChg>
-        <pc:spChg chg="add mod">
-          <ac:chgData name="jeongkilyong" userId="42a1e730-e7ec-4950-9a60-48236c77d83b" providerId="ADAL" clId="{102EE6A8-9256-46F7-BB6B-08B3E50DF173}" dt="2023-10-25T01:33:50.923" v="980" actId="1076"/>
-          <ac:spMkLst>
-            <pc:docMk/>
-            <pc:sldMk cId="53578821" sldId="296"/>
-            <ac:spMk id="8" creationId="{34A041B2-88C6-4E9B-8852-EE0C6C4B34AD}"/>
-          </ac:spMkLst>
-        </pc:spChg>
-        <pc:spChg chg="mod">
-          <ac:chgData name="jeongkilyong" userId="42a1e730-e7ec-4950-9a60-48236c77d83b" providerId="ADAL" clId="{102EE6A8-9256-46F7-BB6B-08B3E50DF173}" dt="2023-10-25T00:26:13.058" v="479" actId="20577"/>
-          <ac:spMkLst>
-            <pc:docMk/>
-            <pc:sldMk cId="53578821" sldId="296"/>
-            <ac:spMk id="12" creationId="{10ACD4E5-1FFB-574E-8F99-C84FF7F7144F}"/>
-          </ac:spMkLst>
-        </pc:spChg>
-        <pc:picChg chg="add mod">
-          <ac:chgData name="jeongkilyong" userId="42a1e730-e7ec-4950-9a60-48236c77d83b" providerId="ADAL" clId="{102EE6A8-9256-46F7-BB6B-08B3E50DF173}" dt="2023-10-25T01:33:50.923" v="980" actId="1076"/>
-          <ac:picMkLst>
-            <pc:docMk/>
-            <pc:sldMk cId="53578821" sldId="296"/>
-            <ac:picMk id="7" creationId="{598D02DC-7B22-4823-8291-EF5037932B5C}"/>
-          </ac:picMkLst>
-        </pc:picChg>
-      </pc:sldChg>
-      <pc:sldChg chg="del">
-        <pc:chgData name="jeongkilyong" userId="42a1e730-e7ec-4950-9a60-48236c77d83b" providerId="ADAL" clId="{102EE6A8-9256-46F7-BB6B-08B3E50DF173}" dt="2023-10-25T00:24:29.761" v="214" actId="47"/>
-        <pc:sldMkLst>
-          <pc:docMk/>
-          <pc:sldMk cId="1942727681" sldId="296"/>
-        </pc:sldMkLst>
-      </pc:sldChg>
-      <pc:sldChg chg="addSp modSp add mod">
-        <pc:chgData name="jeongkilyong" userId="42a1e730-e7ec-4950-9a60-48236c77d83b" providerId="ADAL" clId="{102EE6A8-9256-46F7-BB6B-08B3E50DF173}" dt="2023-10-25T01:33:42.444" v="978" actId="1076"/>
-        <pc:sldMkLst>
-          <pc:docMk/>
-          <pc:sldMk cId="706516692" sldId="297"/>
-        </pc:sldMkLst>
-        <pc:spChg chg="add mod">
-          <ac:chgData name="jeongkilyong" userId="42a1e730-e7ec-4950-9a60-48236c77d83b" providerId="ADAL" clId="{102EE6A8-9256-46F7-BB6B-08B3E50DF173}" dt="2023-10-25T01:30:36.455" v="943"/>
-          <ac:spMkLst>
-            <pc:docMk/>
-            <pc:sldMk cId="706516692" sldId="297"/>
-            <ac:spMk id="5" creationId="{70BB8352-17E0-4CA9-BD52-F8D10584113E}"/>
-          </ac:spMkLst>
-        </pc:spChg>
-        <pc:spChg chg="add mod">
-          <ac:chgData name="jeongkilyong" userId="42a1e730-e7ec-4950-9a60-48236c77d83b" providerId="ADAL" clId="{102EE6A8-9256-46F7-BB6B-08B3E50DF173}" dt="2023-10-25T01:30:36.455" v="943"/>
-          <ac:spMkLst>
-            <pc:docMk/>
-            <pc:sldMk cId="706516692" sldId="297"/>
-            <ac:spMk id="6" creationId="{91C63D14-5017-4D63-92B4-8C8228768D2C}"/>
-          </ac:spMkLst>
-        </pc:spChg>
-        <pc:spChg chg="add mod">
-          <ac:chgData name="jeongkilyong" userId="42a1e730-e7ec-4950-9a60-48236c77d83b" providerId="ADAL" clId="{102EE6A8-9256-46F7-BB6B-08B3E50DF173}" dt="2023-10-25T01:30:36.455" v="943"/>
-          <ac:spMkLst>
-            <pc:docMk/>
-            <pc:sldMk cId="706516692" sldId="297"/>
-            <ac:spMk id="7" creationId="{E3EF7A73-8470-42DE-B819-5C6E847576DA}"/>
-          </ac:spMkLst>
-        </pc:spChg>
-        <pc:spChg chg="add mod">
-          <ac:chgData name="jeongkilyong" userId="42a1e730-e7ec-4950-9a60-48236c77d83b" providerId="ADAL" clId="{102EE6A8-9256-46F7-BB6B-08B3E50DF173}" dt="2023-10-25T01:33:42.444" v="978" actId="1076"/>
-          <ac:spMkLst>
-            <pc:docMk/>
-            <pc:sldMk cId="706516692" sldId="297"/>
-            <ac:spMk id="9" creationId="{72EEAE24-A1D9-4490-B5DC-0A75E7E866D3}"/>
-          </ac:spMkLst>
-        </pc:spChg>
-        <pc:spChg chg="mod">
-          <ac:chgData name="jeongkilyong" userId="42a1e730-e7ec-4950-9a60-48236c77d83b" providerId="ADAL" clId="{102EE6A8-9256-46F7-BB6B-08B3E50DF173}" dt="2023-10-25T00:26:27.685" v="503" actId="20577"/>
-          <ac:spMkLst>
-            <pc:docMk/>
-            <pc:sldMk cId="706516692" sldId="297"/>
-            <ac:spMk id="12" creationId="{10ACD4E5-1FFB-574E-8F99-C84FF7F7144F}"/>
-          </ac:spMkLst>
-        </pc:spChg>
-        <pc:picChg chg="add mod">
-          <ac:chgData name="jeongkilyong" userId="42a1e730-e7ec-4950-9a60-48236c77d83b" providerId="ADAL" clId="{102EE6A8-9256-46F7-BB6B-08B3E50DF173}" dt="2023-10-25T01:33:42.444" v="978" actId="1076"/>
-          <ac:picMkLst>
-            <pc:docMk/>
-            <pc:sldMk cId="706516692" sldId="297"/>
-            <ac:picMk id="8" creationId="{118F06F5-78FB-4051-9BB4-AE158EA5DA7C}"/>
-          </ac:picMkLst>
-        </pc:picChg>
-      </pc:sldChg>
-      <pc:sldChg chg="del">
-        <pc:chgData name="jeongkilyong" userId="42a1e730-e7ec-4950-9a60-48236c77d83b" providerId="ADAL" clId="{102EE6A8-9256-46F7-BB6B-08B3E50DF173}" dt="2023-10-25T00:24:29.761" v="214" actId="47"/>
-        <pc:sldMkLst>
-          <pc:docMk/>
-          <pc:sldMk cId="1332861574" sldId="297"/>
-        </pc:sldMkLst>
-      </pc:sldChg>
-      <pc:sldChg chg="addSp modSp add mod">
-        <pc:chgData name="jeongkilyong" userId="42a1e730-e7ec-4950-9a60-48236c77d83b" providerId="ADAL" clId="{102EE6A8-9256-46F7-BB6B-08B3E50DF173}" dt="2023-10-25T01:33:31.272" v="976" actId="1076"/>
-        <pc:sldMkLst>
-          <pc:docMk/>
-          <pc:sldMk cId="2961560039" sldId="298"/>
-        </pc:sldMkLst>
-        <pc:spChg chg="add mod">
-          <ac:chgData name="jeongkilyong" userId="42a1e730-e7ec-4950-9a60-48236c77d83b" providerId="ADAL" clId="{102EE6A8-9256-46F7-BB6B-08B3E50DF173}" dt="2023-10-25T01:30:42.801" v="944"/>
-          <ac:spMkLst>
-            <pc:docMk/>
-            <pc:sldMk cId="2961560039" sldId="298"/>
-            <ac:spMk id="5" creationId="{AAE02E30-5853-458E-A9A9-090D50ECD89C}"/>
-          </ac:spMkLst>
-        </pc:spChg>
-        <pc:spChg chg="add mod">
-          <ac:chgData name="jeongkilyong" userId="42a1e730-e7ec-4950-9a60-48236c77d83b" providerId="ADAL" clId="{102EE6A8-9256-46F7-BB6B-08B3E50DF173}" dt="2023-10-25T01:30:42.801" v="944"/>
-          <ac:spMkLst>
-            <pc:docMk/>
-            <pc:sldMk cId="2961560039" sldId="298"/>
-            <ac:spMk id="6" creationId="{64A3A036-9DEA-4B3B-B813-83DFCE08D64C}"/>
-          </ac:spMkLst>
-        </pc:spChg>
-        <pc:spChg chg="add mod">
-          <ac:chgData name="jeongkilyong" userId="42a1e730-e7ec-4950-9a60-48236c77d83b" providerId="ADAL" clId="{102EE6A8-9256-46F7-BB6B-08B3E50DF173}" dt="2023-10-25T01:30:42.801" v="944"/>
-          <ac:spMkLst>
-            <pc:docMk/>
-            <pc:sldMk cId="2961560039" sldId="298"/>
-            <ac:spMk id="7" creationId="{3FBFD49C-81C4-4722-BAC6-E1E6FA5680F1}"/>
-          </ac:spMkLst>
-        </pc:spChg>
-        <pc:spChg chg="add mod">
-          <ac:chgData name="jeongkilyong" userId="42a1e730-e7ec-4950-9a60-48236c77d83b" providerId="ADAL" clId="{102EE6A8-9256-46F7-BB6B-08B3E50DF173}" dt="2023-10-25T01:33:31.272" v="976" actId="1076"/>
-          <ac:spMkLst>
-            <pc:docMk/>
-            <pc:sldMk cId="2961560039" sldId="298"/>
-            <ac:spMk id="9" creationId="{6BD2E9F2-71D0-498C-B2AB-A43F077EEDE5}"/>
-          </ac:spMkLst>
-        </pc:spChg>
-        <pc:spChg chg="mod">
-          <ac:chgData name="jeongkilyong" userId="42a1e730-e7ec-4950-9a60-48236c77d83b" providerId="ADAL" clId="{102EE6A8-9256-46F7-BB6B-08B3E50DF173}" dt="2023-10-25T00:26:38.096" v="535" actId="20577"/>
-          <ac:spMkLst>
-            <pc:docMk/>
-            <pc:sldMk cId="2961560039" sldId="298"/>
-            <ac:spMk id="12" creationId="{10ACD4E5-1FFB-574E-8F99-C84FF7F7144F}"/>
-          </ac:spMkLst>
-        </pc:spChg>
-        <pc:picChg chg="add mod">
-          <ac:chgData name="jeongkilyong" userId="42a1e730-e7ec-4950-9a60-48236c77d83b" providerId="ADAL" clId="{102EE6A8-9256-46F7-BB6B-08B3E50DF173}" dt="2023-10-25T01:33:31.272" v="976" actId="1076"/>
-          <ac:picMkLst>
-            <pc:docMk/>
-            <pc:sldMk cId="2961560039" sldId="298"/>
-            <ac:picMk id="8" creationId="{9EBA5193-45AF-4284-AEB9-4B2A6D632BE3}"/>
-          </ac:picMkLst>
-        </pc:picChg>
-      </pc:sldChg>
-      <pc:sldChg chg="del">
-        <pc:chgData name="jeongkilyong" userId="42a1e730-e7ec-4950-9a60-48236c77d83b" providerId="ADAL" clId="{102EE6A8-9256-46F7-BB6B-08B3E50DF173}" dt="2023-10-25T00:24:29.761" v="214" actId="47"/>
-        <pc:sldMkLst>
-          <pc:docMk/>
-          <pc:sldMk cId="4177267907" sldId="298"/>
-        </pc:sldMkLst>
-      </pc:sldChg>
-      <pc:sldChg chg="addSp modSp add mod">
-        <pc:chgData name="jeongkilyong" userId="42a1e730-e7ec-4950-9a60-48236c77d83b" providerId="ADAL" clId="{102EE6A8-9256-46F7-BB6B-08B3E50DF173}" dt="2023-10-25T02:44:46.250" v="1003" actId="207"/>
-        <pc:sldMkLst>
-          <pc:docMk/>
-          <pc:sldMk cId="1147875491" sldId="299"/>
-        </pc:sldMkLst>
-        <pc:spChg chg="add mod">
-          <ac:chgData name="jeongkilyong" userId="42a1e730-e7ec-4950-9a60-48236c77d83b" providerId="ADAL" clId="{102EE6A8-9256-46F7-BB6B-08B3E50DF173}" dt="2023-10-25T02:44:46.250" v="1003" actId="207"/>
-          <ac:spMkLst>
-            <pc:docMk/>
-            <pc:sldMk cId="1147875491" sldId="299"/>
-            <ac:spMk id="5" creationId="{D8A199DF-DA5C-46F4-BA3D-45DAE45DF8C2}"/>
-          </ac:spMkLst>
-        </pc:spChg>
-        <pc:spChg chg="add mod">
-          <ac:chgData name="jeongkilyong" userId="42a1e730-e7ec-4950-9a60-48236c77d83b" providerId="ADAL" clId="{102EE6A8-9256-46F7-BB6B-08B3E50DF173}" dt="2023-10-25T01:33:23.485" v="974" actId="1076"/>
-          <ac:spMkLst>
-            <pc:docMk/>
-            <pc:sldMk cId="1147875491" sldId="299"/>
-            <ac:spMk id="7" creationId="{9C400C1C-F216-445F-93C2-56DC19DEC750}"/>
-          </ac:spMkLst>
-        </pc:spChg>
-        <pc:spChg chg="mod">
-          <ac:chgData name="jeongkilyong" userId="42a1e730-e7ec-4950-9a60-48236c77d83b" providerId="ADAL" clId="{102EE6A8-9256-46F7-BB6B-08B3E50DF173}" dt="2023-10-25T00:26:43.724" v="560" actId="20577"/>
-          <ac:spMkLst>
-            <pc:docMk/>
-            <pc:sldMk cId="1147875491" sldId="299"/>
-            <ac:spMk id="12" creationId="{10ACD4E5-1FFB-574E-8F99-C84FF7F7144F}"/>
-          </ac:spMkLst>
-        </pc:spChg>
-        <pc:picChg chg="add mod">
-          <ac:chgData name="jeongkilyong" userId="42a1e730-e7ec-4950-9a60-48236c77d83b" providerId="ADAL" clId="{102EE6A8-9256-46F7-BB6B-08B3E50DF173}" dt="2023-10-25T01:33:23.485" v="974" actId="1076"/>
-          <ac:picMkLst>
-            <pc:docMk/>
-            <pc:sldMk cId="1147875491" sldId="299"/>
-            <ac:picMk id="6" creationId="{5FC7D03D-1B8C-4591-84BF-71F8149E2544}"/>
-          </ac:picMkLst>
-        </pc:picChg>
-      </pc:sldChg>
-      <pc:sldChg chg="del">
-        <pc:chgData name="jeongkilyong" userId="42a1e730-e7ec-4950-9a60-48236c77d83b" providerId="ADAL" clId="{102EE6A8-9256-46F7-BB6B-08B3E50DF173}" dt="2023-10-25T00:24:29.761" v="214" actId="47"/>
-        <pc:sldMkLst>
-          <pc:docMk/>
-          <pc:sldMk cId="1359256327" sldId="299"/>
-        </pc:sldMkLst>
-      </pc:sldChg>
-      <pc:sldChg chg="addSp modSp add mod">
-        <pc:chgData name="jeongkilyong" userId="42a1e730-e7ec-4950-9a60-48236c77d83b" providerId="ADAL" clId="{102EE6A8-9256-46F7-BB6B-08B3E50DF173}" dt="2023-10-25T02:44:52.607" v="1004" actId="207"/>
-        <pc:sldMkLst>
-          <pc:docMk/>
-          <pc:sldMk cId="1995295054" sldId="300"/>
-        </pc:sldMkLst>
-        <pc:spChg chg="add mod">
-          <ac:chgData name="jeongkilyong" userId="42a1e730-e7ec-4950-9a60-48236c77d83b" providerId="ADAL" clId="{102EE6A8-9256-46F7-BB6B-08B3E50DF173}" dt="2023-10-25T02:44:52.607" v="1004" actId="207"/>
-          <ac:spMkLst>
-            <pc:docMk/>
-            <pc:sldMk cId="1995295054" sldId="300"/>
-            <ac:spMk id="5" creationId="{9A64082F-9D51-4C84-87D9-C43267929A96}"/>
-          </ac:spMkLst>
-        </pc:spChg>
-        <pc:spChg chg="add mod">
-          <ac:chgData name="jeongkilyong" userId="42a1e730-e7ec-4950-9a60-48236c77d83b" providerId="ADAL" clId="{102EE6A8-9256-46F7-BB6B-08B3E50DF173}" dt="2023-10-25T01:30:54.111" v="946"/>
-          <ac:spMkLst>
-            <pc:docMk/>
-            <pc:sldMk cId="1995295054" sldId="300"/>
-            <ac:spMk id="6" creationId="{40A6A68B-D0DB-4076-B0DE-C97614AC0B08}"/>
-          </ac:spMkLst>
-        </pc:spChg>
-        <pc:spChg chg="mod">
-          <ac:chgData name="jeongkilyong" userId="42a1e730-e7ec-4950-9a60-48236c77d83b" providerId="ADAL" clId="{102EE6A8-9256-46F7-BB6B-08B3E50DF173}" dt="2023-10-25T00:27:14.638" v="645" actId="20577"/>
-          <ac:spMkLst>
-            <pc:docMk/>
-            <pc:sldMk cId="1995295054" sldId="300"/>
-            <ac:spMk id="12" creationId="{10ACD4E5-1FFB-574E-8F99-C84FF7F7144F}"/>
-          </ac:spMkLst>
-        </pc:spChg>
-        <pc:picChg chg="add mod">
-          <ac:chgData name="jeongkilyong" userId="42a1e730-e7ec-4950-9a60-48236c77d83b" providerId="ADAL" clId="{102EE6A8-9256-46F7-BB6B-08B3E50DF173}" dt="2023-10-25T01:30:54.111" v="946"/>
-          <ac:picMkLst>
-            <pc:docMk/>
-            <pc:sldMk cId="1995295054" sldId="300"/>
-            <ac:picMk id="7" creationId="{38A50E9F-BA4D-4D2C-A626-6970A2FC5DD7}"/>
-          </ac:picMkLst>
-        </pc:picChg>
-      </pc:sldChg>
-      <pc:sldChg chg="del">
-        <pc:chgData name="jeongkilyong" userId="42a1e730-e7ec-4950-9a60-48236c77d83b" providerId="ADAL" clId="{102EE6A8-9256-46F7-BB6B-08B3E50DF173}" dt="2023-10-25T00:24:29.761" v="214" actId="47"/>
-        <pc:sldMkLst>
-          <pc:docMk/>
-          <pc:sldMk cId="3213353773" sldId="300"/>
-        </pc:sldMkLst>
-      </pc:sldChg>
-      <pc:sldChg chg="del">
-        <pc:chgData name="jeongkilyong" userId="42a1e730-e7ec-4950-9a60-48236c77d83b" providerId="ADAL" clId="{102EE6A8-9256-46F7-BB6B-08B3E50DF173}" dt="2023-10-25T00:24:29.761" v="214" actId="47"/>
-        <pc:sldMkLst>
-          <pc:docMk/>
-          <pc:sldMk cId="648361740" sldId="301"/>
-        </pc:sldMkLst>
-      </pc:sldChg>
-      <pc:sldChg chg="addSp modSp add mod">
-        <pc:chgData name="jeongkilyong" userId="42a1e730-e7ec-4950-9a60-48236c77d83b" providerId="ADAL" clId="{102EE6A8-9256-46F7-BB6B-08B3E50DF173}" dt="2023-10-25T02:44:58.438" v="1005" actId="207"/>
-        <pc:sldMkLst>
-          <pc:docMk/>
-          <pc:sldMk cId="728317058" sldId="301"/>
-        </pc:sldMkLst>
-        <pc:spChg chg="add mod">
-          <ac:chgData name="jeongkilyong" userId="42a1e730-e7ec-4950-9a60-48236c77d83b" providerId="ADAL" clId="{102EE6A8-9256-46F7-BB6B-08B3E50DF173}" dt="2023-10-25T02:44:58.438" v="1005" actId="207"/>
-          <ac:spMkLst>
-            <pc:docMk/>
-            <pc:sldMk cId="728317058" sldId="301"/>
-            <ac:spMk id="5" creationId="{D7E0082D-4D9F-4BA6-A2BD-79C674EA2B83}"/>
-          </ac:spMkLst>
-        </pc:spChg>
-        <pc:spChg chg="add mod">
-          <ac:chgData name="jeongkilyong" userId="42a1e730-e7ec-4950-9a60-48236c77d83b" providerId="ADAL" clId="{102EE6A8-9256-46F7-BB6B-08B3E50DF173}" dt="2023-10-25T01:30:58.904" v="947"/>
-          <ac:spMkLst>
-            <pc:docMk/>
-            <pc:sldMk cId="728317058" sldId="301"/>
-            <ac:spMk id="6" creationId="{82CB4DAD-FF6C-4563-BE83-1F10016A48CE}"/>
-          </ac:spMkLst>
-        </pc:spChg>
-        <pc:spChg chg="add mod">
-          <ac:chgData name="jeongkilyong" userId="42a1e730-e7ec-4950-9a60-48236c77d83b" providerId="ADAL" clId="{102EE6A8-9256-46F7-BB6B-08B3E50DF173}" dt="2023-10-25T01:33:14.501" v="972" actId="1076"/>
-          <ac:spMkLst>
-            <pc:docMk/>
-            <pc:sldMk cId="728317058" sldId="301"/>
-            <ac:spMk id="9" creationId="{C2BF6E8C-99D9-4BD6-A74D-D4A52B85A52E}"/>
-          </ac:spMkLst>
-        </pc:spChg>
-        <pc:spChg chg="mod">
-          <ac:chgData name="jeongkilyong" userId="42a1e730-e7ec-4950-9a60-48236c77d83b" providerId="ADAL" clId="{102EE6A8-9256-46F7-BB6B-08B3E50DF173}" dt="2023-10-25T00:27:22.293" v="682" actId="20577"/>
-          <ac:spMkLst>
-            <pc:docMk/>
-            <pc:sldMk cId="728317058" sldId="301"/>
-            <ac:spMk id="12" creationId="{10ACD4E5-1FFB-574E-8F99-C84FF7F7144F}"/>
-          </ac:spMkLst>
-        </pc:spChg>
-        <pc:picChg chg="add mod">
-          <ac:chgData name="jeongkilyong" userId="42a1e730-e7ec-4950-9a60-48236c77d83b" providerId="ADAL" clId="{102EE6A8-9256-46F7-BB6B-08B3E50DF173}" dt="2023-10-25T01:30:58.904" v="947"/>
-          <ac:picMkLst>
-            <pc:docMk/>
-            <pc:sldMk cId="728317058" sldId="301"/>
-            <ac:picMk id="7" creationId="{17EF25FE-838B-4ACF-8491-36E43E29D2BA}"/>
-          </ac:picMkLst>
-        </pc:picChg>
-        <pc:picChg chg="add mod">
-          <ac:chgData name="jeongkilyong" userId="42a1e730-e7ec-4950-9a60-48236c77d83b" providerId="ADAL" clId="{102EE6A8-9256-46F7-BB6B-08B3E50DF173}" dt="2023-10-25T01:33:14.501" v="972" actId="1076"/>
-          <ac:picMkLst>
-            <pc:docMk/>
-            <pc:sldMk cId="728317058" sldId="301"/>
-            <ac:picMk id="8" creationId="{5628267B-5A9C-47E5-86B8-ADF5CB7E6DEF}"/>
-          </ac:picMkLst>
-        </pc:picChg>
-      </pc:sldChg>
-      <pc:sldChg chg="addSp modSp add mod">
-        <pc:chgData name="jeongkilyong" userId="42a1e730-e7ec-4950-9a60-48236c77d83b" providerId="ADAL" clId="{102EE6A8-9256-46F7-BB6B-08B3E50DF173}" dt="2023-10-25T02:45:18.490" v="1006" actId="207"/>
-        <pc:sldMkLst>
-          <pc:docMk/>
-          <pc:sldMk cId="444694144" sldId="302"/>
-        </pc:sldMkLst>
-        <pc:spChg chg="add mod">
-          <ac:chgData name="jeongkilyong" userId="42a1e730-e7ec-4950-9a60-48236c77d83b" providerId="ADAL" clId="{102EE6A8-9256-46F7-BB6B-08B3E50DF173}" dt="2023-10-25T02:45:18.490" v="1006" actId="207"/>
-          <ac:spMkLst>
-            <pc:docMk/>
-            <pc:sldMk cId="444694144" sldId="302"/>
-            <ac:spMk id="5" creationId="{F0AEF5F7-CC05-4C6B-BD9E-E28F937E23CB}"/>
-          </ac:spMkLst>
-        </pc:spChg>
-        <pc:spChg chg="add mod">
-          <ac:chgData name="jeongkilyong" userId="42a1e730-e7ec-4950-9a60-48236c77d83b" providerId="ADAL" clId="{102EE6A8-9256-46F7-BB6B-08B3E50DF173}" dt="2023-10-25T01:33:06.973" v="970" actId="1076"/>
-          <ac:spMkLst>
-            <pc:docMk/>
-            <pc:sldMk cId="444694144" sldId="302"/>
-            <ac:spMk id="7" creationId="{245F0A32-62B6-4142-B3A3-F35B74FF88E0}"/>
-          </ac:spMkLst>
-        </pc:spChg>
-        <pc:spChg chg="mod">
-          <ac:chgData name="jeongkilyong" userId="42a1e730-e7ec-4950-9a60-48236c77d83b" providerId="ADAL" clId="{102EE6A8-9256-46F7-BB6B-08B3E50DF173}" dt="2023-10-25T00:27:32.534" v="726" actId="20577"/>
-          <ac:spMkLst>
-            <pc:docMk/>
-            <pc:sldMk cId="444694144" sldId="302"/>
-            <ac:spMk id="12" creationId="{10ACD4E5-1FFB-574E-8F99-C84FF7F7144F}"/>
-          </ac:spMkLst>
-        </pc:spChg>
-        <pc:picChg chg="add mod">
-          <ac:chgData name="jeongkilyong" userId="42a1e730-e7ec-4950-9a60-48236c77d83b" providerId="ADAL" clId="{102EE6A8-9256-46F7-BB6B-08B3E50DF173}" dt="2023-10-25T01:33:06.973" v="970" actId="1076"/>
-          <ac:picMkLst>
-            <pc:docMk/>
-            <pc:sldMk cId="444694144" sldId="302"/>
-            <ac:picMk id="6" creationId="{2AA313B5-3C70-4F91-AFDC-E9BEE86EEB0A}"/>
-          </ac:picMkLst>
-        </pc:picChg>
-      </pc:sldChg>
-      <pc:sldChg chg="del">
-        <pc:chgData name="jeongkilyong" userId="42a1e730-e7ec-4950-9a60-48236c77d83b" providerId="ADAL" clId="{102EE6A8-9256-46F7-BB6B-08B3E50DF173}" dt="2023-10-25T00:24:29.761" v="214" actId="47"/>
-        <pc:sldMkLst>
-          <pc:docMk/>
-          <pc:sldMk cId="2154788897" sldId="302"/>
-        </pc:sldMkLst>
-      </pc:sldChg>
-      <pc:sldChg chg="addSp modSp add mod">
-        <pc:chgData name="jeongkilyong" userId="42a1e730-e7ec-4950-9a60-48236c77d83b" providerId="ADAL" clId="{102EE6A8-9256-46F7-BB6B-08B3E50DF173}" dt="2023-10-25T02:45:26.062" v="1008" actId="207"/>
-        <pc:sldMkLst>
-          <pc:docMk/>
-          <pc:sldMk cId="1462620656" sldId="303"/>
-        </pc:sldMkLst>
-        <pc:spChg chg="add mod">
-          <ac:chgData name="jeongkilyong" userId="42a1e730-e7ec-4950-9a60-48236c77d83b" providerId="ADAL" clId="{102EE6A8-9256-46F7-BB6B-08B3E50DF173}" dt="2023-10-25T02:45:26.062" v="1008" actId="207"/>
-          <ac:spMkLst>
-            <pc:docMk/>
-            <pc:sldMk cId="1462620656" sldId="303"/>
-            <ac:spMk id="5" creationId="{6BA3985D-CD0F-4EFE-ABCB-AA7E31BF4235}"/>
-          </ac:spMkLst>
-        </pc:spChg>
-        <pc:spChg chg="add mod">
-          <ac:chgData name="jeongkilyong" userId="42a1e730-e7ec-4950-9a60-48236c77d83b" providerId="ADAL" clId="{102EE6A8-9256-46F7-BB6B-08B3E50DF173}" dt="2023-10-25T01:32:54.218" v="968" actId="1076"/>
-          <ac:spMkLst>
-            <pc:docMk/>
-            <pc:sldMk cId="1462620656" sldId="303"/>
-            <ac:spMk id="7" creationId="{157C38EA-4539-4CC9-92A8-BEE795FF94CA}"/>
-          </ac:spMkLst>
-        </pc:spChg>
-        <pc:spChg chg="mod">
-          <ac:chgData name="jeongkilyong" userId="42a1e730-e7ec-4950-9a60-48236c77d83b" providerId="ADAL" clId="{102EE6A8-9256-46F7-BB6B-08B3E50DF173}" dt="2023-10-25T00:27:44.287" v="727"/>
-          <ac:spMkLst>
-            <pc:docMk/>
-            <pc:sldMk cId="1462620656" sldId="303"/>
-            <ac:spMk id="12" creationId="{10ACD4E5-1FFB-574E-8F99-C84FF7F7144F}"/>
-          </ac:spMkLst>
-        </pc:spChg>
-        <pc:picChg chg="add mod">
-          <ac:chgData name="jeongkilyong" userId="42a1e730-e7ec-4950-9a60-48236c77d83b" providerId="ADAL" clId="{102EE6A8-9256-46F7-BB6B-08B3E50DF173}" dt="2023-10-25T01:32:54.218" v="968" actId="1076"/>
-          <ac:picMkLst>
-            <pc:docMk/>
-            <pc:sldMk cId="1462620656" sldId="303"/>
-            <ac:picMk id="6" creationId="{64D40AA5-92F1-4F6E-BB7D-B1E793906B87}"/>
-          </ac:picMkLst>
-        </pc:picChg>
-      </pc:sldChg>
-      <pc:sldChg chg="del">
-        <pc:chgData name="jeongkilyong" userId="42a1e730-e7ec-4950-9a60-48236c77d83b" providerId="ADAL" clId="{102EE6A8-9256-46F7-BB6B-08B3E50DF173}" dt="2023-10-25T00:24:29.761" v="214" actId="47"/>
-        <pc:sldMkLst>
-          <pc:docMk/>
-          <pc:sldMk cId="1512175827" sldId="303"/>
-        </pc:sldMkLst>
-      </pc:sldChg>
-      <pc:sldChg chg="addSp modSp add mod">
-        <pc:chgData name="jeongkilyong" userId="42a1e730-e7ec-4950-9a60-48236c77d83b" providerId="ADAL" clId="{102EE6A8-9256-46F7-BB6B-08B3E50DF173}" dt="2023-10-25T01:32:47.613" v="966" actId="1076"/>
-        <pc:sldMkLst>
-          <pc:docMk/>
-          <pc:sldMk cId="2047273615" sldId="304"/>
-        </pc:sldMkLst>
-        <pc:spChg chg="add mod">
-          <ac:chgData name="jeongkilyong" userId="42a1e730-e7ec-4950-9a60-48236c77d83b" providerId="ADAL" clId="{102EE6A8-9256-46F7-BB6B-08B3E50DF173}" dt="2023-10-25T01:31:15.889" v="950"/>
-          <ac:spMkLst>
-            <pc:docMk/>
-            <pc:sldMk cId="2047273615" sldId="304"/>
-            <ac:spMk id="5" creationId="{2D5179D7-41F6-43BF-8F1A-9EAE78209FF5}"/>
-          </ac:spMkLst>
-        </pc:spChg>
-        <pc:spChg chg="add mod">
-          <ac:chgData name="jeongkilyong" userId="42a1e730-e7ec-4950-9a60-48236c77d83b" providerId="ADAL" clId="{102EE6A8-9256-46F7-BB6B-08B3E50DF173}" dt="2023-10-25T01:32:47.613" v="966" actId="1076"/>
-          <ac:spMkLst>
-            <pc:docMk/>
-            <pc:sldMk cId="2047273615" sldId="304"/>
-            <ac:spMk id="7" creationId="{D3F15845-F660-4B07-8AC0-38CE172891BC}"/>
-          </ac:spMkLst>
-        </pc:spChg>
-        <pc:spChg chg="mod">
-          <ac:chgData name="jeongkilyong" userId="42a1e730-e7ec-4950-9a60-48236c77d83b" providerId="ADAL" clId="{102EE6A8-9256-46F7-BB6B-08B3E50DF173}" dt="2023-10-25T00:27:47.575" v="728"/>
-          <ac:spMkLst>
-            <pc:docMk/>
-            <pc:sldMk cId="2047273615" sldId="304"/>
-            <ac:spMk id="12" creationId="{10ACD4E5-1FFB-574E-8F99-C84FF7F7144F}"/>
-          </ac:spMkLst>
-        </pc:spChg>
-        <pc:picChg chg="add mod">
-          <ac:chgData name="jeongkilyong" userId="42a1e730-e7ec-4950-9a60-48236c77d83b" providerId="ADAL" clId="{102EE6A8-9256-46F7-BB6B-08B3E50DF173}" dt="2023-10-25T01:32:47.613" v="966" actId="1076"/>
-          <ac:picMkLst>
-            <pc:docMk/>
-            <pc:sldMk cId="2047273615" sldId="304"/>
-            <ac:picMk id="6" creationId="{BF2BE273-2FCC-4BBD-8C6B-FB0536C48DC8}"/>
-          </ac:picMkLst>
-        </pc:picChg>
-      </pc:sldChg>
-      <pc:sldChg chg="del">
-        <pc:chgData name="jeongkilyong" userId="42a1e730-e7ec-4950-9a60-48236c77d83b" providerId="ADAL" clId="{102EE6A8-9256-46F7-BB6B-08B3E50DF173}" dt="2023-10-25T00:24:29.761" v="214" actId="47"/>
-        <pc:sldMkLst>
-          <pc:docMk/>
-          <pc:sldMk cId="2639618182" sldId="304"/>
-        </pc:sldMkLst>
-      </pc:sldChg>
-      <pc:sldChg chg="del">
-        <pc:chgData name="jeongkilyong" userId="42a1e730-e7ec-4950-9a60-48236c77d83b" providerId="ADAL" clId="{102EE6A8-9256-46F7-BB6B-08B3E50DF173}" dt="2023-10-25T00:24:29.761" v="214" actId="47"/>
-        <pc:sldMkLst>
-          <pc:docMk/>
-          <pc:sldMk cId="2147266946" sldId="305"/>
-        </pc:sldMkLst>
-      </pc:sldChg>
-      <pc:sldChg chg="addSp modSp add mod">
-        <pc:chgData name="jeongkilyong" userId="42a1e730-e7ec-4950-9a60-48236c77d83b" providerId="ADAL" clId="{102EE6A8-9256-46F7-BB6B-08B3E50DF173}" dt="2023-10-25T02:45:45.241" v="1010" actId="207"/>
-        <pc:sldMkLst>
-          <pc:docMk/>
-          <pc:sldMk cId="3718512335" sldId="305"/>
-        </pc:sldMkLst>
-        <pc:spChg chg="add mod">
-          <ac:chgData name="jeongkilyong" userId="42a1e730-e7ec-4950-9a60-48236c77d83b" providerId="ADAL" clId="{102EE6A8-9256-46F7-BB6B-08B3E50DF173}" dt="2023-10-25T02:45:45.241" v="1010" actId="207"/>
-          <ac:spMkLst>
-            <pc:docMk/>
-            <pc:sldMk cId="3718512335" sldId="305"/>
-            <ac:spMk id="5" creationId="{829447DB-FF73-4EC4-B12E-9312C9011C48}"/>
-          </ac:spMkLst>
-        </pc:spChg>
-        <pc:spChg chg="mod">
-          <ac:chgData name="jeongkilyong" userId="42a1e730-e7ec-4950-9a60-48236c77d83b" providerId="ADAL" clId="{102EE6A8-9256-46F7-BB6B-08B3E50DF173}" dt="2023-10-25T00:27:59.278" v="793" actId="20577"/>
-          <ac:spMkLst>
-            <pc:docMk/>
-            <pc:sldMk cId="3718512335" sldId="305"/>
-            <ac:spMk id="12" creationId="{10ACD4E5-1FFB-574E-8F99-C84FF7F7144F}"/>
-          </ac:spMkLst>
-        </pc:spChg>
-      </pc:sldChg>
-      <pc:sldChg chg="del">
-        <pc:chgData name="jeongkilyong" userId="42a1e730-e7ec-4950-9a60-48236c77d83b" providerId="ADAL" clId="{102EE6A8-9256-46F7-BB6B-08B3E50DF173}" dt="2023-10-25T00:24:29.761" v="214" actId="47"/>
-        <pc:sldMkLst>
-          <pc:docMk/>
-          <pc:sldMk cId="636080613" sldId="306"/>
-        </pc:sldMkLst>
-      </pc:sldChg>
-      <pc:sldChg chg="addSp modSp add mod">
-        <pc:chgData name="jeongkilyong" userId="42a1e730-e7ec-4950-9a60-48236c77d83b" providerId="ADAL" clId="{102EE6A8-9256-46F7-BB6B-08B3E50DF173}" dt="2023-10-25T01:32:36.293" v="964" actId="1076"/>
-        <pc:sldMkLst>
-          <pc:docMk/>
-          <pc:sldMk cId="1072873972" sldId="306"/>
-        </pc:sldMkLst>
-        <pc:spChg chg="add mod">
-          <ac:chgData name="jeongkilyong" userId="42a1e730-e7ec-4950-9a60-48236c77d83b" providerId="ADAL" clId="{102EE6A8-9256-46F7-BB6B-08B3E50DF173}" dt="2023-10-25T01:31:31.756" v="952"/>
-          <ac:spMkLst>
-            <pc:docMk/>
-            <pc:sldMk cId="1072873972" sldId="306"/>
-            <ac:spMk id="5" creationId="{E2105436-C49E-4051-A11C-FDBA5A7A7D0A}"/>
-          </ac:spMkLst>
-        </pc:spChg>
-        <pc:spChg chg="add mod">
-          <ac:chgData name="jeongkilyong" userId="42a1e730-e7ec-4950-9a60-48236c77d83b" providerId="ADAL" clId="{102EE6A8-9256-46F7-BB6B-08B3E50DF173}" dt="2023-10-25T01:31:31.756" v="952"/>
-          <ac:spMkLst>
-            <pc:docMk/>
-            <pc:sldMk cId="1072873972" sldId="306"/>
-            <ac:spMk id="6" creationId="{C6196F20-0327-4D94-AFCF-9E04CC55FEB5}"/>
-          </ac:spMkLst>
-        </pc:spChg>
-        <pc:spChg chg="add mod">
-          <ac:chgData name="jeongkilyong" userId="42a1e730-e7ec-4950-9a60-48236c77d83b" providerId="ADAL" clId="{102EE6A8-9256-46F7-BB6B-08B3E50DF173}" dt="2023-10-25T01:31:31.756" v="952"/>
-          <ac:spMkLst>
-            <pc:docMk/>
-            <pc:sldMk cId="1072873972" sldId="306"/>
-            <ac:spMk id="7" creationId="{5571D52D-2E53-4760-956C-02B8690C9F6C}"/>
-          </ac:spMkLst>
-        </pc:spChg>
-        <pc:spChg chg="add mod">
-          <ac:chgData name="jeongkilyong" userId="42a1e730-e7ec-4950-9a60-48236c77d83b" providerId="ADAL" clId="{102EE6A8-9256-46F7-BB6B-08B3E50DF173}" dt="2023-10-25T01:31:31.756" v="952"/>
-          <ac:spMkLst>
-            <pc:docMk/>
-            <pc:sldMk cId="1072873972" sldId="306"/>
-            <ac:spMk id="8" creationId="{66A1BFD6-F0C0-4865-8C4C-32DA67A0B726}"/>
-          </ac:spMkLst>
-        </pc:spChg>
-        <pc:spChg chg="add mod">
-          <ac:chgData name="jeongkilyong" userId="42a1e730-e7ec-4950-9a60-48236c77d83b" providerId="ADAL" clId="{102EE6A8-9256-46F7-BB6B-08B3E50DF173}" dt="2023-10-25T01:31:31.756" v="952"/>
-          <ac:spMkLst>
-            <pc:docMk/>
-            <pc:sldMk cId="1072873972" sldId="306"/>
-            <ac:spMk id="9" creationId="{50833E9C-209C-42E9-9121-EC72C9F3492A}"/>
-          </ac:spMkLst>
-        </pc:spChg>
-        <pc:spChg chg="add mod">
-          <ac:chgData name="jeongkilyong" userId="42a1e730-e7ec-4950-9a60-48236c77d83b" providerId="ADAL" clId="{102EE6A8-9256-46F7-BB6B-08B3E50DF173}" dt="2023-10-25T01:31:31.756" v="952"/>
-          <ac:spMkLst>
-            <pc:docMk/>
-            <pc:sldMk cId="1072873972" sldId="306"/>
-            <ac:spMk id="10" creationId="{8C376DC2-1C48-4A0B-9E84-0E3C9A4A33BC}"/>
-          </ac:spMkLst>
-        </pc:spChg>
-        <pc:spChg chg="mod">
-          <ac:chgData name="jeongkilyong" userId="42a1e730-e7ec-4950-9a60-48236c77d83b" providerId="ADAL" clId="{102EE6A8-9256-46F7-BB6B-08B3E50DF173}" dt="2023-10-25T00:28:30.470" v="794"/>
-          <ac:spMkLst>
-            <pc:docMk/>
-            <pc:sldMk cId="1072873972" sldId="306"/>
-            <ac:spMk id="12" creationId="{10ACD4E5-1FFB-574E-8F99-C84FF7F7144F}"/>
-          </ac:spMkLst>
-        </pc:spChg>
-        <pc:spChg chg="add mod">
-          <ac:chgData name="jeongkilyong" userId="42a1e730-e7ec-4950-9a60-48236c77d83b" providerId="ADAL" clId="{102EE6A8-9256-46F7-BB6B-08B3E50DF173}" dt="2023-10-25T01:32:36.293" v="964" actId="1076"/>
-          <ac:spMkLst>
-            <pc:docMk/>
-            <pc:sldMk cId="1072873972" sldId="306"/>
-            <ac:spMk id="13" creationId="{F02E855F-7C75-40A1-89DD-15AB1C63EBEF}"/>
-          </ac:spMkLst>
-        </pc:spChg>
-        <pc:picChg chg="add mod">
-          <ac:chgData name="jeongkilyong" userId="42a1e730-e7ec-4950-9a60-48236c77d83b" providerId="ADAL" clId="{102EE6A8-9256-46F7-BB6B-08B3E50DF173}" dt="2023-10-25T01:32:36.293" v="964" actId="1076"/>
-          <ac:picMkLst>
-            <pc:docMk/>
-            <pc:sldMk cId="1072873972" sldId="306"/>
-            <ac:picMk id="11" creationId="{B13DB725-87BD-4B09-8E53-C8D2607D4653}"/>
-          </ac:picMkLst>
-        </pc:picChg>
-      </pc:sldChg>
-      <pc:sldChg chg="del">
-        <pc:chgData name="jeongkilyong" userId="42a1e730-e7ec-4950-9a60-48236c77d83b" providerId="ADAL" clId="{102EE6A8-9256-46F7-BB6B-08B3E50DF173}" dt="2023-10-25T00:24:29.761" v="214" actId="47"/>
-        <pc:sldMkLst>
-          <pc:docMk/>
-          <pc:sldMk cId="2447935166" sldId="307"/>
-        </pc:sldMkLst>
-      </pc:sldChg>
-      <pc:sldChg chg="addSp modSp add mod">
-        <pc:chgData name="jeongkilyong" userId="42a1e730-e7ec-4950-9a60-48236c77d83b" providerId="ADAL" clId="{102EE6A8-9256-46F7-BB6B-08B3E50DF173}" dt="2023-10-25T01:31:36.790" v="953"/>
-        <pc:sldMkLst>
-          <pc:docMk/>
-          <pc:sldMk cId="2454054059" sldId="307"/>
-        </pc:sldMkLst>
-        <pc:spChg chg="add mod">
-          <ac:chgData name="jeongkilyong" userId="42a1e730-e7ec-4950-9a60-48236c77d83b" providerId="ADAL" clId="{102EE6A8-9256-46F7-BB6B-08B3E50DF173}" dt="2023-10-25T01:31:36.790" v="953"/>
-          <ac:spMkLst>
-            <pc:docMk/>
-            <pc:sldMk cId="2454054059" sldId="307"/>
-            <ac:spMk id="5" creationId="{CAE9DBC6-9FDA-4EFB-A5A0-F77FA4749A56}"/>
-          </ac:spMkLst>
-        </pc:spChg>
-        <pc:spChg chg="add mod">
-          <ac:chgData name="jeongkilyong" userId="42a1e730-e7ec-4950-9a60-48236c77d83b" providerId="ADAL" clId="{102EE6A8-9256-46F7-BB6B-08B3E50DF173}" dt="2023-10-25T01:31:36.790" v="953"/>
-          <ac:spMkLst>
-            <pc:docMk/>
-            <pc:sldMk cId="2454054059" sldId="307"/>
-            <ac:spMk id="6" creationId="{A91144B5-CDF5-4014-8B33-D86DB6134885}"/>
-          </ac:spMkLst>
-        </pc:spChg>
-        <pc:spChg chg="mod">
-          <ac:chgData name="jeongkilyong" userId="42a1e730-e7ec-4950-9a60-48236c77d83b" providerId="ADAL" clId="{102EE6A8-9256-46F7-BB6B-08B3E50DF173}" dt="2023-10-25T00:28:43.752" v="831" actId="20577"/>
-          <ac:spMkLst>
-            <pc:docMk/>
-            <pc:sldMk cId="2454054059" sldId="307"/>
-            <ac:spMk id="12" creationId="{10ACD4E5-1FFB-574E-8F99-C84FF7F7144F}"/>
-          </ac:spMkLst>
-        </pc:spChg>
-      </pc:sldChg>
-      <pc:sldChg chg="addSp modSp add mod">
-        <pc:chgData name="jeongkilyong" userId="42a1e730-e7ec-4950-9a60-48236c77d83b" providerId="ADAL" clId="{102EE6A8-9256-46F7-BB6B-08B3E50DF173}" dt="2023-10-25T01:32:18.530" v="962" actId="1076"/>
-        <pc:sldMkLst>
-          <pc:docMk/>
-          <pc:sldMk cId="2470055609" sldId="308"/>
-        </pc:sldMkLst>
-        <pc:spChg chg="add mod">
-          <ac:chgData name="jeongkilyong" userId="42a1e730-e7ec-4950-9a60-48236c77d83b" providerId="ADAL" clId="{102EE6A8-9256-46F7-BB6B-08B3E50DF173}" dt="2023-10-25T01:31:41.961" v="954"/>
-          <ac:spMkLst>
-            <pc:docMk/>
-            <pc:sldMk cId="2470055609" sldId="308"/>
-            <ac:spMk id="5" creationId="{9B43DEE1-15A8-4BA4-B86F-681871CB91F7}"/>
-          </ac:spMkLst>
-        </pc:spChg>
-        <pc:spChg chg="add mod">
-          <ac:chgData name="jeongkilyong" userId="42a1e730-e7ec-4950-9a60-48236c77d83b" providerId="ADAL" clId="{102EE6A8-9256-46F7-BB6B-08B3E50DF173}" dt="2023-10-25T01:31:41.961" v="954"/>
-          <ac:spMkLst>
-            <pc:docMk/>
-            <pc:sldMk cId="2470055609" sldId="308"/>
-            <ac:spMk id="6" creationId="{106BF331-4F11-4B95-8CDE-DECBB947C942}"/>
-          </ac:spMkLst>
-        </pc:spChg>
-        <pc:spChg chg="add mod">
-          <ac:chgData name="jeongkilyong" userId="42a1e730-e7ec-4950-9a60-48236c77d83b" providerId="ADAL" clId="{102EE6A8-9256-46F7-BB6B-08B3E50DF173}" dt="2023-10-25T01:31:41.961" v="954"/>
-          <ac:spMkLst>
-            <pc:docMk/>
-            <pc:sldMk cId="2470055609" sldId="308"/>
-            <ac:spMk id="7" creationId="{CC17DA7C-46B1-40A6-93FF-2167850D5AB5}"/>
-          </ac:spMkLst>
-        </pc:spChg>
-        <pc:spChg chg="add mod">
-          <ac:chgData name="jeongkilyong" userId="42a1e730-e7ec-4950-9a60-48236c77d83b" providerId="ADAL" clId="{102EE6A8-9256-46F7-BB6B-08B3E50DF173}" dt="2023-10-25T01:31:41.961" v="954"/>
-          <ac:spMkLst>
-            <pc:docMk/>
-            <pc:sldMk cId="2470055609" sldId="308"/>
-            <ac:spMk id="8" creationId="{906D0147-0C23-4A00-ACA1-081365872690}"/>
-          </ac:spMkLst>
-        </pc:spChg>
-        <pc:spChg chg="add mod">
-          <ac:chgData name="jeongkilyong" userId="42a1e730-e7ec-4950-9a60-48236c77d83b" providerId="ADAL" clId="{102EE6A8-9256-46F7-BB6B-08B3E50DF173}" dt="2023-10-25T01:32:18.530" v="962" actId="1076"/>
-          <ac:spMkLst>
-            <pc:docMk/>
-            <pc:sldMk cId="2470055609" sldId="308"/>
-            <ac:spMk id="10" creationId="{60B148D0-D3ED-4AFF-A355-F9088FE60971}"/>
-          </ac:spMkLst>
-        </pc:spChg>
-        <pc:spChg chg="mod">
-          <ac:chgData name="jeongkilyong" userId="42a1e730-e7ec-4950-9a60-48236c77d83b" providerId="ADAL" clId="{102EE6A8-9256-46F7-BB6B-08B3E50DF173}" dt="2023-10-25T00:28:54.729" v="873" actId="20577"/>
-          <ac:spMkLst>
-            <pc:docMk/>
-            <pc:sldMk cId="2470055609" sldId="308"/>
-            <ac:spMk id="12" creationId="{10ACD4E5-1FFB-574E-8F99-C84FF7F7144F}"/>
-          </ac:spMkLst>
-        </pc:spChg>
-        <pc:picChg chg="add mod">
-          <ac:chgData name="jeongkilyong" userId="42a1e730-e7ec-4950-9a60-48236c77d83b" providerId="ADAL" clId="{102EE6A8-9256-46F7-BB6B-08B3E50DF173}" dt="2023-10-25T01:32:18.530" v="962" actId="1076"/>
-          <ac:picMkLst>
-            <pc:docMk/>
-            <pc:sldMk cId="2470055609" sldId="308"/>
-            <ac:picMk id="9" creationId="{B4145849-A485-43ED-875B-BF20C5F7A6C8}"/>
-          </ac:picMkLst>
-        </pc:picChg>
-      </pc:sldChg>
-      <pc:sldChg chg="del">
-        <pc:chgData name="jeongkilyong" userId="42a1e730-e7ec-4950-9a60-48236c77d83b" providerId="ADAL" clId="{102EE6A8-9256-46F7-BB6B-08B3E50DF173}" dt="2023-10-25T00:24:29.761" v="214" actId="47"/>
-        <pc:sldMkLst>
-          <pc:docMk/>
-          <pc:sldMk cId="3670214579" sldId="308"/>
-        </pc:sldMkLst>
-      </pc:sldChg>
-      <pc:sldChg chg="addSp modSp add mod">
-        <pc:chgData name="jeongkilyong" userId="42a1e730-e7ec-4950-9a60-48236c77d83b" providerId="ADAL" clId="{102EE6A8-9256-46F7-BB6B-08B3E50DF173}" dt="2023-10-25T01:32:11.514" v="960" actId="1076"/>
-        <pc:sldMkLst>
-          <pc:docMk/>
-          <pc:sldMk cId="1038243149" sldId="309"/>
-        </pc:sldMkLst>
-        <pc:spChg chg="add mod">
-          <ac:chgData name="jeongkilyong" userId="42a1e730-e7ec-4950-9a60-48236c77d83b" providerId="ADAL" clId="{102EE6A8-9256-46F7-BB6B-08B3E50DF173}" dt="2023-10-25T01:31:46.234" v="955"/>
-          <ac:spMkLst>
-            <pc:docMk/>
-            <pc:sldMk cId="1038243149" sldId="309"/>
-            <ac:spMk id="5" creationId="{2D7E28E6-0292-4349-9DEC-B2B8297E07C0}"/>
-          </ac:spMkLst>
-        </pc:spChg>
-        <pc:spChg chg="add mod">
-          <ac:chgData name="jeongkilyong" userId="42a1e730-e7ec-4950-9a60-48236c77d83b" providerId="ADAL" clId="{102EE6A8-9256-46F7-BB6B-08B3E50DF173}" dt="2023-10-25T01:32:11.514" v="960" actId="1076"/>
-          <ac:spMkLst>
-            <pc:docMk/>
-            <pc:sldMk cId="1038243149" sldId="309"/>
-            <ac:spMk id="7" creationId="{2382519C-D4EA-4B1C-BBE6-96FAA5EC438A}"/>
-          </ac:spMkLst>
-        </pc:spChg>
-        <pc:spChg chg="mod">
-          <ac:chgData name="jeongkilyong" userId="42a1e730-e7ec-4950-9a60-48236c77d83b" providerId="ADAL" clId="{102EE6A8-9256-46F7-BB6B-08B3E50DF173}" dt="2023-10-25T00:29:05.937" v="915" actId="20577"/>
-          <ac:spMkLst>
-            <pc:docMk/>
-            <pc:sldMk cId="1038243149" sldId="309"/>
-            <ac:spMk id="12" creationId="{10ACD4E5-1FFB-574E-8F99-C84FF7F7144F}"/>
-          </ac:spMkLst>
-        </pc:spChg>
-        <pc:picChg chg="add mod">
-          <ac:chgData name="jeongkilyong" userId="42a1e730-e7ec-4950-9a60-48236c77d83b" providerId="ADAL" clId="{102EE6A8-9256-46F7-BB6B-08B3E50DF173}" dt="2023-10-25T01:32:11.514" v="960" actId="1076"/>
-          <ac:picMkLst>
-            <pc:docMk/>
-            <pc:sldMk cId="1038243149" sldId="309"/>
-            <ac:picMk id="6" creationId="{07D1E533-75A6-4117-8569-B9BB9F076D1D}"/>
-          </ac:picMkLst>
-        </pc:picChg>
-      </pc:sldChg>
-      <pc:sldChg chg="del">
-        <pc:chgData name="jeongkilyong" userId="42a1e730-e7ec-4950-9a60-48236c77d83b" providerId="ADAL" clId="{102EE6A8-9256-46F7-BB6B-08B3E50DF173}" dt="2023-10-25T00:24:29.761" v="214" actId="47"/>
-        <pc:sldMkLst>
-          <pc:docMk/>
-          <pc:sldMk cId="1580071959" sldId="309"/>
-        </pc:sldMkLst>
-      </pc:sldChg>
-      <pc:sldChg chg="del">
-        <pc:chgData name="jeongkilyong" userId="42a1e730-e7ec-4950-9a60-48236c77d83b" providerId="ADAL" clId="{102EE6A8-9256-46F7-BB6B-08B3E50DF173}" dt="2023-10-25T00:24:29.761" v="214" actId="47"/>
-        <pc:sldMkLst>
-          <pc:docMk/>
-          <pc:sldMk cId="2719719894" sldId="310"/>
-        </pc:sldMkLst>
-      </pc:sldChg>
-      <pc:sldChg chg="addSp modSp add mod">
-        <pc:chgData name="jeongkilyong" userId="42a1e730-e7ec-4950-9a60-48236c77d83b" providerId="ADAL" clId="{102EE6A8-9256-46F7-BB6B-08B3E50DF173}" dt="2023-10-25T01:32:03.402" v="958" actId="1076"/>
-        <pc:sldMkLst>
-          <pc:docMk/>
-          <pc:sldMk cId="4132166881" sldId="310"/>
-        </pc:sldMkLst>
-        <pc:spChg chg="add mod">
-          <ac:chgData name="jeongkilyong" userId="42a1e730-e7ec-4950-9a60-48236c77d83b" providerId="ADAL" clId="{102EE6A8-9256-46F7-BB6B-08B3E50DF173}" dt="2023-10-25T01:31:50.791" v="956"/>
-          <ac:spMkLst>
-            <pc:docMk/>
-            <pc:sldMk cId="4132166881" sldId="310"/>
-            <ac:spMk id="5" creationId="{57FAD6C1-1407-4B3C-B82F-C4E087D23170}"/>
-          </ac:spMkLst>
-        </pc:spChg>
-        <pc:spChg chg="add mod">
-          <ac:chgData name="jeongkilyong" userId="42a1e730-e7ec-4950-9a60-48236c77d83b" providerId="ADAL" clId="{102EE6A8-9256-46F7-BB6B-08B3E50DF173}" dt="2023-10-25T01:32:03.402" v="958" actId="1076"/>
-          <ac:spMkLst>
-            <pc:docMk/>
-            <pc:sldMk cId="4132166881" sldId="310"/>
-            <ac:spMk id="7" creationId="{81F72D22-DFC8-4F15-920D-F091F564DDD3}"/>
-          </ac:spMkLst>
-        </pc:spChg>
-        <pc:spChg chg="mod">
-          <ac:chgData name="jeongkilyong" userId="42a1e730-e7ec-4950-9a60-48236c77d83b" providerId="ADAL" clId="{102EE6A8-9256-46F7-BB6B-08B3E50DF173}" dt="2023-10-25T00:29:12.089" v="934" actId="20577"/>
-          <ac:spMkLst>
-            <pc:docMk/>
-            <pc:sldMk cId="4132166881" sldId="310"/>
-            <ac:spMk id="12" creationId="{10ACD4E5-1FFB-574E-8F99-C84FF7F7144F}"/>
-          </ac:spMkLst>
-        </pc:spChg>
-        <pc:picChg chg="add mod">
-          <ac:chgData name="jeongkilyong" userId="42a1e730-e7ec-4950-9a60-48236c77d83b" providerId="ADAL" clId="{102EE6A8-9256-46F7-BB6B-08B3E50DF173}" dt="2023-10-25T01:32:03.402" v="958" actId="1076"/>
-          <ac:picMkLst>
-            <pc:docMk/>
-            <pc:sldMk cId="4132166881" sldId="310"/>
-            <ac:picMk id="6" creationId="{7EB350A1-BE02-4347-AE73-62C0DDFA7EC6}"/>
-          </ac:picMkLst>
-        </pc:picChg>
-      </pc:sldChg>
-      <pc:sldChg chg="del">
-        <pc:chgData name="jeongkilyong" userId="42a1e730-e7ec-4950-9a60-48236c77d83b" providerId="ADAL" clId="{102EE6A8-9256-46F7-BB6B-08B3E50DF173}" dt="2023-10-25T00:24:29.761" v="214" actId="47"/>
-        <pc:sldMkLst>
-          <pc:docMk/>
-          <pc:sldMk cId="249912601" sldId="311"/>
-        </pc:sldMkLst>
-      </pc:sldChg>
-      <pc:sldChg chg="add del">
-        <pc:chgData name="jeongkilyong" userId="42a1e730-e7ec-4950-9a60-48236c77d83b" providerId="ADAL" clId="{102EE6A8-9256-46F7-BB6B-08B3E50DF173}" dt="2023-10-25T00:29:18.665" v="935" actId="47"/>
-        <pc:sldMkLst>
-          <pc:docMk/>
-          <pc:sldMk cId="3678166369" sldId="311"/>
-        </pc:sldMkLst>
-      </pc:sldChg>
-      <pc:sldChg chg="add del">
-        <pc:chgData name="jeongkilyong" userId="42a1e730-e7ec-4950-9a60-48236c77d83b" providerId="ADAL" clId="{102EE6A8-9256-46F7-BB6B-08B3E50DF173}" dt="2023-10-25T00:29:18.665" v="935" actId="47"/>
-        <pc:sldMkLst>
-          <pc:docMk/>
-          <pc:sldMk cId="1165573948" sldId="312"/>
-        </pc:sldMkLst>
-      </pc:sldChg>
-      <pc:sldChg chg="del">
-        <pc:chgData name="jeongkilyong" userId="42a1e730-e7ec-4950-9a60-48236c77d83b" providerId="ADAL" clId="{102EE6A8-9256-46F7-BB6B-08B3E50DF173}" dt="2023-10-25T00:24:29.761" v="214" actId="47"/>
-        <pc:sldMkLst>
-          <pc:docMk/>
-          <pc:sldMk cId="2387562204" sldId="312"/>
-        </pc:sldMkLst>
-      </pc:sldChg>
-      <pc:sldChg chg="del">
-        <pc:chgData name="jeongkilyong" userId="42a1e730-e7ec-4950-9a60-48236c77d83b" providerId="ADAL" clId="{102EE6A8-9256-46F7-BB6B-08B3E50DF173}" dt="2023-10-25T00:24:29.761" v="214" actId="47"/>
-        <pc:sldMkLst>
-          <pc:docMk/>
-          <pc:sldMk cId="1859253" sldId="313"/>
-        </pc:sldMkLst>
-      </pc:sldChg>
-      <pc:sldChg chg="add del">
-        <pc:chgData name="jeongkilyong" userId="42a1e730-e7ec-4950-9a60-48236c77d83b" providerId="ADAL" clId="{102EE6A8-9256-46F7-BB6B-08B3E50DF173}" dt="2023-10-25T00:29:18.665" v="935" actId="47"/>
-        <pc:sldMkLst>
-          <pc:docMk/>
-          <pc:sldMk cId="281129854" sldId="313"/>
-        </pc:sldMkLst>
-      </pc:sldChg>
-      <pc:sldChg chg="del">
-        <pc:chgData name="jeongkilyong" userId="42a1e730-e7ec-4950-9a60-48236c77d83b" providerId="ADAL" clId="{102EE6A8-9256-46F7-BB6B-08B3E50DF173}" dt="2023-10-25T00:24:29.761" v="214" actId="47"/>
-        <pc:sldMkLst>
-          <pc:docMk/>
-          <pc:sldMk cId="3136811878" sldId="316"/>
-        </pc:sldMkLst>
-      </pc:sldChg>
-    </pc:docChg>
-  </pc:docChgLst>
-  <pc:docChgLst>
-    <pc:chgData name="jeongkilyong" userId="42a1e730-e7ec-4950-9a60-48236c77d83b" providerId="ADAL" clId="{1D74A321-71E9-470C-990A-0AF5633ED9A4}"/>
-    <pc:docChg chg="undo custSel modSld">
-      <pc:chgData name="jeongkilyong" userId="42a1e730-e7ec-4950-9a60-48236c77d83b" providerId="ADAL" clId="{1D74A321-71E9-470C-990A-0AF5633ED9A4}" dt="2023-10-26T01:52:35.075" v="174" actId="207"/>
-      <pc:docMkLst>
-        <pc:docMk/>
-      </pc:docMkLst>
-      <pc:sldChg chg="addSp modSp mod">
-        <pc:chgData name="jeongkilyong" userId="42a1e730-e7ec-4950-9a60-48236c77d83b" providerId="ADAL" clId="{1D74A321-71E9-470C-990A-0AF5633ED9A4}" dt="2023-10-25T05:58:34.445" v="129" actId="1076"/>
-        <pc:sldMkLst>
-          <pc:docMk/>
-          <pc:sldMk cId="706516692" sldId="297"/>
-        </pc:sldMkLst>
-        <pc:spChg chg="mod">
-          <ac:chgData name="jeongkilyong" userId="42a1e730-e7ec-4950-9a60-48236c77d83b" providerId="ADAL" clId="{1D74A321-71E9-470C-990A-0AF5633ED9A4}" dt="2023-10-25T05:50:45.885" v="31" actId="14100"/>
-          <ac:spMkLst>
-            <pc:docMk/>
-            <pc:sldMk cId="706516692" sldId="297"/>
-            <ac:spMk id="6" creationId="{91C63D14-5017-4D63-92B4-8C8228768D2C}"/>
-          </ac:spMkLst>
-        </pc:spChg>
-        <pc:spChg chg="mod">
-          <ac:chgData name="jeongkilyong" userId="42a1e730-e7ec-4950-9a60-48236c77d83b" providerId="ADAL" clId="{1D74A321-71E9-470C-990A-0AF5633ED9A4}" dt="2023-10-25T05:50:55.031" v="35" actId="14100"/>
-          <ac:spMkLst>
-            <pc:docMk/>
-            <pc:sldMk cId="706516692" sldId="297"/>
-            <ac:spMk id="7" creationId="{E3EF7A73-8470-42DE-B819-5C6E847576DA}"/>
-          </ac:spMkLst>
-        </pc:spChg>
-        <pc:spChg chg="add mod">
-          <ac:chgData name="jeongkilyong" userId="42a1e730-e7ec-4950-9a60-48236c77d83b" providerId="ADAL" clId="{1D74A321-71E9-470C-990A-0AF5633ED9A4}" dt="2023-10-25T05:57:52.019" v="73" actId="1076"/>
-          <ac:spMkLst>
-            <pc:docMk/>
-            <pc:sldMk cId="706516692" sldId="297"/>
-            <ac:spMk id="10" creationId="{5C140F8A-34D5-44BB-A73C-3CFC34CBB785}"/>
-          </ac:spMkLst>
-        </pc:spChg>
-        <pc:spChg chg="add mod">
-          <ac:chgData name="jeongkilyong" userId="42a1e730-e7ec-4950-9a60-48236c77d83b" providerId="ADAL" clId="{1D74A321-71E9-470C-990A-0AF5633ED9A4}" dt="2023-10-25T05:57:52.019" v="73" actId="1076"/>
-          <ac:spMkLst>
-            <pc:docMk/>
-            <pc:sldMk cId="706516692" sldId="297"/>
-            <ac:spMk id="11" creationId="{ACC1F2DB-F4F7-43DD-BC81-2D5288BE1863}"/>
-          </ac:spMkLst>
-        </pc:spChg>
-        <pc:spChg chg="add mod">
-          <ac:chgData name="jeongkilyong" userId="42a1e730-e7ec-4950-9a60-48236c77d83b" providerId="ADAL" clId="{1D74A321-71E9-470C-990A-0AF5633ED9A4}" dt="2023-10-25T05:58:18.164" v="112" actId="1076"/>
-          <ac:spMkLst>
-            <pc:docMk/>
-            <pc:sldMk cId="706516692" sldId="297"/>
-            <ac:spMk id="22" creationId="{7916C997-78D5-4561-8DBB-09B2928C8955}"/>
-          </ac:spMkLst>
-        </pc:spChg>
-        <pc:spChg chg="add mod">
-          <ac:chgData name="jeongkilyong" userId="42a1e730-e7ec-4950-9a60-48236c77d83b" providerId="ADAL" clId="{1D74A321-71E9-470C-990A-0AF5633ED9A4}" dt="2023-10-25T05:58:24.554" v="127" actId="20577"/>
-          <ac:spMkLst>
-            <pc:docMk/>
-            <pc:sldMk cId="706516692" sldId="297"/>
-            <ac:spMk id="23" creationId="{A9939F84-6ABF-4D36-BD88-5FE80816B37A}"/>
-          </ac:spMkLst>
-        </pc:spChg>
-        <pc:spChg chg="add mod">
-          <ac:chgData name="jeongkilyong" userId="42a1e730-e7ec-4950-9a60-48236c77d83b" providerId="ADAL" clId="{1D74A321-71E9-470C-990A-0AF5633ED9A4}" dt="2023-10-25T05:58:28.401" v="128" actId="571"/>
-          <ac:spMkLst>
-            <pc:docMk/>
-            <pc:sldMk cId="706516692" sldId="297"/>
-            <ac:spMk id="24" creationId="{62AE7DB2-5ACB-4197-9F05-1CC5B44A78CC}"/>
-          </ac:spMkLst>
-        </pc:spChg>
-        <pc:spChg chg="add mod">
-          <ac:chgData name="jeongkilyong" userId="42a1e730-e7ec-4950-9a60-48236c77d83b" providerId="ADAL" clId="{1D74A321-71E9-470C-990A-0AF5633ED9A4}" dt="2023-10-25T05:58:34.445" v="129" actId="1076"/>
-          <ac:spMkLst>
-            <pc:docMk/>
-            <pc:sldMk cId="706516692" sldId="297"/>
-            <ac:spMk id="25" creationId="{914ED73D-36B0-40D3-9418-FA3B121C758A}"/>
-          </ac:spMkLst>
-        </pc:spChg>
-        <pc:cxnChg chg="add mod">
-          <ac:chgData name="jeongkilyong" userId="42a1e730-e7ec-4950-9a60-48236c77d83b" providerId="ADAL" clId="{1D74A321-71E9-470C-990A-0AF5633ED9A4}" dt="2023-10-25T05:57:52.019" v="73" actId="1076"/>
-          <ac:cxnSpMkLst>
-            <pc:docMk/>
-            <pc:sldMk cId="706516692" sldId="297"/>
-            <ac:cxnSpMk id="13" creationId="{B22E90BB-FBF1-41C6-A461-897614410B0A}"/>
-          </ac:cxnSpMkLst>
-        </pc:cxnChg>
-        <pc:cxnChg chg="add mod">
-          <ac:chgData name="jeongkilyong" userId="42a1e730-e7ec-4950-9a60-48236c77d83b" providerId="ADAL" clId="{1D74A321-71E9-470C-990A-0AF5633ED9A4}" dt="2023-10-25T05:57:52.019" v="73" actId="1076"/>
-          <ac:cxnSpMkLst>
-            <pc:docMk/>
-            <pc:sldMk cId="706516692" sldId="297"/>
-            <ac:cxnSpMk id="14" creationId="{91D19ECE-FDC0-44BD-A824-B5D4B3619C1C}"/>
-          </ac:cxnSpMkLst>
-        </pc:cxnChg>
-        <pc:cxnChg chg="add mod">
-          <ac:chgData name="jeongkilyong" userId="42a1e730-e7ec-4950-9a60-48236c77d83b" providerId="ADAL" clId="{1D74A321-71E9-470C-990A-0AF5633ED9A4}" dt="2023-10-25T05:57:52.019" v="73" actId="1076"/>
-          <ac:cxnSpMkLst>
-            <pc:docMk/>
-            <pc:sldMk cId="706516692" sldId="297"/>
-            <ac:cxnSpMk id="16" creationId="{D6D43ADD-CD33-46D5-BAC3-42FC427FD228}"/>
-          </ac:cxnSpMkLst>
-        </pc:cxnChg>
-        <pc:cxnChg chg="add mod">
-          <ac:chgData name="jeongkilyong" userId="42a1e730-e7ec-4950-9a60-48236c77d83b" providerId="ADAL" clId="{1D74A321-71E9-470C-990A-0AF5633ED9A4}" dt="2023-10-25T05:57:52.019" v="73" actId="1076"/>
-          <ac:cxnSpMkLst>
-            <pc:docMk/>
-            <pc:sldMk cId="706516692" sldId="297"/>
-            <ac:cxnSpMk id="18" creationId="{5C5B331D-9A08-4783-B9C9-20A521DA5DDA}"/>
-          </ac:cxnSpMkLst>
-        </pc:cxnChg>
-      </pc:sldChg>
-      <pc:sldChg chg="modSp mod">
-        <pc:chgData name="jeongkilyong" userId="42a1e730-e7ec-4950-9a60-48236c77d83b" providerId="ADAL" clId="{1D74A321-71E9-470C-990A-0AF5633ED9A4}" dt="2023-10-26T01:52:35.075" v="174" actId="207"/>
-        <pc:sldMkLst>
-          <pc:docMk/>
-          <pc:sldMk cId="444694144" sldId="302"/>
-        </pc:sldMkLst>
-        <pc:spChg chg="mod">
-          <ac:chgData name="jeongkilyong" userId="42a1e730-e7ec-4950-9a60-48236c77d83b" providerId="ADAL" clId="{1D74A321-71E9-470C-990A-0AF5633ED9A4}" dt="2023-10-26T01:52:35.075" v="174" actId="207"/>
-          <ac:spMkLst>
-            <pc:docMk/>
-            <pc:sldMk cId="444694144" sldId="302"/>
-            <ac:spMk id="5" creationId="{F0AEF5F7-CC05-4C6B-BD9E-E28F937E23CB}"/>
-          </ac:spMkLst>
-        </pc:spChg>
-        <pc:spChg chg="mod">
-          <ac:chgData name="jeongkilyong" userId="42a1e730-e7ec-4950-9a60-48236c77d83b" providerId="ADAL" clId="{1D74A321-71E9-470C-990A-0AF5633ED9A4}" dt="2023-10-25T06:59:43.913" v="161" actId="403"/>
-          <ac:spMkLst>
-            <pc:docMk/>
-            <pc:sldMk cId="444694144" sldId="302"/>
-            <ac:spMk id="7" creationId="{245F0A32-62B6-4142-B3A3-F35B74FF88E0}"/>
-          </ac:spMkLst>
-        </pc:spChg>
-      </pc:sldChg>
-      <pc:sldChg chg="modSp mod">
-        <pc:chgData name="jeongkilyong" userId="42a1e730-e7ec-4950-9a60-48236c77d83b" providerId="ADAL" clId="{1D74A321-71E9-470C-990A-0AF5633ED9A4}" dt="2023-10-25T08:38:33.948" v="162"/>
-        <pc:sldMkLst>
-          <pc:docMk/>
-          <pc:sldMk cId="2470055609" sldId="308"/>
-        </pc:sldMkLst>
-        <pc:spChg chg="mod">
-          <ac:chgData name="jeongkilyong" userId="42a1e730-e7ec-4950-9a60-48236c77d83b" providerId="ADAL" clId="{1D74A321-71E9-470C-990A-0AF5633ED9A4}" dt="2023-10-25T08:38:33.948" v="162"/>
-          <ac:spMkLst>
-            <pc:docMk/>
-            <pc:sldMk cId="2470055609" sldId="308"/>
-            <ac:spMk id="7" creationId="{CC17DA7C-46B1-40A6-93FF-2167850D5AB5}"/>
-          </ac:spMkLst>
-        </pc:spChg>
-      </pc:sldChg>
-      <pc:sldChg chg="modSp mod">
-        <pc:chgData name="jeongkilyong" userId="42a1e730-e7ec-4950-9a60-48236c77d83b" providerId="ADAL" clId="{1D74A321-71E9-470C-990A-0AF5633ED9A4}" dt="2023-10-26T01:16:32.005" v="172" actId="20577"/>
-        <pc:sldMkLst>
-          <pc:docMk/>
-          <pc:sldMk cId="1038243149" sldId="309"/>
-        </pc:sldMkLst>
-        <pc:spChg chg="mod">
-          <ac:chgData name="jeongkilyong" userId="42a1e730-e7ec-4950-9a60-48236c77d83b" providerId="ADAL" clId="{1D74A321-71E9-470C-990A-0AF5633ED9A4}" dt="2023-10-25T09:16:05.948" v="165" actId="20577"/>
-          <ac:spMkLst>
-            <pc:docMk/>
-            <pc:sldMk cId="1038243149" sldId="309"/>
-            <ac:spMk id="5" creationId="{2D7E28E6-0292-4349-9DEC-B2B8297E07C0}"/>
-          </ac:spMkLst>
-        </pc:spChg>
-        <pc:spChg chg="mod">
-          <ac:chgData name="jeongkilyong" userId="42a1e730-e7ec-4950-9a60-48236c77d83b" providerId="ADAL" clId="{1D74A321-71E9-470C-990A-0AF5633ED9A4}" dt="2023-10-26T01:16:32.005" v="172" actId="20577"/>
-          <ac:spMkLst>
-            <pc:docMk/>
-            <pc:sldMk cId="1038243149" sldId="309"/>
-            <ac:spMk id="7" creationId="{2382519C-D4EA-4B1C-BBE6-96FAA5EC438A}"/>
-          </ac:spMkLst>
-        </pc:spChg>
-      </pc:sldChg>
-      <pc:sldChg chg="modSp mod">
-        <pc:chgData name="jeongkilyong" userId="42a1e730-e7ec-4950-9a60-48236c77d83b" providerId="ADAL" clId="{1D74A321-71E9-470C-990A-0AF5633ED9A4}" dt="2023-10-25T09:16:29.027" v="169" actId="20577"/>
-        <pc:sldMkLst>
-          <pc:docMk/>
-          <pc:sldMk cId="4132166881" sldId="310"/>
-        </pc:sldMkLst>
-        <pc:spChg chg="mod">
-          <ac:chgData name="jeongkilyong" userId="42a1e730-e7ec-4950-9a60-48236c77d83b" providerId="ADAL" clId="{1D74A321-71E9-470C-990A-0AF5633ED9A4}" dt="2023-10-25T09:16:29.027" v="169" actId="20577"/>
-          <ac:spMkLst>
-            <pc:docMk/>
-            <pc:sldMk cId="4132166881" sldId="310"/>
-            <ac:spMk id="5" creationId="{57FAD6C1-1407-4B3C-B82F-C4E087D23170}"/>
-          </ac:spMkLst>
-        </pc:spChg>
-        <pc:spChg chg="mod">
-          <ac:chgData name="jeongkilyong" userId="42a1e730-e7ec-4950-9a60-48236c77d83b" providerId="ADAL" clId="{1D74A321-71E9-470C-990A-0AF5633ED9A4}" dt="2023-10-25T06:00:16.743" v="160" actId="20577"/>
-          <ac:spMkLst>
-            <pc:docMk/>
-            <pc:sldMk cId="4132166881" sldId="310"/>
-            <ac:spMk id="12" creationId="{10ACD4E5-1FFB-574E-8F99-C84FF7F7144F}"/>
-          </ac:spMkLst>
-        </pc:spChg>
-      </pc:sldChg>
-    </pc:docChg>
-  </pc:docChgLst>
 </pc:chgInfo>
 </file>
 
@@ -3345,7 +3345,7 @@
             <a:fld id="{C5EB0431-1611-1744-95F0-8172773087C5}" type="datetimeFigureOut">
               <a:rPr lang="en-US" altLang="ko-Kore-KR" smtClean="0"/>
               <a:pPr/>
-              <a:t>2/27/2024</a:t>
+              <a:t>3/4/2024</a:t>
             </a:fld>
             <a:endParaRPr lang="ko-Kore-KR"/>
           </a:p>
@@ -3761,7 +3761,7 @@
           <a:p>
             <a:fld id="{5FD0AF26-B2D6-41C9-847A-12B3D1677265}" type="datetime1">
               <a:rPr kumimoji="1" lang="ko-KR" altLang="en-US" smtClean="0"/>
-              <a:t>2024-02-27</a:t>
+              <a:t>2024-03-04</a:t>
             </a:fld>
             <a:endParaRPr kumimoji="1" lang="ko-KR" altLang="en-US"/>
           </a:p>
@@ -3959,7 +3959,7 @@
           <a:p>
             <a:fld id="{11A845FB-4EAB-4F93-BE87-891FAC391B0C}" type="datetime1">
               <a:rPr kumimoji="1" lang="ko-KR" altLang="en-US" smtClean="0"/>
-              <a:t>2024-02-27</a:t>
+              <a:t>2024-03-04</a:t>
             </a:fld>
             <a:endParaRPr kumimoji="1" lang="ko-KR" altLang="en-US"/>
           </a:p>
@@ -4167,7 +4167,7 @@
           <a:p>
             <a:fld id="{6597FBCF-59BC-423C-A27E-A4E0342EEDF5}" type="datetime1">
               <a:rPr kumimoji="1" lang="ko-KR" altLang="en-US" smtClean="0"/>
-              <a:t>2024-02-27</a:t>
+              <a:t>2024-03-04</a:t>
             </a:fld>
             <a:endParaRPr kumimoji="1" lang="ko-KR" altLang="en-US"/>
           </a:p>
@@ -4365,7 +4365,7 @@
           <a:p>
             <a:fld id="{59DE6E8A-4C0D-4CC6-BBD6-2F945A6B3540}" type="datetime1">
               <a:rPr kumimoji="1" lang="ko-KR" altLang="en-US" smtClean="0"/>
-              <a:t>2024-02-27</a:t>
+              <a:t>2024-03-04</a:t>
             </a:fld>
             <a:endParaRPr kumimoji="1" lang="ko-KR" altLang="en-US"/>
           </a:p>
@@ -4640,7 +4640,7 @@
           <a:p>
             <a:fld id="{BEBFBD75-CCBA-4C22-86CA-859D220600AA}" type="datetime1">
               <a:rPr kumimoji="1" lang="ko-KR" altLang="en-US" smtClean="0"/>
-              <a:t>2024-02-27</a:t>
+              <a:t>2024-03-04</a:t>
             </a:fld>
             <a:endParaRPr kumimoji="1" lang="ko-KR" altLang="en-US"/>
           </a:p>
@@ -4905,7 +4905,7 @@
           <a:p>
             <a:fld id="{DB031150-5CB0-41C0-9104-5695DD253F49}" type="datetime1">
               <a:rPr kumimoji="1" lang="ko-KR" altLang="en-US" smtClean="0"/>
-              <a:t>2024-02-27</a:t>
+              <a:t>2024-03-04</a:t>
             </a:fld>
             <a:endParaRPr kumimoji="1" lang="ko-KR" altLang="en-US"/>
           </a:p>
@@ -5317,7 +5317,7 @@
           <a:p>
             <a:fld id="{0B78CFAD-1435-498E-ACFE-38131B135631}" type="datetime1">
               <a:rPr kumimoji="1" lang="ko-KR" altLang="en-US" smtClean="0"/>
-              <a:t>2024-02-27</a:t>
+              <a:t>2024-03-04</a:t>
             </a:fld>
             <a:endParaRPr kumimoji="1" lang="ko-KR" altLang="en-US"/>
           </a:p>
@@ -5458,7 +5458,7 @@
           <a:p>
             <a:fld id="{BF2AA6DB-F13D-4C47-BC2B-E1D25CB476ED}" type="datetime1">
               <a:rPr kumimoji="1" lang="ko-KR" altLang="en-US" smtClean="0"/>
-              <a:t>2024-02-27</a:t>
+              <a:t>2024-03-04</a:t>
             </a:fld>
             <a:endParaRPr kumimoji="1" lang="ko-KR" altLang="en-US"/>
           </a:p>
@@ -5571,7 +5571,7 @@
           <a:p>
             <a:fld id="{14FBB438-2880-4761-94BA-7F7996C8C3BD}" type="datetime1">
               <a:rPr kumimoji="1" lang="ko-KR" altLang="en-US" smtClean="0"/>
-              <a:t>2024-02-27</a:t>
+              <a:t>2024-03-04</a:t>
             </a:fld>
             <a:endParaRPr kumimoji="1" lang="ko-KR" altLang="en-US"/>
           </a:p>
@@ -5882,7 +5882,7 @@
           <a:p>
             <a:fld id="{C4D9C33D-E09A-4F6E-A7FA-CF959C3E6DEE}" type="datetime1">
               <a:rPr kumimoji="1" lang="ko-KR" altLang="en-US" smtClean="0"/>
-              <a:t>2024-02-27</a:t>
+              <a:t>2024-03-04</a:t>
             </a:fld>
             <a:endParaRPr kumimoji="1" lang="ko-KR" altLang="en-US"/>
           </a:p>
@@ -6170,7 +6170,7 @@
           <a:p>
             <a:fld id="{DB10E3DE-CCA8-4CB9-BDA2-4741B0CD6641}" type="datetime1">
               <a:rPr kumimoji="1" lang="ko-KR" altLang="en-US" smtClean="0"/>
-              <a:t>2024-02-27</a:t>
+              <a:t>2024-03-04</a:t>
             </a:fld>
             <a:endParaRPr kumimoji="1" lang="ko-KR" altLang="en-US"/>
           </a:p>
@@ -6413,7 +6413,7 @@
           <a:p>
             <a:fld id="{827CA893-2A65-4E72-A022-7CB16F3818A4}" type="datetime1">
               <a:rPr kumimoji="1" lang="ko-KR" altLang="en-US" smtClean="0"/>
-              <a:t>2024-02-27</a:t>
+              <a:t>2024-03-04</a:t>
             </a:fld>
             <a:endParaRPr kumimoji="1" lang="ko-KR" altLang="en-US"/>
           </a:p>
@@ -8928,7 +8928,7 @@
                 <a:latin typeface="Noto Sans CJK KR DemiLight" panose="020B0400000000000000" pitchFamily="34" charset="-128"/>
                 <a:ea typeface="Noto Sans CJK KR DemiLight" panose="020B0400000000000000" pitchFamily="34" charset="-128"/>
               </a:rPr>
-              <a:t>| </a:t>
+              <a:t>|  </a:t>
             </a:r>
             <a:r>
               <a:rPr kumimoji="1" lang="ko-KR" altLang="en-US" sz="1600" spc="-60">
@@ -11468,7 +11468,7 @@
                 <a:latin typeface="Noto Sans CJK KR DemiLight" panose="020B0400000000000000" pitchFamily="34" charset="-128"/>
                 <a:ea typeface="Noto Sans CJK KR DemiLight" panose="020B0400000000000000" pitchFamily="34" charset="-128"/>
               </a:rPr>
-              <a:t> 함수 호출 방법 </a:t>
+              <a:t>  함수 호출 방법 </a:t>
             </a:r>
             <a:r>
               <a:rPr kumimoji="1" lang="en-US" altLang="ko-KR" sz="1600" spc="-60">
@@ -12166,7 +12166,7 @@
                 <a:latin typeface="Noto Sans CJK KR DemiLight" panose="020B0400000000000000" pitchFamily="34" charset="-128"/>
                 <a:ea typeface="Noto Sans CJK KR DemiLight" panose="020B0400000000000000" pitchFamily="34" charset="-128"/>
               </a:rPr>
-              <a:t> 함수 호출 방법 </a:t>
+              <a:t>  함수 호출 방법 </a:t>
             </a:r>
             <a:r>
               <a:rPr kumimoji="1" lang="en-US" altLang="ko-KR" sz="1600" spc="-60">
